--- a/Presentations/70-534-Template.pptx
+++ b/Presentations/70-534-Template.pptx
@@ -5,19 +5,21 @@
     <p:sldMasterId id="2147483660" r:id="rId1"/>
   </p:sldMasterIdLst>
   <p:notesMasterIdLst>
-    <p:notesMasterId r:id="rId12"/>
+    <p:notesMasterId r:id="rId14"/>
   </p:notesMasterIdLst>
   <p:sldIdLst>
     <p:sldId id="258" r:id="rId2"/>
-    <p:sldId id="268" r:id="rId3"/>
-    <p:sldId id="257" r:id="rId4"/>
-    <p:sldId id="259" r:id="rId5"/>
-    <p:sldId id="260" r:id="rId6"/>
-    <p:sldId id="261" r:id="rId7"/>
-    <p:sldId id="262" r:id="rId8"/>
-    <p:sldId id="263" r:id="rId9"/>
-    <p:sldId id="264" r:id="rId10"/>
-    <p:sldId id="265" r:id="rId11"/>
+    <p:sldId id="257" r:id="rId3"/>
+    <p:sldId id="259" r:id="rId4"/>
+    <p:sldId id="260" r:id="rId5"/>
+    <p:sldId id="261" r:id="rId6"/>
+    <p:sldId id="262" r:id="rId7"/>
+    <p:sldId id="263" r:id="rId8"/>
+    <p:sldId id="264" r:id="rId9"/>
+    <p:sldId id="265" r:id="rId10"/>
+    <p:sldId id="268" r:id="rId11"/>
+    <p:sldId id="269" r:id="rId12"/>
+    <p:sldId id="270" r:id="rId13"/>
   </p:sldIdLst>
   <p:sldSz cx="12192000" cy="6858000"/>
   <p:notesSz cx="6858000" cy="9144000"/>
@@ -122,6 +124,10 @@
     </p:ext>
   </p:extLst>
 </p:presentation>
+</file>
+
+<file path=ppt/revisionInfo.xml><?xml version="1.0" encoding="utf-8"?>
+<p1510:revInfo xmlns:a="http://schemas.openxmlformats.org/drawingml/2006/main" xmlns:r="http://schemas.openxmlformats.org/officeDocument/2006/relationships" xmlns:p1510="http://schemas.microsoft.com/office/powerpoint/2015/10/main"/>
 </file>
 
 <file path=ppt/diagrams/colors1.xml><?xml version="1.0" encoding="utf-8"?>
@@ -4527,7 +4533,7 @@
                 <a:tabLst/>
                 <a:defRPr/>
               </a:pPr>
-              <a:t>3</a:t>
+              <a:t>2</a:t>
             </a:fld>
             <a:endParaRPr kumimoji="0" lang="en-US" sz="1200" b="0" i="0" u="none" strike="noStrike" kern="1200" cap="none" spc="0" normalizeH="0" baseline="0" noProof="0" dirty="0">
               <a:ln>
@@ -4560,16 +4566,259 @@
 </file>
 
 <file path=ppt/slideLayouts/slideLayout1.xml><?xml version="1.0" encoding="utf-8"?>
-<p:sldLayout xmlns:a="http://schemas.openxmlformats.org/drawingml/2006/main" xmlns:r="http://schemas.openxmlformats.org/officeDocument/2006/relationships" xmlns:p="http://schemas.openxmlformats.org/presentationml/2006/main" preserve="1" userDrawn="1">
-  <p:cSld name="Exam-Tip">
+<p:sldLayout xmlns:a="http://schemas.openxmlformats.org/drawingml/2006/main" xmlns:r="http://schemas.openxmlformats.org/officeDocument/2006/relationships" xmlns:p="http://schemas.openxmlformats.org/presentationml/2006/main" type="obj" preserve="1">
+  <p:cSld name="Lab">
     <p:bg>
       <p:bgPr>
         <a:solidFill>
-          <a:srgbClr val="92D050"/>
+          <a:schemeClr val="accent4">
+            <a:lumMod val="20000"/>
+            <a:lumOff val="80000"/>
+          </a:schemeClr>
         </a:solidFill>
         <a:effectLst/>
       </p:bgPr>
     </p:bg>
+    <p:spTree>
+      <p:nvGrpSpPr>
+        <p:cNvPr id="1" name=""/>
+        <p:cNvGrpSpPr/>
+        <p:nvPr/>
+      </p:nvGrpSpPr>
+      <p:grpSpPr>
+        <a:xfrm>
+          <a:off x="0" y="0"/>
+          <a:ext cx="0" cy="0"/>
+          <a:chOff x="0" y="0"/>
+          <a:chExt cx="0" cy="0"/>
+        </a:xfrm>
+      </p:grpSpPr>
+      <p:sp>
+        <p:nvSpPr>
+          <p:cNvPr id="2" name="Title 1"/>
+          <p:cNvSpPr>
+            <a:spLocks noGrp="1"/>
+          </p:cNvSpPr>
+          <p:nvPr>
+            <p:ph type="title" hasCustomPrompt="1"/>
+          </p:nvPr>
+        </p:nvSpPr>
+        <p:spPr>
+          <a:xfrm>
+            <a:off x="1640114" y="0"/>
+            <a:ext cx="10339682" cy="1231901"/>
+          </a:xfrm>
+        </p:spPr>
+        <p:txBody>
+          <a:bodyPr/>
+          <a:lstStyle>
+            <a:lvl1pPr>
+              <a:defRPr/>
+            </a:lvl1pPr>
+          </a:lstStyle>
+          <a:p>
+            <a:r>
+              <a:rPr lang="en-US" dirty="0"/>
+              <a:t>Click to edit Lab title</a:t>
+            </a:r>
+          </a:p>
+        </p:txBody>
+      </p:sp>
+      <p:sp>
+        <p:nvSpPr>
+          <p:cNvPr id="3" name="Content Placeholder 2"/>
+          <p:cNvSpPr>
+            <a:spLocks noGrp="1"/>
+          </p:cNvSpPr>
+          <p:nvPr>
+            <p:ph idx="1" hasCustomPrompt="1"/>
+          </p:nvPr>
+        </p:nvSpPr>
+        <p:spPr>
+          <a:xfrm>
+            <a:off x="201591" y="1231901"/>
+            <a:ext cx="11778205" cy="4933487"/>
+          </a:xfrm>
+        </p:spPr>
+        <p:txBody>
+          <a:bodyPr>
+            <a:normAutofit/>
+          </a:bodyPr>
+          <a:lstStyle>
+            <a:lvl1pPr marL="0" indent="0">
+              <a:buFontTx/>
+              <a:buNone/>
+              <a:defRPr sz="3600"/>
+            </a:lvl1pPr>
+            <a:lvl2pPr marL="457200" indent="0">
+              <a:buFontTx/>
+              <a:buNone/>
+              <a:defRPr sz="3200"/>
+            </a:lvl2pPr>
+            <a:lvl3pPr marL="914400" indent="0">
+              <a:buFontTx/>
+              <a:buNone/>
+              <a:defRPr sz="2800"/>
+            </a:lvl3pPr>
+            <a:lvl4pPr marL="1371600" indent="0">
+              <a:buFontTx/>
+              <a:buNone/>
+              <a:defRPr sz="2400"/>
+            </a:lvl4pPr>
+            <a:lvl5pPr marL="1828800" indent="0">
+              <a:buFontTx/>
+              <a:buNone/>
+              <a:defRPr sz="2400"/>
+            </a:lvl5pPr>
+          </a:lstStyle>
+          <a:p>
+            <a:pPr lvl="0"/>
+            <a:r>
+              <a:rPr lang="en-US" dirty="0"/>
+              <a:t>Click to edit Master text styles</a:t>
+            </a:r>
+          </a:p>
+          <a:p>
+            <a:pPr lvl="1"/>
+            <a:r>
+              <a:rPr lang="en-US" dirty="0"/>
+              <a:t>Second level </a:t>
+            </a:r>
+          </a:p>
+          <a:p>
+            <a:pPr lvl="1"/>
+            <a:r>
+              <a:rPr lang="en-US" dirty="0"/>
+              <a:t>	Third level</a:t>
+            </a:r>
+          </a:p>
+          <a:p>
+            <a:pPr lvl="3"/>
+            <a:r>
+              <a:rPr lang="en-US" dirty="0"/>
+              <a:t>Fourth level</a:t>
+            </a:r>
+          </a:p>
+          <a:p>
+            <a:pPr lvl="4"/>
+            <a:r>
+              <a:rPr lang="en-US" dirty="0"/>
+              <a:t>Fifth level</a:t>
+            </a:r>
+          </a:p>
+        </p:txBody>
+      </p:sp>
+      <p:sp>
+        <p:nvSpPr>
+          <p:cNvPr id="7" name="Rectangle 6">
+            <a:extLst>
+              <a:ext uri="{FF2B5EF4-FFF2-40B4-BE49-F238E27FC236}">
+                <a16:creationId xmlns:a16="http://schemas.microsoft.com/office/drawing/2014/main" id="{36E8BE26-ED1E-4BC3-AABB-33679E13D11C}"/>
+              </a:ext>
+            </a:extLst>
+          </p:cNvPr>
+          <p:cNvSpPr/>
+          <p:nvPr userDrawn="1"/>
+        </p:nvSpPr>
+        <p:spPr>
+          <a:xfrm>
+            <a:off x="211265" y="117609"/>
+            <a:ext cx="1253869" cy="923330"/>
+          </a:xfrm>
+          <a:prstGeom prst="rect">
+            <a:avLst/>
+          </a:prstGeom>
+        </p:spPr>
+        <p:txBody>
+          <a:bodyPr wrap="none">
+            <a:spAutoFit/>
+          </a:bodyPr>
+          <a:lstStyle/>
+          <a:p>
+            <a:r>
+              <a:rPr lang="en-US" sz="5400" dirty="0"/>
+              <a:t>LAB</a:t>
+            </a:r>
+          </a:p>
+        </p:txBody>
+      </p:sp>
+      <p:sp>
+        <p:nvSpPr>
+          <p:cNvPr id="9" name="Title 1">
+            <a:extLst>
+              <a:ext uri="{FF2B5EF4-FFF2-40B4-BE49-F238E27FC236}">
+                <a16:creationId xmlns:a16="http://schemas.microsoft.com/office/drawing/2014/main" id="{C610877B-30C7-48C5-8BDA-CA0DB0C7F805}"/>
+              </a:ext>
+            </a:extLst>
+          </p:cNvPr>
+          <p:cNvSpPr txBox="1">
+            <a:spLocks/>
+          </p:cNvSpPr>
+          <p:nvPr userDrawn="1"/>
+        </p:nvSpPr>
+        <p:spPr>
+          <a:xfrm>
+            <a:off x="201591" y="6219371"/>
+            <a:ext cx="11778205" cy="587829"/>
+          </a:xfrm>
+          <a:prstGeom prst="rect">
+            <a:avLst/>
+          </a:prstGeom>
+          <a:solidFill>
+            <a:schemeClr val="bg1"/>
+          </a:solidFill>
+        </p:spPr>
+        <p:txBody>
+          <a:bodyPr vert="horz" lIns="91440" tIns="45720" rIns="91440" bIns="45720" rtlCol="0" anchor="ctr">
+            <a:noAutofit/>
+          </a:bodyPr>
+          <a:lstStyle>
+            <a:lvl1pPr algn="l" defTabSz="914400" rtl="0" eaLnBrk="1" latinLnBrk="0" hangingPunct="1">
+              <a:lnSpc>
+                <a:spcPct val="90000"/>
+              </a:lnSpc>
+              <a:spcBef>
+                <a:spcPct val="0"/>
+              </a:spcBef>
+              <a:buNone/>
+              <a:defRPr sz="4400" kern="1200">
+                <a:solidFill>
+                  <a:schemeClr val="tx1"/>
+                </a:solidFill>
+                <a:latin typeface="+mj-lt"/>
+                <a:ea typeface="+mj-ea"/>
+                <a:cs typeface="+mj-cs"/>
+              </a:defRPr>
+            </a:lvl1pPr>
+          </a:lstStyle>
+          <a:p>
+            <a:r>
+              <a:rPr lang="en-US" sz="2000" u="sng" dirty="0">
+                <a:solidFill>
+                  <a:srgbClr val="0070C0"/>
+                </a:solidFill>
+              </a:rPr>
+              <a:t>Click to edit Lab URL</a:t>
+            </a:r>
+          </a:p>
+        </p:txBody>
+      </p:sp>
+    </p:spTree>
+    <p:extLst>
+      <p:ext uri="{BB962C8B-B14F-4D97-AF65-F5344CB8AC3E}">
+        <p14:creationId xmlns:p14="http://schemas.microsoft.com/office/powerpoint/2010/main" val="1549873689"/>
+      </p:ext>
+    </p:extLst>
+  </p:cSld>
+  <p:clrMapOvr>
+    <a:masterClrMapping/>
+  </p:clrMapOvr>
+</p:sldLayout>
+</file>
+
+<file path=ppt/slideLayouts/slideLayout10.xml><?xml version="1.0" encoding="utf-8"?>
+<p:sldLayout xmlns:a="http://schemas.openxmlformats.org/drawingml/2006/main" xmlns:r="http://schemas.openxmlformats.org/officeDocument/2006/relationships" xmlns:p="http://schemas.openxmlformats.org/presentationml/2006/main" type="twoObj" preserve="1">
+  <p:cSld name="Two Content">
     <p:spTree>
       <p:nvGrpSpPr>
         <p:cNvPr id="1" name=""/>
@@ -4596,131 +4845,581 @@
         </p:nvSpPr>
         <p:spPr>
           <a:xfrm>
-            <a:off x="3545840" y="347873"/>
-            <a:ext cx="8117840" cy="800207"/>
+            <a:off x="838200" y="219618"/>
+            <a:ext cx="10515600" cy="905377"/>
           </a:xfrm>
         </p:spPr>
         <p:txBody>
-          <a:bodyPr>
-            <a:normAutofit/>
-          </a:bodyPr>
-          <a:lstStyle>
-            <a:lvl1pPr algn="l" defTabSz="914400" rtl="0" eaLnBrk="1" latinLnBrk="0" hangingPunct="1">
-              <a:lnSpc>
-                <a:spcPct val="90000"/>
-              </a:lnSpc>
-              <a:spcBef>
-                <a:spcPct val="0"/>
-              </a:spcBef>
-              <a:buNone/>
-              <a:defRPr lang="en-US" sz="5400" b="1" i="1" u="none" kern="1200" baseline="0" dirty="0">
-                <a:solidFill>
-                  <a:schemeClr val="tx1"/>
-                </a:solidFill>
-                <a:latin typeface="+mj-lt"/>
-                <a:ea typeface="+mj-ea"/>
-                <a:cs typeface="+mj-cs"/>
-              </a:defRPr>
-            </a:lvl1pPr>
-          </a:lstStyle>
-          <a:p>
+          <a:bodyPr/>
+          <a:lstStyle/>
+          <a:p>
+            <a:r>
+              <a:rPr lang="en-US"/>
+              <a:t>Click to edit Master title style</a:t>
+            </a:r>
             <a:endParaRPr lang="en-US" dirty="0"/>
           </a:p>
         </p:txBody>
       </p:sp>
       <p:sp>
         <p:nvSpPr>
-          <p:cNvPr id="4" name="Text Placeholder 3"/>
+          <p:cNvPr id="3" name="Content Placeholder 2"/>
           <p:cNvSpPr>
             <a:spLocks noGrp="1"/>
           </p:cNvSpPr>
           <p:nvPr>
-            <p:ph type="body" sz="quarter" idx="11"/>
+            <p:ph sz="half" idx="1"/>
           </p:nvPr>
         </p:nvSpPr>
         <p:spPr>
           <a:xfrm>
-            <a:off x="268080" y="1361440"/>
-            <a:ext cx="11655840" cy="4704080"/>
+            <a:off x="223520" y="1279524"/>
+            <a:ext cx="5699760" cy="4968875"/>
           </a:xfrm>
         </p:spPr>
         <p:txBody>
-          <a:bodyPr>
-            <a:noAutofit/>
-          </a:bodyPr>
-          <a:lstStyle>
-            <a:lvl1pPr marL="0" indent="0">
-              <a:buNone/>
-              <a:defRPr sz="4000"/>
-            </a:lvl1pPr>
-            <a:lvl2pPr marL="28012" indent="0">
-              <a:buNone/>
-              <a:defRPr sz="1961"/>
-            </a:lvl2pPr>
-            <a:lvl3pPr marL="219428" indent="0">
-              <a:buNone/>
-              <a:defRPr sz="1961"/>
-            </a:lvl3pPr>
-            <a:lvl4pPr marL="466868" indent="0">
-              <a:buNone/>
-              <a:defRPr sz="1765"/>
-            </a:lvl4pPr>
-            <a:lvl5pPr marL="725201" indent="0">
-              <a:buNone/>
-              <a:defRPr sz="1765"/>
-            </a:lvl5pPr>
-          </a:lstStyle>
+          <a:bodyPr/>
+          <a:lstStyle/>
           <a:p>
             <a:pPr lvl="0"/>
-            <a:endParaRPr lang="en-US" dirty="0"/>
+            <a:r>
+              <a:rPr lang="en-US" dirty="0"/>
+              <a:t>Click to edit Master text styles</a:t>
+            </a:r>
+          </a:p>
+          <a:p>
+            <a:pPr lvl="1"/>
+            <a:r>
+              <a:rPr lang="en-US" dirty="0"/>
+              <a:t>Second level</a:t>
+            </a:r>
+          </a:p>
+          <a:p>
+            <a:pPr lvl="2"/>
+            <a:r>
+              <a:rPr lang="en-US" dirty="0"/>
+              <a:t>Third level</a:t>
+            </a:r>
+          </a:p>
+          <a:p>
+            <a:pPr lvl="3"/>
+            <a:r>
+              <a:rPr lang="en-US" dirty="0"/>
+              <a:t>Fourth level</a:t>
+            </a:r>
+          </a:p>
+          <a:p>
+            <a:pPr lvl="4"/>
+            <a:r>
+              <a:rPr lang="en-US" dirty="0"/>
+              <a:t>Fifth level</a:t>
+            </a:r>
           </a:p>
         </p:txBody>
       </p:sp>
       <p:sp>
         <p:nvSpPr>
-          <p:cNvPr id="3" name="Rectangle 2"/>
-          <p:cNvSpPr/>
-          <p:nvPr userDrawn="1"/>
+          <p:cNvPr id="4" name="Content Placeholder 3"/>
+          <p:cNvSpPr>
+            <a:spLocks noGrp="1"/>
+          </p:cNvSpPr>
+          <p:nvPr>
+            <p:ph sz="half" idx="2"/>
+          </p:nvPr>
         </p:nvSpPr>
         <p:spPr>
           <a:xfrm>
-            <a:off x="268080" y="286311"/>
-            <a:ext cx="3127779" cy="923330"/>
+            <a:off x="6344920" y="1279524"/>
+            <a:ext cx="5699760" cy="4968875"/>
           </a:xfrm>
-          <a:prstGeom prst="rect">
-            <a:avLst/>
-          </a:prstGeom>
         </p:spPr>
         <p:txBody>
-          <a:bodyPr wrap="none">
-            <a:spAutoFit/>
-          </a:bodyPr>
+          <a:bodyPr/>
           <a:lstStyle/>
           <a:p>
-            <a:r>
-              <a:rPr lang="en-US" sz="5400" dirty="0"/>
-              <a:t>EXAM TIP!</a:t>
-            </a:r>
+            <a:pPr lvl="0"/>
+            <a:r>
+              <a:rPr lang="en-US"/>
+              <a:t>Click to edit Master text styles</a:t>
+            </a:r>
+          </a:p>
+          <a:p>
+            <a:pPr lvl="1"/>
+            <a:r>
+              <a:rPr lang="en-US"/>
+              <a:t>Second level</a:t>
+            </a:r>
+          </a:p>
+          <a:p>
+            <a:pPr lvl="2"/>
+            <a:r>
+              <a:rPr lang="en-US"/>
+              <a:t>Third level</a:t>
+            </a:r>
+          </a:p>
+          <a:p>
+            <a:pPr lvl="3"/>
+            <a:r>
+              <a:rPr lang="en-US"/>
+              <a:t>Fourth level</a:t>
+            </a:r>
+          </a:p>
+          <a:p>
+            <a:pPr lvl="4"/>
+            <a:r>
+              <a:rPr lang="en-US"/>
+              <a:t>Fifth level</a:t>
+            </a:r>
+            <a:endParaRPr lang="en-US" dirty="0"/>
+          </a:p>
+        </p:txBody>
+      </p:sp>
+      <p:sp>
+        <p:nvSpPr>
+          <p:cNvPr id="5" name="Date Placeholder 4"/>
+          <p:cNvSpPr>
+            <a:spLocks noGrp="1"/>
+          </p:cNvSpPr>
+          <p:nvPr>
+            <p:ph type="dt" sz="half" idx="10"/>
+          </p:nvPr>
+        </p:nvSpPr>
+        <p:spPr/>
+        <p:txBody>
+          <a:bodyPr/>
+          <a:lstStyle/>
+          <a:p>
+            <a:fld id="{C764DE79-268F-4C1A-8933-263129D2AF90}" type="datetimeFigureOut">
+              <a:rPr lang="en-US" dirty="0"/>
+              <a:t>6/10/2017</a:t>
+            </a:fld>
+            <a:endParaRPr lang="en-US" dirty="0"/>
+          </a:p>
+        </p:txBody>
+      </p:sp>
+      <p:sp>
+        <p:nvSpPr>
+          <p:cNvPr id="6" name="Footer Placeholder 5"/>
+          <p:cNvSpPr>
+            <a:spLocks noGrp="1"/>
+          </p:cNvSpPr>
+          <p:nvPr>
+            <p:ph type="ftr" sz="quarter" idx="11"/>
+          </p:nvPr>
+        </p:nvSpPr>
+        <p:spPr/>
+        <p:txBody>
+          <a:bodyPr/>
+          <a:lstStyle/>
+          <a:p>
+            <a:endParaRPr lang="en-US" dirty="0"/>
+          </a:p>
+        </p:txBody>
+      </p:sp>
+      <p:sp>
+        <p:nvSpPr>
+          <p:cNvPr id="7" name="Slide Number Placeholder 6"/>
+          <p:cNvSpPr>
+            <a:spLocks noGrp="1"/>
+          </p:cNvSpPr>
+          <p:nvPr>
+            <p:ph type="sldNum" sz="quarter" idx="12"/>
+          </p:nvPr>
+        </p:nvSpPr>
+        <p:spPr/>
+        <p:txBody>
+          <a:bodyPr/>
+          <a:lstStyle/>
+          <a:p>
+            <a:fld id="{48F63A3B-78C7-47BE-AE5E-E10140E04643}" type="slidenum">
+              <a:rPr lang="en-US" dirty="0"/>
+              <a:t>‹#›</a:t>
+            </a:fld>
+            <a:endParaRPr lang="en-US" dirty="0"/>
           </a:p>
         </p:txBody>
       </p:sp>
     </p:spTree>
     <p:extLst>
       <p:ext uri="{BB962C8B-B14F-4D97-AF65-F5344CB8AC3E}">
-        <p14:creationId xmlns:p14="http://schemas.microsoft.com/office/powerpoint/2010/main" val="3422236092"/>
+        <p14:creationId xmlns:p14="http://schemas.microsoft.com/office/powerpoint/2010/main" val="3429141266"/>
       </p:ext>
     </p:extLst>
   </p:cSld>
   <p:clrMapOvr>
     <a:masterClrMapping/>
   </p:clrMapOvr>
-  <p:transition>
-    <p:fade/>
-  </p:transition>
 </p:sldLayout>
 </file>
 
-<file path=ppt/slideLayouts/slideLayout10.xml><?xml version="1.0" encoding="utf-8"?>
+<file path=ppt/slideLayouts/slideLayout11.xml><?xml version="1.0" encoding="utf-8"?>
+<p:sldLayout xmlns:a="http://schemas.openxmlformats.org/drawingml/2006/main" xmlns:r="http://schemas.openxmlformats.org/officeDocument/2006/relationships" xmlns:p="http://schemas.openxmlformats.org/presentationml/2006/main" type="twoTxTwoObj" preserve="1">
+  <p:cSld name="Comparison">
+    <p:spTree>
+      <p:nvGrpSpPr>
+        <p:cNvPr id="1" name=""/>
+        <p:cNvGrpSpPr/>
+        <p:nvPr/>
+      </p:nvGrpSpPr>
+      <p:grpSpPr>
+        <a:xfrm>
+          <a:off x="0" y="0"/>
+          <a:ext cx="0" cy="0"/>
+          <a:chOff x="0" y="0"/>
+          <a:chExt cx="0" cy="0"/>
+        </a:xfrm>
+      </p:grpSpPr>
+      <p:sp>
+        <p:nvSpPr>
+          <p:cNvPr id="2" name="Title 1"/>
+          <p:cNvSpPr>
+            <a:spLocks noGrp="1"/>
+          </p:cNvSpPr>
+          <p:nvPr>
+            <p:ph type="title"/>
+          </p:nvPr>
+        </p:nvSpPr>
+        <p:spPr>
+          <a:xfrm>
+            <a:off x="839788" y="365125"/>
+            <a:ext cx="10515600" cy="1325563"/>
+          </a:xfrm>
+        </p:spPr>
+        <p:txBody>
+          <a:bodyPr/>
+          <a:lstStyle/>
+          <a:p>
+            <a:r>
+              <a:rPr lang="en-US"/>
+              <a:t>Click to edit Master title style</a:t>
+            </a:r>
+            <a:endParaRPr lang="en-US" dirty="0"/>
+          </a:p>
+        </p:txBody>
+      </p:sp>
+      <p:sp>
+        <p:nvSpPr>
+          <p:cNvPr id="3" name="Text Placeholder 2"/>
+          <p:cNvSpPr>
+            <a:spLocks noGrp="1"/>
+          </p:cNvSpPr>
+          <p:nvPr>
+            <p:ph type="body" idx="1"/>
+          </p:nvPr>
+        </p:nvSpPr>
+        <p:spPr>
+          <a:xfrm>
+            <a:off x="839788" y="1681163"/>
+            <a:ext cx="5157787" cy="823912"/>
+          </a:xfrm>
+        </p:spPr>
+        <p:txBody>
+          <a:bodyPr anchor="b"/>
+          <a:lstStyle>
+            <a:lvl1pPr marL="0" indent="0">
+              <a:buNone/>
+              <a:defRPr sz="2400" b="1"/>
+            </a:lvl1pPr>
+            <a:lvl2pPr marL="457200" indent="0">
+              <a:buNone/>
+              <a:defRPr sz="2000" b="1"/>
+            </a:lvl2pPr>
+            <a:lvl3pPr marL="914400" indent="0">
+              <a:buNone/>
+              <a:defRPr sz="1800" b="1"/>
+            </a:lvl3pPr>
+            <a:lvl4pPr marL="1371600" indent="0">
+              <a:buNone/>
+              <a:defRPr sz="1600" b="1"/>
+            </a:lvl4pPr>
+            <a:lvl5pPr marL="1828800" indent="0">
+              <a:buNone/>
+              <a:defRPr sz="1600" b="1"/>
+            </a:lvl5pPr>
+            <a:lvl6pPr marL="2286000" indent="0">
+              <a:buNone/>
+              <a:defRPr sz="1600" b="1"/>
+            </a:lvl6pPr>
+            <a:lvl7pPr marL="2743200" indent="0">
+              <a:buNone/>
+              <a:defRPr sz="1600" b="1"/>
+            </a:lvl7pPr>
+            <a:lvl8pPr marL="3200400" indent="0">
+              <a:buNone/>
+              <a:defRPr sz="1600" b="1"/>
+            </a:lvl8pPr>
+            <a:lvl9pPr marL="3657600" indent="0">
+              <a:buNone/>
+              <a:defRPr sz="1600" b="1"/>
+            </a:lvl9pPr>
+          </a:lstStyle>
+          <a:p>
+            <a:pPr lvl="0"/>
+            <a:r>
+              <a:rPr lang="en-US"/>
+              <a:t>Click to edit Master text styles</a:t>
+            </a:r>
+          </a:p>
+        </p:txBody>
+      </p:sp>
+      <p:sp>
+        <p:nvSpPr>
+          <p:cNvPr id="4" name="Content Placeholder 3"/>
+          <p:cNvSpPr>
+            <a:spLocks noGrp="1"/>
+          </p:cNvSpPr>
+          <p:nvPr>
+            <p:ph sz="half" idx="2"/>
+          </p:nvPr>
+        </p:nvSpPr>
+        <p:spPr>
+          <a:xfrm>
+            <a:off x="839788" y="2505075"/>
+            <a:ext cx="5157787" cy="3684588"/>
+          </a:xfrm>
+        </p:spPr>
+        <p:txBody>
+          <a:bodyPr/>
+          <a:lstStyle/>
+          <a:p>
+            <a:pPr lvl="0"/>
+            <a:r>
+              <a:rPr lang="en-US"/>
+              <a:t>Click to edit Master text styles</a:t>
+            </a:r>
+          </a:p>
+          <a:p>
+            <a:pPr lvl="1"/>
+            <a:r>
+              <a:rPr lang="en-US"/>
+              <a:t>Second level</a:t>
+            </a:r>
+          </a:p>
+          <a:p>
+            <a:pPr lvl="2"/>
+            <a:r>
+              <a:rPr lang="en-US"/>
+              <a:t>Third level</a:t>
+            </a:r>
+          </a:p>
+          <a:p>
+            <a:pPr lvl="3"/>
+            <a:r>
+              <a:rPr lang="en-US"/>
+              <a:t>Fourth level</a:t>
+            </a:r>
+          </a:p>
+          <a:p>
+            <a:pPr lvl="4"/>
+            <a:r>
+              <a:rPr lang="en-US"/>
+              <a:t>Fifth level</a:t>
+            </a:r>
+            <a:endParaRPr lang="en-US" dirty="0"/>
+          </a:p>
+        </p:txBody>
+      </p:sp>
+      <p:sp>
+        <p:nvSpPr>
+          <p:cNvPr id="5" name="Text Placeholder 4"/>
+          <p:cNvSpPr>
+            <a:spLocks noGrp="1"/>
+          </p:cNvSpPr>
+          <p:nvPr>
+            <p:ph type="body" sz="quarter" idx="3"/>
+          </p:nvPr>
+        </p:nvSpPr>
+        <p:spPr>
+          <a:xfrm>
+            <a:off x="6172200" y="1681163"/>
+            <a:ext cx="5183188" cy="823912"/>
+          </a:xfrm>
+        </p:spPr>
+        <p:txBody>
+          <a:bodyPr anchor="b"/>
+          <a:lstStyle>
+            <a:lvl1pPr marL="0" indent="0">
+              <a:buNone/>
+              <a:defRPr sz="2400" b="1"/>
+            </a:lvl1pPr>
+            <a:lvl2pPr marL="457200" indent="0">
+              <a:buNone/>
+              <a:defRPr sz="2000" b="1"/>
+            </a:lvl2pPr>
+            <a:lvl3pPr marL="914400" indent="0">
+              <a:buNone/>
+              <a:defRPr sz="1800" b="1"/>
+            </a:lvl3pPr>
+            <a:lvl4pPr marL="1371600" indent="0">
+              <a:buNone/>
+              <a:defRPr sz="1600" b="1"/>
+            </a:lvl4pPr>
+            <a:lvl5pPr marL="1828800" indent="0">
+              <a:buNone/>
+              <a:defRPr sz="1600" b="1"/>
+            </a:lvl5pPr>
+            <a:lvl6pPr marL="2286000" indent="0">
+              <a:buNone/>
+              <a:defRPr sz="1600" b="1"/>
+            </a:lvl6pPr>
+            <a:lvl7pPr marL="2743200" indent="0">
+              <a:buNone/>
+              <a:defRPr sz="1600" b="1"/>
+            </a:lvl7pPr>
+            <a:lvl8pPr marL="3200400" indent="0">
+              <a:buNone/>
+              <a:defRPr sz="1600" b="1"/>
+            </a:lvl8pPr>
+            <a:lvl9pPr marL="3657600" indent="0">
+              <a:buNone/>
+              <a:defRPr sz="1600" b="1"/>
+            </a:lvl9pPr>
+          </a:lstStyle>
+          <a:p>
+            <a:pPr lvl="0"/>
+            <a:r>
+              <a:rPr lang="en-US"/>
+              <a:t>Click to edit Master text styles</a:t>
+            </a:r>
+          </a:p>
+        </p:txBody>
+      </p:sp>
+      <p:sp>
+        <p:nvSpPr>
+          <p:cNvPr id="6" name="Content Placeholder 5"/>
+          <p:cNvSpPr>
+            <a:spLocks noGrp="1"/>
+          </p:cNvSpPr>
+          <p:nvPr>
+            <p:ph sz="quarter" idx="4"/>
+          </p:nvPr>
+        </p:nvSpPr>
+        <p:spPr>
+          <a:xfrm>
+            <a:off x="6172200" y="2505075"/>
+            <a:ext cx="5183188" cy="3684588"/>
+          </a:xfrm>
+        </p:spPr>
+        <p:txBody>
+          <a:bodyPr/>
+          <a:lstStyle/>
+          <a:p>
+            <a:pPr lvl="0"/>
+            <a:r>
+              <a:rPr lang="en-US"/>
+              <a:t>Click to edit Master text styles</a:t>
+            </a:r>
+          </a:p>
+          <a:p>
+            <a:pPr lvl="1"/>
+            <a:r>
+              <a:rPr lang="en-US"/>
+              <a:t>Second level</a:t>
+            </a:r>
+          </a:p>
+          <a:p>
+            <a:pPr lvl="2"/>
+            <a:r>
+              <a:rPr lang="en-US"/>
+              <a:t>Third level</a:t>
+            </a:r>
+          </a:p>
+          <a:p>
+            <a:pPr lvl="3"/>
+            <a:r>
+              <a:rPr lang="en-US"/>
+              <a:t>Fourth level</a:t>
+            </a:r>
+          </a:p>
+          <a:p>
+            <a:pPr lvl="4"/>
+            <a:r>
+              <a:rPr lang="en-US"/>
+              <a:t>Fifth level</a:t>
+            </a:r>
+            <a:endParaRPr lang="en-US" dirty="0"/>
+          </a:p>
+        </p:txBody>
+      </p:sp>
+      <p:sp>
+        <p:nvSpPr>
+          <p:cNvPr id="7" name="Date Placeholder 6"/>
+          <p:cNvSpPr>
+            <a:spLocks noGrp="1"/>
+          </p:cNvSpPr>
+          <p:nvPr>
+            <p:ph type="dt" sz="half" idx="10"/>
+          </p:nvPr>
+        </p:nvSpPr>
+        <p:spPr/>
+        <p:txBody>
+          <a:bodyPr/>
+          <a:lstStyle/>
+          <a:p>
+            <a:fld id="{C764DE79-268F-4C1A-8933-263129D2AF90}" type="datetimeFigureOut">
+              <a:rPr lang="en-US" dirty="0"/>
+              <a:t>6/10/2017</a:t>
+            </a:fld>
+            <a:endParaRPr lang="en-US" dirty="0"/>
+          </a:p>
+        </p:txBody>
+      </p:sp>
+      <p:sp>
+        <p:nvSpPr>
+          <p:cNvPr id="8" name="Footer Placeholder 7"/>
+          <p:cNvSpPr>
+            <a:spLocks noGrp="1"/>
+          </p:cNvSpPr>
+          <p:nvPr>
+            <p:ph type="ftr" sz="quarter" idx="11"/>
+          </p:nvPr>
+        </p:nvSpPr>
+        <p:spPr/>
+        <p:txBody>
+          <a:bodyPr/>
+          <a:lstStyle/>
+          <a:p>
+            <a:endParaRPr lang="en-US" dirty="0"/>
+          </a:p>
+        </p:txBody>
+      </p:sp>
+      <p:sp>
+        <p:nvSpPr>
+          <p:cNvPr id="9" name="Slide Number Placeholder 8"/>
+          <p:cNvSpPr>
+            <a:spLocks noGrp="1"/>
+          </p:cNvSpPr>
+          <p:nvPr>
+            <p:ph type="sldNum" sz="quarter" idx="12"/>
+          </p:nvPr>
+        </p:nvSpPr>
+        <p:spPr/>
+        <p:txBody>
+          <a:bodyPr/>
+          <a:lstStyle/>
+          <a:p>
+            <a:fld id="{48F63A3B-78C7-47BE-AE5E-E10140E04643}" type="slidenum">
+              <a:rPr lang="en-US" dirty="0"/>
+              <a:t>‹#›</a:t>
+            </a:fld>
+            <a:endParaRPr lang="en-US" dirty="0"/>
+          </a:p>
+        </p:txBody>
+      </p:sp>
+    </p:spTree>
+    <p:extLst>
+      <p:ext uri="{BB962C8B-B14F-4D97-AF65-F5344CB8AC3E}">
+        <p14:creationId xmlns:p14="http://schemas.microsoft.com/office/powerpoint/2010/main" val="652335608"/>
+      </p:ext>
+    </p:extLst>
+  </p:cSld>
+  <p:clrMapOvr>
+    <a:masterClrMapping/>
+  </p:clrMapOvr>
+</p:sldLayout>
+</file>
+
+<file path=ppt/slideLayouts/slideLayout12.xml><?xml version="1.0" encoding="utf-8"?>
 <p:sldLayout xmlns:a="http://schemas.openxmlformats.org/drawingml/2006/main" xmlns:r="http://schemas.openxmlformats.org/officeDocument/2006/relationships" xmlns:p="http://schemas.openxmlformats.org/presentationml/2006/main" type="titleOnly" preserve="1">
   <p:cSld name="Title Only">
     <p:spTree>
@@ -4848,7 +5547,7 @@
 </p:sldLayout>
 </file>
 
-<file path=ppt/slideLayouts/slideLayout11.xml><?xml version="1.0" encoding="utf-8"?>
+<file path=ppt/slideLayouts/slideLayout13.xml><?xml version="1.0" encoding="utf-8"?>
 <p:sldLayout xmlns:a="http://schemas.openxmlformats.org/drawingml/2006/main" xmlns:r="http://schemas.openxmlformats.org/officeDocument/2006/relationships" xmlns:p="http://schemas.openxmlformats.org/presentationml/2006/main" type="blank" preserve="1">
   <p:cSld name="Blank">
     <p:spTree>
@@ -4943,7 +5642,7 @@
 </p:sldLayout>
 </file>
 
-<file path=ppt/slideLayouts/slideLayout12.xml><?xml version="1.0" encoding="utf-8"?>
+<file path=ppt/slideLayouts/slideLayout14.xml><?xml version="1.0" encoding="utf-8"?>
 <p:sldLayout xmlns:a="http://schemas.openxmlformats.org/drawingml/2006/main" xmlns:r="http://schemas.openxmlformats.org/officeDocument/2006/relationships" xmlns:p="http://schemas.openxmlformats.org/presentationml/2006/main" type="objTx" preserve="1">
   <p:cSld name="Content with Caption">
     <p:spTree>
@@ -5220,7 +5919,7 @@
 </p:sldLayout>
 </file>
 
-<file path=ppt/slideLayouts/slideLayout13.xml><?xml version="1.0" encoding="utf-8"?>
+<file path=ppt/slideLayouts/slideLayout15.xml><?xml version="1.0" encoding="utf-8"?>
 <p:sldLayout xmlns:a="http://schemas.openxmlformats.org/drawingml/2006/main" xmlns:r="http://schemas.openxmlformats.org/officeDocument/2006/relationships" xmlns:p="http://schemas.openxmlformats.org/presentationml/2006/main" type="picTx" preserve="1">
   <p:cSld name="Picture with Caption">
     <p:spTree>
@@ -5477,7 +6176,7 @@
 </p:sldLayout>
 </file>
 
-<file path=ppt/slideLayouts/slideLayout14.xml><?xml version="1.0" encoding="utf-8"?>
+<file path=ppt/slideLayouts/slideLayout16.xml><?xml version="1.0" encoding="utf-8"?>
 <p:sldLayout xmlns:a="http://schemas.openxmlformats.org/drawingml/2006/main" xmlns:r="http://schemas.openxmlformats.org/officeDocument/2006/relationships" xmlns:p="http://schemas.openxmlformats.org/presentationml/2006/main" type="vertTx" preserve="1">
   <p:cSld name="Title and Vertical Text">
     <p:spTree>
@@ -5647,7 +6346,7 @@
 </p:sldLayout>
 </file>
 
-<file path=ppt/slideLayouts/slideLayout15.xml><?xml version="1.0" encoding="utf-8"?>
+<file path=ppt/slideLayouts/slideLayout17.xml><?xml version="1.0" encoding="utf-8"?>
 <p:sldLayout xmlns:a="http://schemas.openxmlformats.org/drawingml/2006/main" xmlns:r="http://schemas.openxmlformats.org/officeDocument/2006/relationships" xmlns:p="http://schemas.openxmlformats.org/presentationml/2006/main" type="vertTitleAndTx" preserve="1">
   <p:cSld name="Vertical Title and Text">
     <p:spTree>
@@ -5827,7 +6526,7 @@
 </p:sldLayout>
 </file>
 
-<file path=ppt/slideLayouts/slideLayout16.xml><?xml version="1.0" encoding="utf-8"?>
+<file path=ppt/slideLayouts/slideLayout18.xml><?xml version="1.0" encoding="utf-8"?>
 <p:sldLayout xmlns:a="http://schemas.openxmlformats.org/drawingml/2006/main" xmlns:r="http://schemas.openxmlformats.org/officeDocument/2006/relationships" xmlns:p="http://schemas.openxmlformats.org/presentationml/2006/main" userDrawn="1">
   <p:cSld name="Title Slide - ANIMATED">
     <p:bg bwMode="auto">
@@ -6737,7 +7436,7 @@
 </p:sldLayout>
 </file>
 
-<file path=ppt/slideLayouts/slideLayout17.xml><?xml version="1.0" encoding="utf-8"?>
+<file path=ppt/slideLayouts/slideLayout19.xml><?xml version="1.0" encoding="utf-8"?>
 <p:sldLayout xmlns:a="http://schemas.openxmlformats.org/drawingml/2006/main" xmlns:r="http://schemas.openxmlformats.org/officeDocument/2006/relationships" xmlns:p="http://schemas.openxmlformats.org/presentationml/2006/main" userDrawn="1">
   <p:cSld name="Title &amp; Non-bulleted text">
     <p:spTree>
@@ -6876,7 +7575,149 @@
 </p:sldLayout>
 </file>
 
-<file path=ppt/slideLayouts/slideLayout18.xml><?xml version="1.0" encoding="utf-8"?>
+<file path=ppt/slideLayouts/slideLayout2.xml><?xml version="1.0" encoding="utf-8"?>
+<p:sldLayout xmlns:a="http://schemas.openxmlformats.org/drawingml/2006/main" xmlns:r="http://schemas.openxmlformats.org/officeDocument/2006/relationships" xmlns:p="http://schemas.openxmlformats.org/presentationml/2006/main" type="obj" preserve="1">
+  <p:cSld name="2_Title and Content">
+    <p:spTree>
+      <p:nvGrpSpPr>
+        <p:cNvPr id="1" name=""/>
+        <p:cNvGrpSpPr/>
+        <p:nvPr/>
+      </p:nvGrpSpPr>
+      <p:grpSpPr>
+        <a:xfrm>
+          <a:off x="0" y="0"/>
+          <a:ext cx="0" cy="0"/>
+          <a:chOff x="0" y="0"/>
+          <a:chExt cx="0" cy="0"/>
+        </a:xfrm>
+      </p:grpSpPr>
+      <p:sp>
+        <p:nvSpPr>
+          <p:cNvPr id="2" name="Title 1"/>
+          <p:cNvSpPr>
+            <a:spLocks noGrp="1"/>
+          </p:cNvSpPr>
+          <p:nvPr>
+            <p:ph type="title"/>
+          </p:nvPr>
+        </p:nvSpPr>
+        <p:spPr>
+          <a:xfrm>
+            <a:off x="201591" y="353551"/>
+            <a:ext cx="11778205" cy="878350"/>
+          </a:xfrm>
+        </p:spPr>
+        <p:txBody>
+          <a:bodyPr/>
+          <a:lstStyle/>
+          <a:p>
+            <a:r>
+              <a:rPr lang="en-US"/>
+              <a:t>Click to edit Master title style</a:t>
+            </a:r>
+            <a:endParaRPr lang="en-US" dirty="0"/>
+          </a:p>
+        </p:txBody>
+      </p:sp>
+      <p:sp>
+        <p:nvSpPr>
+          <p:cNvPr id="3" name="Content Placeholder 2"/>
+          <p:cNvSpPr>
+            <a:spLocks noGrp="1"/>
+          </p:cNvSpPr>
+          <p:nvPr>
+            <p:ph idx="1"/>
+          </p:nvPr>
+        </p:nvSpPr>
+        <p:spPr>
+          <a:xfrm>
+            <a:off x="201591" y="1231901"/>
+            <a:ext cx="11778205" cy="5423281"/>
+          </a:xfrm>
+        </p:spPr>
+        <p:txBody>
+          <a:bodyPr>
+            <a:normAutofit/>
+          </a:bodyPr>
+          <a:lstStyle>
+            <a:lvl1pPr marL="0" indent="0">
+              <a:buFontTx/>
+              <a:buNone/>
+              <a:defRPr sz="3600"/>
+            </a:lvl1pPr>
+            <a:lvl2pPr marL="457200" indent="0">
+              <a:buFontTx/>
+              <a:buNone/>
+              <a:defRPr sz="3200"/>
+            </a:lvl2pPr>
+            <a:lvl3pPr marL="914400" indent="0">
+              <a:buFontTx/>
+              <a:buNone/>
+              <a:defRPr sz="2800"/>
+            </a:lvl3pPr>
+            <a:lvl4pPr marL="1371600" indent="0">
+              <a:buFontTx/>
+              <a:buNone/>
+              <a:defRPr sz="2400"/>
+            </a:lvl4pPr>
+            <a:lvl5pPr marL="1828800" indent="0">
+              <a:buFontTx/>
+              <a:buNone/>
+              <a:defRPr sz="2400"/>
+            </a:lvl5pPr>
+          </a:lstStyle>
+          <a:p>
+            <a:pPr lvl="0"/>
+            <a:r>
+              <a:rPr lang="en-US" dirty="0"/>
+              <a:t>Click to edit Master text styles</a:t>
+            </a:r>
+          </a:p>
+          <a:p>
+            <a:pPr lvl="1"/>
+            <a:r>
+              <a:rPr lang="en-US" dirty="0"/>
+              <a:t>Second level</a:t>
+            </a:r>
+          </a:p>
+          <a:p>
+            <a:pPr lvl="2"/>
+            <a:r>
+              <a:rPr lang="en-US" dirty="0"/>
+              <a:t>Third level</a:t>
+            </a:r>
+          </a:p>
+          <a:p>
+            <a:pPr lvl="3"/>
+            <a:r>
+              <a:rPr lang="en-US" dirty="0"/>
+              <a:t>Fourth level</a:t>
+            </a:r>
+          </a:p>
+          <a:p>
+            <a:pPr lvl="4"/>
+            <a:r>
+              <a:rPr lang="en-US" dirty="0"/>
+              <a:t>Fifth level</a:t>
+            </a:r>
+          </a:p>
+        </p:txBody>
+      </p:sp>
+    </p:spTree>
+    <p:extLst>
+      <p:ext uri="{BB962C8B-B14F-4D97-AF65-F5344CB8AC3E}">
+        <p14:creationId xmlns:p14="http://schemas.microsoft.com/office/powerpoint/2010/main" val="3934432973"/>
+      </p:ext>
+    </p:extLst>
+  </p:cSld>
+  <p:clrMapOvr>
+    <a:masterClrMapping/>
+  </p:clrMapOvr>
+</p:sldLayout>
+</file>
+
+<file path=ppt/slideLayouts/slideLayout20.xml><?xml version="1.0" encoding="utf-8"?>
 <p:sldLayout xmlns:a="http://schemas.openxmlformats.org/drawingml/2006/main" xmlns:r="http://schemas.openxmlformats.org/officeDocument/2006/relationships" xmlns:p="http://schemas.openxmlformats.org/presentationml/2006/main" userDrawn="1">
   <p:cSld name="Title &amp; 2-color Non-bulleted text">
     <p:spTree>
@@ -7168,7 +8009,7 @@
 </p:sldLayout>
 </file>
 
-<file path=ppt/slideLayouts/slideLayout19.xml><?xml version="1.0" encoding="utf-8"?>
+<file path=ppt/slideLayouts/slideLayout21.xml><?xml version="1.0" encoding="utf-8"?>
 <p:sldLayout xmlns:a="http://schemas.openxmlformats.org/drawingml/2006/main" xmlns:r="http://schemas.openxmlformats.org/officeDocument/2006/relationships" xmlns:p="http://schemas.openxmlformats.org/presentationml/2006/main" userDrawn="1">
   <p:cSld name="Section Title Accent Color 1">
     <p:bg>
@@ -7256,7 +8097,509 @@
 </p:sldLayout>
 </file>
 
-<file path=ppt/slideLayouts/slideLayout2.xml><?xml version="1.0" encoding="utf-8"?>
+<file path=ppt/slideLayouts/slideLayout22.xml><?xml version="1.0" encoding="utf-8"?>
+<p:sldLayout xmlns:a="http://schemas.openxmlformats.org/drawingml/2006/main" xmlns:r="http://schemas.openxmlformats.org/officeDocument/2006/relationships" xmlns:p="http://schemas.openxmlformats.org/presentationml/2006/main" userDrawn="1">
+  <p:cSld name="Section Title Accent Color 3">
+    <p:bg>
+      <p:bgPr>
+        <a:solidFill>
+          <a:schemeClr val="accent3"/>
+        </a:solidFill>
+        <a:effectLst/>
+      </p:bgPr>
+    </p:bg>
+    <p:spTree>
+      <p:nvGrpSpPr>
+        <p:cNvPr id="1" name=""/>
+        <p:cNvGrpSpPr/>
+        <p:nvPr/>
+      </p:nvGrpSpPr>
+      <p:grpSpPr>
+        <a:xfrm>
+          <a:off x="0" y="0"/>
+          <a:ext cx="0" cy="0"/>
+          <a:chOff x="0" y="0"/>
+          <a:chExt cx="0" cy="0"/>
+        </a:xfrm>
+      </p:grpSpPr>
+      <p:sp>
+        <p:nvSpPr>
+          <p:cNvPr id="2" name="Title 1"/>
+          <p:cNvSpPr>
+            <a:spLocks noGrp="1"/>
+          </p:cNvSpPr>
+          <p:nvPr>
+            <p:ph type="title" hasCustomPrompt="1"/>
+          </p:nvPr>
+        </p:nvSpPr>
+        <p:spPr>
+          <a:xfrm>
+            <a:off x="269239" y="2084172"/>
+            <a:ext cx="11653523" cy="1796217"/>
+          </a:xfrm>
+          <a:noFill/>
+        </p:spPr>
+        <p:txBody>
+          <a:bodyPr tIns="91440" bIns="91440" anchor="t" anchorCtr="0"/>
+          <a:lstStyle>
+            <a:lvl1pPr>
+              <a:defRPr sz="8627" spc="-98" baseline="0">
+                <a:gradFill>
+                  <a:gsLst>
+                    <a:gs pos="100000">
+                      <a:schemeClr val="tx1"/>
+                    </a:gs>
+                    <a:gs pos="0">
+                      <a:schemeClr val="tx1"/>
+                    </a:gs>
+                  </a:gsLst>
+                  <a:lin ang="5400000" scaled="0"/>
+                </a:gradFill>
+              </a:defRPr>
+            </a:lvl1pPr>
+          </a:lstStyle>
+          <a:p>
+            <a:r>
+              <a:rPr lang="en-US" dirty="0"/>
+              <a:t>Section title</a:t>
+            </a:r>
+          </a:p>
+        </p:txBody>
+      </p:sp>
+    </p:spTree>
+    <p:extLst>
+      <p:ext uri="{BB962C8B-B14F-4D97-AF65-F5344CB8AC3E}">
+        <p14:creationId xmlns:p14="http://schemas.microsoft.com/office/powerpoint/2010/main" val="503432563"/>
+      </p:ext>
+    </p:extLst>
+  </p:cSld>
+  <p:clrMapOvr>
+    <a:masterClrMapping/>
+  </p:clrMapOvr>
+  <p:transition>
+    <p:fade/>
+  </p:transition>
+</p:sldLayout>
+</file>
+
+<file path=ppt/slideLayouts/slideLayout23.xml><?xml version="1.0" encoding="utf-8"?>
+<p:sldLayout xmlns:a="http://schemas.openxmlformats.org/drawingml/2006/main" xmlns:r="http://schemas.openxmlformats.org/officeDocument/2006/relationships" xmlns:p="http://schemas.openxmlformats.org/presentationml/2006/main" userDrawn="1">
+  <p:cSld name="Blank Accent Color 2">
+    <p:spTree>
+      <p:nvGrpSpPr>
+        <p:cNvPr id="1" name=""/>
+        <p:cNvGrpSpPr/>
+        <p:nvPr/>
+      </p:nvGrpSpPr>
+      <p:grpSpPr>
+        <a:xfrm>
+          <a:off x="0" y="0"/>
+          <a:ext cx="0" cy="0"/>
+          <a:chOff x="0" y="0"/>
+          <a:chExt cx="0" cy="0"/>
+        </a:xfrm>
+      </p:grpSpPr>
+    </p:spTree>
+    <p:extLst>
+      <p:ext uri="{BB962C8B-B14F-4D97-AF65-F5344CB8AC3E}">
+        <p14:creationId xmlns:p14="http://schemas.microsoft.com/office/powerpoint/2010/main" val="3852529422"/>
+      </p:ext>
+    </p:extLst>
+  </p:cSld>
+  <p:clrMapOvr>
+    <a:masterClrMapping/>
+  </p:clrMapOvr>
+  <p:transition>
+    <p:fade/>
+  </p:transition>
+</p:sldLayout>
+</file>
+
+<file path=ppt/slideLayouts/slideLayout24.xml><?xml version="1.0" encoding="utf-8"?>
+<p:sldLayout xmlns:a="http://schemas.openxmlformats.org/drawingml/2006/main" xmlns:r="http://schemas.openxmlformats.org/officeDocument/2006/relationships" xmlns:p="http://schemas.openxmlformats.org/presentationml/2006/main">
+  <p:cSld name="3_Title and content">
+    <p:spTree>
+      <p:nvGrpSpPr>
+        <p:cNvPr id="1" name=""/>
+        <p:cNvGrpSpPr/>
+        <p:nvPr/>
+      </p:nvGrpSpPr>
+      <p:grpSpPr>
+        <a:xfrm>
+          <a:off x="0" y="0"/>
+          <a:ext cx="0" cy="0"/>
+          <a:chOff x="0" y="0"/>
+          <a:chExt cx="0" cy="0"/>
+        </a:xfrm>
+      </p:grpSpPr>
+      <p:sp>
+        <p:nvSpPr>
+          <p:cNvPr id="15" name="Content Placeholder 14"/>
+          <p:cNvSpPr>
+            <a:spLocks noGrp="1"/>
+          </p:cNvSpPr>
+          <p:nvPr>
+            <p:ph sz="quarter" idx="18"/>
+          </p:nvPr>
+        </p:nvSpPr>
+        <p:spPr>
+          <a:xfrm>
+            <a:off x="614296" y="1419367"/>
+            <a:ext cx="10768803" cy="2000548"/>
+          </a:xfrm>
+        </p:spPr>
+        <p:txBody>
+          <a:bodyPr/>
+          <a:lstStyle/>
+          <a:p>
+            <a:pPr lvl="0"/>
+            <a:r>
+              <a:rPr lang="en-US"/>
+              <a:t>Click to edit Master text styles</a:t>
+            </a:r>
+          </a:p>
+          <a:p>
+            <a:pPr lvl="1"/>
+            <a:r>
+              <a:rPr lang="en-US"/>
+              <a:t>Second level</a:t>
+            </a:r>
+          </a:p>
+          <a:p>
+            <a:pPr lvl="2"/>
+            <a:r>
+              <a:rPr lang="en-US"/>
+              <a:t>Third level</a:t>
+            </a:r>
+          </a:p>
+          <a:p>
+            <a:pPr lvl="3"/>
+            <a:r>
+              <a:rPr lang="en-US"/>
+              <a:t>Fourth level</a:t>
+            </a:r>
+          </a:p>
+          <a:p>
+            <a:pPr lvl="4"/>
+            <a:r>
+              <a:rPr lang="en-US"/>
+              <a:t>Fifth level</a:t>
+            </a:r>
+            <a:endParaRPr lang="en-US" dirty="0"/>
+          </a:p>
+        </p:txBody>
+      </p:sp>
+      <p:sp>
+        <p:nvSpPr>
+          <p:cNvPr id="9" name="Text Placeholder 12"/>
+          <p:cNvSpPr>
+            <a:spLocks noGrp="1"/>
+          </p:cNvSpPr>
+          <p:nvPr>
+            <p:ph type="body" sz="quarter" idx="13" hasCustomPrompt="1"/>
+          </p:nvPr>
+        </p:nvSpPr>
+        <p:spPr>
+          <a:xfrm>
+            <a:off x="609601" y="948519"/>
+            <a:ext cx="10985611" cy="304801"/>
+          </a:xfrm>
+        </p:spPr>
+        <p:txBody>
+          <a:bodyPr lIns="0" anchor="b" anchorCtr="0">
+            <a:noAutofit/>
+          </a:bodyPr>
+          <a:lstStyle>
+            <a:lvl1pPr marL="0" indent="0" algn="l">
+              <a:buFont typeface="Arial" pitchFamily="34" charset="0"/>
+              <a:buNone/>
+              <a:defRPr sz="1500" b="1" cap="all" spc="0" baseline="0">
+                <a:solidFill>
+                  <a:schemeClr val="tx1">
+                    <a:lumMod val="75000"/>
+                    <a:lumOff val="25000"/>
+                  </a:schemeClr>
+                </a:solidFill>
+              </a:defRPr>
+            </a:lvl1pPr>
+          </a:lstStyle>
+          <a:p>
+            <a:r>
+              <a:rPr lang="en-US" dirty="0"/>
+              <a:t>CLICK TO EDIT SUBTITLE</a:t>
+            </a:r>
+          </a:p>
+        </p:txBody>
+      </p:sp>
+      <p:sp>
+        <p:nvSpPr>
+          <p:cNvPr id="14" name="Title 1"/>
+          <p:cNvSpPr>
+            <a:spLocks noGrp="1"/>
+          </p:cNvSpPr>
+          <p:nvPr>
+            <p:ph type="title"/>
+          </p:nvPr>
+        </p:nvSpPr>
+        <p:spPr>
+          <a:xfrm>
+            <a:off x="560712" y="249241"/>
+            <a:ext cx="11034501" cy="747897"/>
+          </a:xfrm>
+        </p:spPr>
+        <p:txBody>
+          <a:bodyPr lIns="0" anchor="t" anchorCtr="0"/>
+          <a:lstStyle>
+            <a:lvl1pPr algn="l">
+              <a:defRPr b="1"/>
+            </a:lvl1pPr>
+          </a:lstStyle>
+          <a:p>
+            <a:r>
+              <a:rPr lang="en-US"/>
+              <a:t>Click to edit Master title style</a:t>
+            </a:r>
+            <a:endParaRPr lang="en-US" dirty="0"/>
+          </a:p>
+        </p:txBody>
+      </p:sp>
+      <p:sp>
+        <p:nvSpPr>
+          <p:cNvPr id="13" name="Slide Number Placeholder 12"/>
+          <p:cNvSpPr>
+            <a:spLocks noGrp="1"/>
+          </p:cNvSpPr>
+          <p:nvPr>
+            <p:ph type="sldNum" sz="quarter" idx="20"/>
+          </p:nvPr>
+        </p:nvSpPr>
+        <p:spPr>
+          <a:xfrm>
+            <a:off x="614296" y="6324600"/>
+            <a:ext cx="516421" cy="152400"/>
+          </a:xfrm>
+          <a:prstGeom prst="rect">
+            <a:avLst/>
+          </a:prstGeom>
+        </p:spPr>
+        <p:txBody>
+          <a:bodyPr lIns="121709" tIns="60853" rIns="121709" bIns="60853"/>
+          <a:lstStyle/>
+          <a:p>
+            <a:pPr defTabSz="1218987" fontAlgn="base">
+              <a:spcBef>
+                <a:spcPct val="0"/>
+              </a:spcBef>
+              <a:spcAft>
+                <a:spcPct val="0"/>
+              </a:spcAft>
+            </a:pPr>
+            <a:fld id="{B56CFCB6-BE43-43CE-BFC8-4F7310A591C8}" type="slidenum">
+              <a:rPr lang="en-US" sz="2400" b="1" smtClean="0">
+                <a:solidFill>
+                  <a:srgbClr val="000000">
+                    <a:tint val="75000"/>
+                  </a:srgbClr>
+                </a:solidFill>
+                <a:latin typeface="Segoe Semibold" pitchFamily="34" charset="0"/>
+              </a:rPr>
+              <a:pPr defTabSz="1218987" fontAlgn="base">
+                <a:spcBef>
+                  <a:spcPct val="0"/>
+                </a:spcBef>
+                <a:spcAft>
+                  <a:spcPct val="0"/>
+                </a:spcAft>
+              </a:pPr>
+              <a:t>‹#›</a:t>
+            </a:fld>
+            <a:endParaRPr lang="en-US" sz="2400" b="1" dirty="0">
+              <a:solidFill>
+                <a:srgbClr val="000000">
+                  <a:tint val="75000"/>
+                </a:srgbClr>
+              </a:solidFill>
+              <a:latin typeface="Segoe Semibold" pitchFamily="34" charset="0"/>
+            </a:endParaRPr>
+          </a:p>
+        </p:txBody>
+      </p:sp>
+    </p:spTree>
+    <p:extLst>
+      <p:ext uri="{BB962C8B-B14F-4D97-AF65-F5344CB8AC3E}">
+        <p14:creationId xmlns:p14="http://schemas.microsoft.com/office/powerpoint/2010/main" val="2429338860"/>
+      </p:ext>
+    </p:extLst>
+  </p:cSld>
+  <p:clrMapOvr>
+    <a:masterClrMapping/>
+  </p:clrMapOvr>
+</p:sldLayout>
+</file>
+
+<file path=ppt/slideLayouts/slideLayout3.xml><?xml version="1.0" encoding="utf-8"?>
+<p:sldLayout xmlns:a="http://schemas.openxmlformats.org/drawingml/2006/main" xmlns:r="http://schemas.openxmlformats.org/officeDocument/2006/relationships" xmlns:p="http://schemas.openxmlformats.org/presentationml/2006/main" preserve="1" userDrawn="1">
+  <p:cSld name="Exam Tip">
+    <p:bg>
+      <p:bgPr>
+        <a:solidFill>
+          <a:srgbClr val="92D050"/>
+        </a:solidFill>
+        <a:effectLst/>
+      </p:bgPr>
+    </p:bg>
+    <p:spTree>
+      <p:nvGrpSpPr>
+        <p:cNvPr id="1" name=""/>
+        <p:cNvGrpSpPr/>
+        <p:nvPr/>
+      </p:nvGrpSpPr>
+      <p:grpSpPr>
+        <a:xfrm>
+          <a:off x="0" y="0"/>
+          <a:ext cx="0" cy="0"/>
+          <a:chOff x="0" y="0"/>
+          <a:chExt cx="0" cy="0"/>
+        </a:xfrm>
+      </p:grpSpPr>
+      <p:sp>
+        <p:nvSpPr>
+          <p:cNvPr id="2" name="Title 1"/>
+          <p:cNvSpPr>
+            <a:spLocks noGrp="1"/>
+          </p:cNvSpPr>
+          <p:nvPr>
+            <p:ph type="title"/>
+          </p:nvPr>
+        </p:nvSpPr>
+        <p:spPr>
+          <a:xfrm>
+            <a:off x="3525520" y="347874"/>
+            <a:ext cx="7259320" cy="923330"/>
+          </a:xfrm>
+        </p:spPr>
+        <p:txBody>
+          <a:bodyPr>
+            <a:normAutofit/>
+          </a:bodyPr>
+          <a:lstStyle>
+            <a:lvl1pPr algn="l" defTabSz="914400" rtl="0" eaLnBrk="1" latinLnBrk="0" hangingPunct="1">
+              <a:lnSpc>
+                <a:spcPct val="90000"/>
+              </a:lnSpc>
+              <a:spcBef>
+                <a:spcPct val="0"/>
+              </a:spcBef>
+              <a:buNone/>
+              <a:defRPr lang="en-US" sz="5400" b="1" i="1" u="none" kern="1200" baseline="0" dirty="0">
+                <a:solidFill>
+                  <a:schemeClr val="tx1"/>
+                </a:solidFill>
+                <a:latin typeface="+mj-lt"/>
+                <a:ea typeface="+mj-ea"/>
+                <a:cs typeface="+mj-cs"/>
+              </a:defRPr>
+            </a:lvl1pPr>
+          </a:lstStyle>
+          <a:p>
+            <a:endParaRPr lang="en-US" dirty="0"/>
+          </a:p>
+        </p:txBody>
+      </p:sp>
+      <p:sp>
+        <p:nvSpPr>
+          <p:cNvPr id="4" name="Text Placeholder 3"/>
+          <p:cNvSpPr>
+            <a:spLocks noGrp="1"/>
+          </p:cNvSpPr>
+          <p:nvPr>
+            <p:ph type="body" sz="quarter" idx="11"/>
+          </p:nvPr>
+        </p:nvSpPr>
+        <p:spPr>
+          <a:xfrm>
+            <a:off x="268080" y="1271204"/>
+            <a:ext cx="11655840" cy="4641916"/>
+          </a:xfrm>
+        </p:spPr>
+        <p:txBody>
+          <a:bodyPr>
+            <a:noAutofit/>
+          </a:bodyPr>
+          <a:lstStyle>
+            <a:lvl1pPr marL="0" indent="0">
+              <a:buNone/>
+              <a:defRPr sz="4000"/>
+            </a:lvl1pPr>
+            <a:lvl2pPr marL="28012" indent="0">
+              <a:buNone/>
+              <a:defRPr sz="1961"/>
+            </a:lvl2pPr>
+            <a:lvl3pPr marL="219428" indent="0">
+              <a:buNone/>
+              <a:defRPr sz="1961"/>
+            </a:lvl3pPr>
+            <a:lvl4pPr marL="466868" indent="0">
+              <a:buNone/>
+              <a:defRPr sz="1765"/>
+            </a:lvl4pPr>
+            <a:lvl5pPr marL="725201" indent="0">
+              <a:buNone/>
+              <a:defRPr sz="1765"/>
+            </a:lvl5pPr>
+          </a:lstStyle>
+          <a:p>
+            <a:pPr lvl="0"/>
+            <a:endParaRPr lang="en-US" dirty="0"/>
+          </a:p>
+        </p:txBody>
+      </p:sp>
+      <p:sp>
+        <p:nvSpPr>
+          <p:cNvPr id="5" name="Rectangle 4"/>
+          <p:cNvSpPr/>
+          <p:nvPr userDrawn="1"/>
+        </p:nvSpPr>
+        <p:spPr>
+          <a:xfrm>
+            <a:off x="268080" y="347873"/>
+            <a:ext cx="3209533" cy="923330"/>
+          </a:xfrm>
+          <a:prstGeom prst="rect">
+            <a:avLst/>
+          </a:prstGeom>
+        </p:spPr>
+        <p:txBody>
+          <a:bodyPr wrap="none">
+            <a:spAutoFit/>
+          </a:bodyPr>
+          <a:lstStyle/>
+          <a:p>
+            <a:pPr algn="l"/>
+            <a:r>
+              <a:rPr lang="en-US" sz="5400" b="1" dirty="0"/>
+              <a:t>EXAM TIP!</a:t>
+            </a:r>
+          </a:p>
+        </p:txBody>
+      </p:sp>
+    </p:spTree>
+    <p:extLst>
+      <p:ext uri="{BB962C8B-B14F-4D97-AF65-F5344CB8AC3E}">
+        <p14:creationId xmlns:p14="http://schemas.microsoft.com/office/powerpoint/2010/main" val="4115610489"/>
+      </p:ext>
+    </p:extLst>
+  </p:cSld>
+  <p:clrMapOvr>
+    <a:masterClrMapping/>
+  </p:clrMapOvr>
+  <p:transition>
+    <p:fade/>
+  </p:transition>
+</p:sldLayout>
+</file>
+
+<file path=ppt/slideLayouts/slideLayout4.xml><?xml version="1.0" encoding="utf-8"?>
 <p:sldLayout xmlns:a="http://schemas.openxmlformats.org/drawingml/2006/main" xmlns:r="http://schemas.openxmlformats.org/officeDocument/2006/relationships" xmlns:p="http://schemas.openxmlformats.org/presentationml/2006/main" preserve="1" userDrawn="1">
   <p:cSld name="Question &amp; Answer">
     <p:spTree>
@@ -7735,347 +9078,7 @@
 </p:sldLayout>
 </file>
 
-<file path=ppt/slideLayouts/slideLayout20.xml><?xml version="1.0" encoding="utf-8"?>
-<p:sldLayout xmlns:a="http://schemas.openxmlformats.org/drawingml/2006/main" xmlns:r="http://schemas.openxmlformats.org/officeDocument/2006/relationships" xmlns:p="http://schemas.openxmlformats.org/presentationml/2006/main" userDrawn="1">
-  <p:cSld name="Section Title Accent Color 3">
-    <p:bg>
-      <p:bgPr>
-        <a:solidFill>
-          <a:schemeClr val="accent3"/>
-        </a:solidFill>
-        <a:effectLst/>
-      </p:bgPr>
-    </p:bg>
-    <p:spTree>
-      <p:nvGrpSpPr>
-        <p:cNvPr id="1" name=""/>
-        <p:cNvGrpSpPr/>
-        <p:nvPr/>
-      </p:nvGrpSpPr>
-      <p:grpSpPr>
-        <a:xfrm>
-          <a:off x="0" y="0"/>
-          <a:ext cx="0" cy="0"/>
-          <a:chOff x="0" y="0"/>
-          <a:chExt cx="0" cy="0"/>
-        </a:xfrm>
-      </p:grpSpPr>
-      <p:sp>
-        <p:nvSpPr>
-          <p:cNvPr id="2" name="Title 1"/>
-          <p:cNvSpPr>
-            <a:spLocks noGrp="1"/>
-          </p:cNvSpPr>
-          <p:nvPr>
-            <p:ph type="title" hasCustomPrompt="1"/>
-          </p:nvPr>
-        </p:nvSpPr>
-        <p:spPr>
-          <a:xfrm>
-            <a:off x="269239" y="2084172"/>
-            <a:ext cx="11653523" cy="1796217"/>
-          </a:xfrm>
-          <a:noFill/>
-        </p:spPr>
-        <p:txBody>
-          <a:bodyPr tIns="91440" bIns="91440" anchor="t" anchorCtr="0"/>
-          <a:lstStyle>
-            <a:lvl1pPr>
-              <a:defRPr sz="8627" spc="-98" baseline="0">
-                <a:gradFill>
-                  <a:gsLst>
-                    <a:gs pos="100000">
-                      <a:schemeClr val="tx1"/>
-                    </a:gs>
-                    <a:gs pos="0">
-                      <a:schemeClr val="tx1"/>
-                    </a:gs>
-                  </a:gsLst>
-                  <a:lin ang="5400000" scaled="0"/>
-                </a:gradFill>
-              </a:defRPr>
-            </a:lvl1pPr>
-          </a:lstStyle>
-          <a:p>
-            <a:r>
-              <a:rPr lang="en-US" dirty="0"/>
-              <a:t>Section title</a:t>
-            </a:r>
-          </a:p>
-        </p:txBody>
-      </p:sp>
-    </p:spTree>
-    <p:extLst>
-      <p:ext uri="{BB962C8B-B14F-4D97-AF65-F5344CB8AC3E}">
-        <p14:creationId xmlns:p14="http://schemas.microsoft.com/office/powerpoint/2010/main" val="503432563"/>
-      </p:ext>
-    </p:extLst>
-  </p:cSld>
-  <p:clrMapOvr>
-    <a:masterClrMapping/>
-  </p:clrMapOvr>
-  <p:transition>
-    <p:fade/>
-  </p:transition>
-</p:sldLayout>
-</file>
-
-<file path=ppt/slideLayouts/slideLayout21.xml><?xml version="1.0" encoding="utf-8"?>
-<p:sldLayout xmlns:a="http://schemas.openxmlformats.org/drawingml/2006/main" xmlns:r="http://schemas.openxmlformats.org/officeDocument/2006/relationships" xmlns:p="http://schemas.openxmlformats.org/presentationml/2006/main" userDrawn="1">
-  <p:cSld name="Blank Accent Color 2">
-    <p:spTree>
-      <p:nvGrpSpPr>
-        <p:cNvPr id="1" name=""/>
-        <p:cNvGrpSpPr/>
-        <p:nvPr/>
-      </p:nvGrpSpPr>
-      <p:grpSpPr>
-        <a:xfrm>
-          <a:off x="0" y="0"/>
-          <a:ext cx="0" cy="0"/>
-          <a:chOff x="0" y="0"/>
-          <a:chExt cx="0" cy="0"/>
-        </a:xfrm>
-      </p:grpSpPr>
-    </p:spTree>
-    <p:extLst>
-      <p:ext uri="{BB962C8B-B14F-4D97-AF65-F5344CB8AC3E}">
-        <p14:creationId xmlns:p14="http://schemas.microsoft.com/office/powerpoint/2010/main" val="3852529422"/>
-      </p:ext>
-    </p:extLst>
-  </p:cSld>
-  <p:clrMapOvr>
-    <a:masterClrMapping/>
-  </p:clrMapOvr>
-  <p:transition>
-    <p:fade/>
-  </p:transition>
-</p:sldLayout>
-</file>
-
-<file path=ppt/slideLayouts/slideLayout22.xml><?xml version="1.0" encoding="utf-8"?>
-<p:sldLayout xmlns:a="http://schemas.openxmlformats.org/drawingml/2006/main" xmlns:r="http://schemas.openxmlformats.org/officeDocument/2006/relationships" xmlns:p="http://schemas.openxmlformats.org/presentationml/2006/main">
-  <p:cSld name="3_Title and content">
-    <p:spTree>
-      <p:nvGrpSpPr>
-        <p:cNvPr id="1" name=""/>
-        <p:cNvGrpSpPr/>
-        <p:nvPr/>
-      </p:nvGrpSpPr>
-      <p:grpSpPr>
-        <a:xfrm>
-          <a:off x="0" y="0"/>
-          <a:ext cx="0" cy="0"/>
-          <a:chOff x="0" y="0"/>
-          <a:chExt cx="0" cy="0"/>
-        </a:xfrm>
-      </p:grpSpPr>
-      <p:sp>
-        <p:nvSpPr>
-          <p:cNvPr id="15" name="Content Placeholder 14"/>
-          <p:cNvSpPr>
-            <a:spLocks noGrp="1"/>
-          </p:cNvSpPr>
-          <p:nvPr>
-            <p:ph sz="quarter" idx="18"/>
-          </p:nvPr>
-        </p:nvSpPr>
-        <p:spPr>
-          <a:xfrm>
-            <a:off x="614296" y="1419367"/>
-            <a:ext cx="10768803" cy="2000548"/>
-          </a:xfrm>
-        </p:spPr>
-        <p:txBody>
-          <a:bodyPr/>
-          <a:lstStyle/>
-          <a:p>
-            <a:pPr lvl="0"/>
-            <a:r>
-              <a:rPr lang="en-US"/>
-              <a:t>Click to edit Master text styles</a:t>
-            </a:r>
-          </a:p>
-          <a:p>
-            <a:pPr lvl="1"/>
-            <a:r>
-              <a:rPr lang="en-US"/>
-              <a:t>Second level</a:t>
-            </a:r>
-          </a:p>
-          <a:p>
-            <a:pPr lvl="2"/>
-            <a:r>
-              <a:rPr lang="en-US"/>
-              <a:t>Third level</a:t>
-            </a:r>
-          </a:p>
-          <a:p>
-            <a:pPr lvl="3"/>
-            <a:r>
-              <a:rPr lang="en-US"/>
-              <a:t>Fourth level</a:t>
-            </a:r>
-          </a:p>
-          <a:p>
-            <a:pPr lvl="4"/>
-            <a:r>
-              <a:rPr lang="en-US"/>
-              <a:t>Fifth level</a:t>
-            </a:r>
-            <a:endParaRPr lang="en-US" dirty="0"/>
-          </a:p>
-        </p:txBody>
-      </p:sp>
-      <p:sp>
-        <p:nvSpPr>
-          <p:cNvPr id="9" name="Text Placeholder 12"/>
-          <p:cNvSpPr>
-            <a:spLocks noGrp="1"/>
-          </p:cNvSpPr>
-          <p:nvPr>
-            <p:ph type="body" sz="quarter" idx="13" hasCustomPrompt="1"/>
-          </p:nvPr>
-        </p:nvSpPr>
-        <p:spPr>
-          <a:xfrm>
-            <a:off x="609601" y="948519"/>
-            <a:ext cx="10985611" cy="304801"/>
-          </a:xfrm>
-        </p:spPr>
-        <p:txBody>
-          <a:bodyPr lIns="0" anchor="b" anchorCtr="0">
-            <a:noAutofit/>
-          </a:bodyPr>
-          <a:lstStyle>
-            <a:lvl1pPr marL="0" indent="0" algn="l">
-              <a:buFont typeface="Arial" pitchFamily="34" charset="0"/>
-              <a:buNone/>
-              <a:defRPr sz="1500" b="1" cap="all" spc="0" baseline="0">
-                <a:solidFill>
-                  <a:schemeClr val="tx1">
-                    <a:lumMod val="75000"/>
-                    <a:lumOff val="25000"/>
-                  </a:schemeClr>
-                </a:solidFill>
-              </a:defRPr>
-            </a:lvl1pPr>
-          </a:lstStyle>
-          <a:p>
-            <a:r>
-              <a:rPr lang="en-US" dirty="0"/>
-              <a:t>CLICK TO EDIT SUBTITLE</a:t>
-            </a:r>
-          </a:p>
-        </p:txBody>
-      </p:sp>
-      <p:sp>
-        <p:nvSpPr>
-          <p:cNvPr id="14" name="Title 1"/>
-          <p:cNvSpPr>
-            <a:spLocks noGrp="1"/>
-          </p:cNvSpPr>
-          <p:nvPr>
-            <p:ph type="title"/>
-          </p:nvPr>
-        </p:nvSpPr>
-        <p:spPr>
-          <a:xfrm>
-            <a:off x="560712" y="249241"/>
-            <a:ext cx="11034501" cy="747897"/>
-          </a:xfrm>
-        </p:spPr>
-        <p:txBody>
-          <a:bodyPr lIns="0" anchor="t" anchorCtr="0"/>
-          <a:lstStyle>
-            <a:lvl1pPr algn="l">
-              <a:defRPr b="1"/>
-            </a:lvl1pPr>
-          </a:lstStyle>
-          <a:p>
-            <a:r>
-              <a:rPr lang="en-US"/>
-              <a:t>Click to edit Master title style</a:t>
-            </a:r>
-            <a:endParaRPr lang="en-US" dirty="0"/>
-          </a:p>
-        </p:txBody>
-      </p:sp>
-      <p:sp>
-        <p:nvSpPr>
-          <p:cNvPr id="13" name="Slide Number Placeholder 12"/>
-          <p:cNvSpPr>
-            <a:spLocks noGrp="1"/>
-          </p:cNvSpPr>
-          <p:nvPr>
-            <p:ph type="sldNum" sz="quarter" idx="20"/>
-          </p:nvPr>
-        </p:nvSpPr>
-        <p:spPr>
-          <a:xfrm>
-            <a:off x="614296" y="6324600"/>
-            <a:ext cx="516421" cy="152400"/>
-          </a:xfrm>
-          <a:prstGeom prst="rect">
-            <a:avLst/>
-          </a:prstGeom>
-        </p:spPr>
-        <p:txBody>
-          <a:bodyPr lIns="121709" tIns="60853" rIns="121709" bIns="60853"/>
-          <a:lstStyle/>
-          <a:p>
-            <a:pPr defTabSz="1218987" fontAlgn="base">
-              <a:spcBef>
-                <a:spcPct val="0"/>
-              </a:spcBef>
-              <a:spcAft>
-                <a:spcPct val="0"/>
-              </a:spcAft>
-            </a:pPr>
-            <a:fld id="{B56CFCB6-BE43-43CE-BFC8-4F7310A591C8}" type="slidenum">
-              <a:rPr lang="en-US" sz="2400" b="1" smtClean="0">
-                <a:solidFill>
-                  <a:srgbClr val="000000">
-                    <a:tint val="75000"/>
-                  </a:srgbClr>
-                </a:solidFill>
-                <a:latin typeface="Segoe Semibold" pitchFamily="34" charset="0"/>
-              </a:rPr>
-              <a:pPr defTabSz="1218987" fontAlgn="base">
-                <a:spcBef>
-                  <a:spcPct val="0"/>
-                </a:spcBef>
-                <a:spcAft>
-                  <a:spcPct val="0"/>
-                </a:spcAft>
-              </a:pPr>
-              <a:t>‹#›</a:t>
-            </a:fld>
-            <a:endParaRPr lang="en-US" sz="2400" b="1" dirty="0">
-              <a:solidFill>
-                <a:srgbClr val="000000">
-                  <a:tint val="75000"/>
-                </a:srgbClr>
-              </a:solidFill>
-              <a:latin typeface="Segoe Semibold" pitchFamily="34" charset="0"/>
-            </a:endParaRPr>
-          </a:p>
-        </p:txBody>
-      </p:sp>
-    </p:spTree>
-    <p:extLst>
-      <p:ext uri="{BB962C8B-B14F-4D97-AF65-F5344CB8AC3E}">
-        <p14:creationId xmlns:p14="http://schemas.microsoft.com/office/powerpoint/2010/main" val="2429338860"/>
-      </p:ext>
-    </p:extLst>
-  </p:cSld>
-  <p:clrMapOvr>
-    <a:masterClrMapping/>
-  </p:clrMapOvr>
-</p:sldLayout>
-</file>
-
-<file path=ppt/slideLayouts/slideLayout3.xml><?xml version="1.0" encoding="utf-8"?>
+<file path=ppt/slideLayouts/slideLayout5.xml><?xml version="1.0" encoding="utf-8"?>
 <p:sldLayout xmlns:a="http://schemas.openxmlformats.org/drawingml/2006/main" xmlns:r="http://schemas.openxmlformats.org/officeDocument/2006/relationships" xmlns:p="http://schemas.openxmlformats.org/presentationml/2006/main" preserve="1" userDrawn="1">
   <p:cSld name="Content &amp; Code">
     <p:spTree>
@@ -8409,9 +9412,9 @@
 </p:sldLayout>
 </file>
 
-<file path=ppt/slideLayouts/slideLayout4.xml><?xml version="1.0" encoding="utf-8"?>
+<file path=ppt/slideLayouts/slideLayout6.xml><?xml version="1.0" encoding="utf-8"?>
 <p:sldLayout xmlns:a="http://schemas.openxmlformats.org/drawingml/2006/main" xmlns:r="http://schemas.openxmlformats.org/officeDocument/2006/relationships" xmlns:p="http://schemas.openxmlformats.org/presentationml/2006/main" type="obj" preserve="1">
-  <p:cSld name="Title and Content">
+  <p:cSld name="Title and Content + Footer">
     <p:spTree>
       <p:nvGrpSpPr>
         <p:cNvPr id="1" name=""/>
@@ -8616,7 +9619,7 @@
 </p:sldLayout>
 </file>
 
-<file path=ppt/slideLayouts/slideLayout5.xml><?xml version="1.0" encoding="utf-8"?>
+<file path=ppt/slideLayouts/slideLayout7.xml><?xml version="1.0" encoding="utf-8"?>
 <p:sldLayout xmlns:a="http://schemas.openxmlformats.org/drawingml/2006/main" xmlns:r="http://schemas.openxmlformats.org/officeDocument/2006/relationships" xmlns:p="http://schemas.openxmlformats.org/presentationml/2006/main" type="title" preserve="1">
   <p:cSld name="Title Slide">
     <p:spTree>
@@ -8808,7 +9811,7 @@
 </p:sldLayout>
 </file>
 
-<file path=ppt/slideLayouts/slideLayout6.xml><?xml version="1.0" encoding="utf-8"?>
+<file path=ppt/slideLayouts/slideLayout8.xml><?xml version="1.0" encoding="utf-8"?>
 <p:sldLayout xmlns:a="http://schemas.openxmlformats.org/drawingml/2006/main" xmlns:r="http://schemas.openxmlformats.org/officeDocument/2006/relationships" xmlns:p="http://schemas.openxmlformats.org/presentationml/2006/main" type="secHead" preserve="1">
   <p:cSld name="Section Header">
     <p:bg>
@@ -9225,7 +10228,7 @@
 </p:sldLayout>
 </file>
 
-<file path=ppt/slideLayouts/slideLayout7.xml><?xml version="1.0" encoding="utf-8"?>
+<file path=ppt/slideLayouts/slideLayout9.xml><?xml version="1.0" encoding="utf-8"?>
 <p:sldLayout xmlns:a="http://schemas.openxmlformats.org/drawingml/2006/main" xmlns:r="http://schemas.openxmlformats.org/officeDocument/2006/relationships" xmlns:p="http://schemas.openxmlformats.org/presentationml/2006/main" type="secHead" preserve="1">
   <p:cSld name="1_Section Header">
     <p:bg>
@@ -9470,609 +10473,6 @@
     <p:extLst>
       <p:ext uri="{BB962C8B-B14F-4D97-AF65-F5344CB8AC3E}">
         <p14:creationId xmlns:p14="http://schemas.microsoft.com/office/powerpoint/2010/main" val="834451890"/>
-      </p:ext>
-    </p:extLst>
-  </p:cSld>
-  <p:clrMapOvr>
-    <a:masterClrMapping/>
-  </p:clrMapOvr>
-</p:sldLayout>
-</file>
-
-<file path=ppt/slideLayouts/slideLayout8.xml><?xml version="1.0" encoding="utf-8"?>
-<p:sldLayout xmlns:a="http://schemas.openxmlformats.org/drawingml/2006/main" xmlns:r="http://schemas.openxmlformats.org/officeDocument/2006/relationships" xmlns:p="http://schemas.openxmlformats.org/presentationml/2006/main" type="twoObj" preserve="1">
-  <p:cSld name="Two Content">
-    <p:spTree>
-      <p:nvGrpSpPr>
-        <p:cNvPr id="1" name=""/>
-        <p:cNvGrpSpPr/>
-        <p:nvPr/>
-      </p:nvGrpSpPr>
-      <p:grpSpPr>
-        <a:xfrm>
-          <a:off x="0" y="0"/>
-          <a:ext cx="0" cy="0"/>
-          <a:chOff x="0" y="0"/>
-          <a:chExt cx="0" cy="0"/>
-        </a:xfrm>
-      </p:grpSpPr>
-      <p:sp>
-        <p:nvSpPr>
-          <p:cNvPr id="2" name="Title 1"/>
-          <p:cNvSpPr>
-            <a:spLocks noGrp="1"/>
-          </p:cNvSpPr>
-          <p:nvPr>
-            <p:ph type="title"/>
-          </p:nvPr>
-        </p:nvSpPr>
-        <p:spPr>
-          <a:xfrm>
-            <a:off x="838200" y="219618"/>
-            <a:ext cx="10515600" cy="905377"/>
-          </a:xfrm>
-        </p:spPr>
-        <p:txBody>
-          <a:bodyPr/>
-          <a:lstStyle/>
-          <a:p>
-            <a:r>
-              <a:rPr lang="en-US"/>
-              <a:t>Click to edit Master title style</a:t>
-            </a:r>
-            <a:endParaRPr lang="en-US" dirty="0"/>
-          </a:p>
-        </p:txBody>
-      </p:sp>
-      <p:sp>
-        <p:nvSpPr>
-          <p:cNvPr id="3" name="Content Placeholder 2"/>
-          <p:cNvSpPr>
-            <a:spLocks noGrp="1"/>
-          </p:cNvSpPr>
-          <p:nvPr>
-            <p:ph sz="half" idx="1"/>
-          </p:nvPr>
-        </p:nvSpPr>
-        <p:spPr>
-          <a:xfrm>
-            <a:off x="223520" y="1279524"/>
-            <a:ext cx="5699760" cy="4968875"/>
-          </a:xfrm>
-        </p:spPr>
-        <p:txBody>
-          <a:bodyPr/>
-          <a:lstStyle/>
-          <a:p>
-            <a:pPr lvl="0"/>
-            <a:r>
-              <a:rPr lang="en-US" dirty="0"/>
-              <a:t>Click to edit Master text styles</a:t>
-            </a:r>
-          </a:p>
-          <a:p>
-            <a:pPr lvl="1"/>
-            <a:r>
-              <a:rPr lang="en-US" dirty="0"/>
-              <a:t>Second level</a:t>
-            </a:r>
-          </a:p>
-          <a:p>
-            <a:pPr lvl="2"/>
-            <a:r>
-              <a:rPr lang="en-US" dirty="0"/>
-              <a:t>Third level</a:t>
-            </a:r>
-          </a:p>
-          <a:p>
-            <a:pPr lvl="3"/>
-            <a:r>
-              <a:rPr lang="en-US" dirty="0"/>
-              <a:t>Fourth level</a:t>
-            </a:r>
-          </a:p>
-          <a:p>
-            <a:pPr lvl="4"/>
-            <a:r>
-              <a:rPr lang="en-US" dirty="0"/>
-              <a:t>Fifth level</a:t>
-            </a:r>
-          </a:p>
-        </p:txBody>
-      </p:sp>
-      <p:sp>
-        <p:nvSpPr>
-          <p:cNvPr id="4" name="Content Placeholder 3"/>
-          <p:cNvSpPr>
-            <a:spLocks noGrp="1"/>
-          </p:cNvSpPr>
-          <p:nvPr>
-            <p:ph sz="half" idx="2"/>
-          </p:nvPr>
-        </p:nvSpPr>
-        <p:spPr>
-          <a:xfrm>
-            <a:off x="6344920" y="1279524"/>
-            <a:ext cx="5699760" cy="4968875"/>
-          </a:xfrm>
-        </p:spPr>
-        <p:txBody>
-          <a:bodyPr/>
-          <a:lstStyle/>
-          <a:p>
-            <a:pPr lvl="0"/>
-            <a:r>
-              <a:rPr lang="en-US"/>
-              <a:t>Click to edit Master text styles</a:t>
-            </a:r>
-          </a:p>
-          <a:p>
-            <a:pPr lvl="1"/>
-            <a:r>
-              <a:rPr lang="en-US"/>
-              <a:t>Second level</a:t>
-            </a:r>
-          </a:p>
-          <a:p>
-            <a:pPr lvl="2"/>
-            <a:r>
-              <a:rPr lang="en-US"/>
-              <a:t>Third level</a:t>
-            </a:r>
-          </a:p>
-          <a:p>
-            <a:pPr lvl="3"/>
-            <a:r>
-              <a:rPr lang="en-US"/>
-              <a:t>Fourth level</a:t>
-            </a:r>
-          </a:p>
-          <a:p>
-            <a:pPr lvl="4"/>
-            <a:r>
-              <a:rPr lang="en-US"/>
-              <a:t>Fifth level</a:t>
-            </a:r>
-            <a:endParaRPr lang="en-US" dirty="0"/>
-          </a:p>
-        </p:txBody>
-      </p:sp>
-      <p:sp>
-        <p:nvSpPr>
-          <p:cNvPr id="5" name="Date Placeholder 4"/>
-          <p:cNvSpPr>
-            <a:spLocks noGrp="1"/>
-          </p:cNvSpPr>
-          <p:nvPr>
-            <p:ph type="dt" sz="half" idx="10"/>
-          </p:nvPr>
-        </p:nvSpPr>
-        <p:spPr/>
-        <p:txBody>
-          <a:bodyPr/>
-          <a:lstStyle/>
-          <a:p>
-            <a:fld id="{C764DE79-268F-4C1A-8933-263129D2AF90}" type="datetimeFigureOut">
-              <a:rPr lang="en-US" dirty="0"/>
-              <a:t>6/10/2017</a:t>
-            </a:fld>
-            <a:endParaRPr lang="en-US" dirty="0"/>
-          </a:p>
-        </p:txBody>
-      </p:sp>
-      <p:sp>
-        <p:nvSpPr>
-          <p:cNvPr id="6" name="Footer Placeholder 5"/>
-          <p:cNvSpPr>
-            <a:spLocks noGrp="1"/>
-          </p:cNvSpPr>
-          <p:nvPr>
-            <p:ph type="ftr" sz="quarter" idx="11"/>
-          </p:nvPr>
-        </p:nvSpPr>
-        <p:spPr/>
-        <p:txBody>
-          <a:bodyPr/>
-          <a:lstStyle/>
-          <a:p>
-            <a:endParaRPr lang="en-US" dirty="0"/>
-          </a:p>
-        </p:txBody>
-      </p:sp>
-      <p:sp>
-        <p:nvSpPr>
-          <p:cNvPr id="7" name="Slide Number Placeholder 6"/>
-          <p:cNvSpPr>
-            <a:spLocks noGrp="1"/>
-          </p:cNvSpPr>
-          <p:nvPr>
-            <p:ph type="sldNum" sz="quarter" idx="12"/>
-          </p:nvPr>
-        </p:nvSpPr>
-        <p:spPr/>
-        <p:txBody>
-          <a:bodyPr/>
-          <a:lstStyle/>
-          <a:p>
-            <a:fld id="{48F63A3B-78C7-47BE-AE5E-E10140E04643}" type="slidenum">
-              <a:rPr lang="en-US" dirty="0"/>
-              <a:t>‹#›</a:t>
-            </a:fld>
-            <a:endParaRPr lang="en-US" dirty="0"/>
-          </a:p>
-        </p:txBody>
-      </p:sp>
-    </p:spTree>
-    <p:extLst>
-      <p:ext uri="{BB962C8B-B14F-4D97-AF65-F5344CB8AC3E}">
-        <p14:creationId xmlns:p14="http://schemas.microsoft.com/office/powerpoint/2010/main" val="3429141266"/>
-      </p:ext>
-    </p:extLst>
-  </p:cSld>
-  <p:clrMapOvr>
-    <a:masterClrMapping/>
-  </p:clrMapOvr>
-</p:sldLayout>
-</file>
-
-<file path=ppt/slideLayouts/slideLayout9.xml><?xml version="1.0" encoding="utf-8"?>
-<p:sldLayout xmlns:a="http://schemas.openxmlformats.org/drawingml/2006/main" xmlns:r="http://schemas.openxmlformats.org/officeDocument/2006/relationships" xmlns:p="http://schemas.openxmlformats.org/presentationml/2006/main" type="twoTxTwoObj" preserve="1">
-  <p:cSld name="Comparison">
-    <p:spTree>
-      <p:nvGrpSpPr>
-        <p:cNvPr id="1" name=""/>
-        <p:cNvGrpSpPr/>
-        <p:nvPr/>
-      </p:nvGrpSpPr>
-      <p:grpSpPr>
-        <a:xfrm>
-          <a:off x="0" y="0"/>
-          <a:ext cx="0" cy="0"/>
-          <a:chOff x="0" y="0"/>
-          <a:chExt cx="0" cy="0"/>
-        </a:xfrm>
-      </p:grpSpPr>
-      <p:sp>
-        <p:nvSpPr>
-          <p:cNvPr id="2" name="Title 1"/>
-          <p:cNvSpPr>
-            <a:spLocks noGrp="1"/>
-          </p:cNvSpPr>
-          <p:nvPr>
-            <p:ph type="title"/>
-          </p:nvPr>
-        </p:nvSpPr>
-        <p:spPr>
-          <a:xfrm>
-            <a:off x="839788" y="365125"/>
-            <a:ext cx="10515600" cy="1325563"/>
-          </a:xfrm>
-        </p:spPr>
-        <p:txBody>
-          <a:bodyPr/>
-          <a:lstStyle/>
-          <a:p>
-            <a:r>
-              <a:rPr lang="en-US"/>
-              <a:t>Click to edit Master title style</a:t>
-            </a:r>
-            <a:endParaRPr lang="en-US" dirty="0"/>
-          </a:p>
-        </p:txBody>
-      </p:sp>
-      <p:sp>
-        <p:nvSpPr>
-          <p:cNvPr id="3" name="Text Placeholder 2"/>
-          <p:cNvSpPr>
-            <a:spLocks noGrp="1"/>
-          </p:cNvSpPr>
-          <p:nvPr>
-            <p:ph type="body" idx="1"/>
-          </p:nvPr>
-        </p:nvSpPr>
-        <p:spPr>
-          <a:xfrm>
-            <a:off x="839788" y="1681163"/>
-            <a:ext cx="5157787" cy="823912"/>
-          </a:xfrm>
-        </p:spPr>
-        <p:txBody>
-          <a:bodyPr anchor="b"/>
-          <a:lstStyle>
-            <a:lvl1pPr marL="0" indent="0">
-              <a:buNone/>
-              <a:defRPr sz="2400" b="1"/>
-            </a:lvl1pPr>
-            <a:lvl2pPr marL="457200" indent="0">
-              <a:buNone/>
-              <a:defRPr sz="2000" b="1"/>
-            </a:lvl2pPr>
-            <a:lvl3pPr marL="914400" indent="0">
-              <a:buNone/>
-              <a:defRPr sz="1800" b="1"/>
-            </a:lvl3pPr>
-            <a:lvl4pPr marL="1371600" indent="0">
-              <a:buNone/>
-              <a:defRPr sz="1600" b="1"/>
-            </a:lvl4pPr>
-            <a:lvl5pPr marL="1828800" indent="0">
-              <a:buNone/>
-              <a:defRPr sz="1600" b="1"/>
-            </a:lvl5pPr>
-            <a:lvl6pPr marL="2286000" indent="0">
-              <a:buNone/>
-              <a:defRPr sz="1600" b="1"/>
-            </a:lvl6pPr>
-            <a:lvl7pPr marL="2743200" indent="0">
-              <a:buNone/>
-              <a:defRPr sz="1600" b="1"/>
-            </a:lvl7pPr>
-            <a:lvl8pPr marL="3200400" indent="0">
-              <a:buNone/>
-              <a:defRPr sz="1600" b="1"/>
-            </a:lvl8pPr>
-            <a:lvl9pPr marL="3657600" indent="0">
-              <a:buNone/>
-              <a:defRPr sz="1600" b="1"/>
-            </a:lvl9pPr>
-          </a:lstStyle>
-          <a:p>
-            <a:pPr lvl="0"/>
-            <a:r>
-              <a:rPr lang="en-US"/>
-              <a:t>Click to edit Master text styles</a:t>
-            </a:r>
-          </a:p>
-        </p:txBody>
-      </p:sp>
-      <p:sp>
-        <p:nvSpPr>
-          <p:cNvPr id="4" name="Content Placeholder 3"/>
-          <p:cNvSpPr>
-            <a:spLocks noGrp="1"/>
-          </p:cNvSpPr>
-          <p:nvPr>
-            <p:ph sz="half" idx="2"/>
-          </p:nvPr>
-        </p:nvSpPr>
-        <p:spPr>
-          <a:xfrm>
-            <a:off x="839788" y="2505075"/>
-            <a:ext cx="5157787" cy="3684588"/>
-          </a:xfrm>
-        </p:spPr>
-        <p:txBody>
-          <a:bodyPr/>
-          <a:lstStyle/>
-          <a:p>
-            <a:pPr lvl="0"/>
-            <a:r>
-              <a:rPr lang="en-US"/>
-              <a:t>Click to edit Master text styles</a:t>
-            </a:r>
-          </a:p>
-          <a:p>
-            <a:pPr lvl="1"/>
-            <a:r>
-              <a:rPr lang="en-US"/>
-              <a:t>Second level</a:t>
-            </a:r>
-          </a:p>
-          <a:p>
-            <a:pPr lvl="2"/>
-            <a:r>
-              <a:rPr lang="en-US"/>
-              <a:t>Third level</a:t>
-            </a:r>
-          </a:p>
-          <a:p>
-            <a:pPr lvl="3"/>
-            <a:r>
-              <a:rPr lang="en-US"/>
-              <a:t>Fourth level</a:t>
-            </a:r>
-          </a:p>
-          <a:p>
-            <a:pPr lvl="4"/>
-            <a:r>
-              <a:rPr lang="en-US"/>
-              <a:t>Fifth level</a:t>
-            </a:r>
-            <a:endParaRPr lang="en-US" dirty="0"/>
-          </a:p>
-        </p:txBody>
-      </p:sp>
-      <p:sp>
-        <p:nvSpPr>
-          <p:cNvPr id="5" name="Text Placeholder 4"/>
-          <p:cNvSpPr>
-            <a:spLocks noGrp="1"/>
-          </p:cNvSpPr>
-          <p:nvPr>
-            <p:ph type="body" sz="quarter" idx="3"/>
-          </p:nvPr>
-        </p:nvSpPr>
-        <p:spPr>
-          <a:xfrm>
-            <a:off x="6172200" y="1681163"/>
-            <a:ext cx="5183188" cy="823912"/>
-          </a:xfrm>
-        </p:spPr>
-        <p:txBody>
-          <a:bodyPr anchor="b"/>
-          <a:lstStyle>
-            <a:lvl1pPr marL="0" indent="0">
-              <a:buNone/>
-              <a:defRPr sz="2400" b="1"/>
-            </a:lvl1pPr>
-            <a:lvl2pPr marL="457200" indent="0">
-              <a:buNone/>
-              <a:defRPr sz="2000" b="1"/>
-            </a:lvl2pPr>
-            <a:lvl3pPr marL="914400" indent="0">
-              <a:buNone/>
-              <a:defRPr sz="1800" b="1"/>
-            </a:lvl3pPr>
-            <a:lvl4pPr marL="1371600" indent="0">
-              <a:buNone/>
-              <a:defRPr sz="1600" b="1"/>
-            </a:lvl4pPr>
-            <a:lvl5pPr marL="1828800" indent="0">
-              <a:buNone/>
-              <a:defRPr sz="1600" b="1"/>
-            </a:lvl5pPr>
-            <a:lvl6pPr marL="2286000" indent="0">
-              <a:buNone/>
-              <a:defRPr sz="1600" b="1"/>
-            </a:lvl6pPr>
-            <a:lvl7pPr marL="2743200" indent="0">
-              <a:buNone/>
-              <a:defRPr sz="1600" b="1"/>
-            </a:lvl7pPr>
-            <a:lvl8pPr marL="3200400" indent="0">
-              <a:buNone/>
-              <a:defRPr sz="1600" b="1"/>
-            </a:lvl8pPr>
-            <a:lvl9pPr marL="3657600" indent="0">
-              <a:buNone/>
-              <a:defRPr sz="1600" b="1"/>
-            </a:lvl9pPr>
-          </a:lstStyle>
-          <a:p>
-            <a:pPr lvl="0"/>
-            <a:r>
-              <a:rPr lang="en-US"/>
-              <a:t>Click to edit Master text styles</a:t>
-            </a:r>
-          </a:p>
-        </p:txBody>
-      </p:sp>
-      <p:sp>
-        <p:nvSpPr>
-          <p:cNvPr id="6" name="Content Placeholder 5"/>
-          <p:cNvSpPr>
-            <a:spLocks noGrp="1"/>
-          </p:cNvSpPr>
-          <p:nvPr>
-            <p:ph sz="quarter" idx="4"/>
-          </p:nvPr>
-        </p:nvSpPr>
-        <p:spPr>
-          <a:xfrm>
-            <a:off x="6172200" y="2505075"/>
-            <a:ext cx="5183188" cy="3684588"/>
-          </a:xfrm>
-        </p:spPr>
-        <p:txBody>
-          <a:bodyPr/>
-          <a:lstStyle/>
-          <a:p>
-            <a:pPr lvl="0"/>
-            <a:r>
-              <a:rPr lang="en-US"/>
-              <a:t>Click to edit Master text styles</a:t>
-            </a:r>
-          </a:p>
-          <a:p>
-            <a:pPr lvl="1"/>
-            <a:r>
-              <a:rPr lang="en-US"/>
-              <a:t>Second level</a:t>
-            </a:r>
-          </a:p>
-          <a:p>
-            <a:pPr lvl="2"/>
-            <a:r>
-              <a:rPr lang="en-US"/>
-              <a:t>Third level</a:t>
-            </a:r>
-          </a:p>
-          <a:p>
-            <a:pPr lvl="3"/>
-            <a:r>
-              <a:rPr lang="en-US"/>
-              <a:t>Fourth level</a:t>
-            </a:r>
-          </a:p>
-          <a:p>
-            <a:pPr lvl="4"/>
-            <a:r>
-              <a:rPr lang="en-US"/>
-              <a:t>Fifth level</a:t>
-            </a:r>
-            <a:endParaRPr lang="en-US" dirty="0"/>
-          </a:p>
-        </p:txBody>
-      </p:sp>
-      <p:sp>
-        <p:nvSpPr>
-          <p:cNvPr id="7" name="Date Placeholder 6"/>
-          <p:cNvSpPr>
-            <a:spLocks noGrp="1"/>
-          </p:cNvSpPr>
-          <p:nvPr>
-            <p:ph type="dt" sz="half" idx="10"/>
-          </p:nvPr>
-        </p:nvSpPr>
-        <p:spPr/>
-        <p:txBody>
-          <a:bodyPr/>
-          <a:lstStyle/>
-          <a:p>
-            <a:fld id="{C764DE79-268F-4C1A-8933-263129D2AF90}" type="datetimeFigureOut">
-              <a:rPr lang="en-US" dirty="0"/>
-              <a:t>6/10/2017</a:t>
-            </a:fld>
-            <a:endParaRPr lang="en-US" dirty="0"/>
-          </a:p>
-        </p:txBody>
-      </p:sp>
-      <p:sp>
-        <p:nvSpPr>
-          <p:cNvPr id="8" name="Footer Placeholder 7"/>
-          <p:cNvSpPr>
-            <a:spLocks noGrp="1"/>
-          </p:cNvSpPr>
-          <p:nvPr>
-            <p:ph type="ftr" sz="quarter" idx="11"/>
-          </p:nvPr>
-        </p:nvSpPr>
-        <p:spPr/>
-        <p:txBody>
-          <a:bodyPr/>
-          <a:lstStyle/>
-          <a:p>
-            <a:endParaRPr lang="en-US" dirty="0"/>
-          </a:p>
-        </p:txBody>
-      </p:sp>
-      <p:sp>
-        <p:nvSpPr>
-          <p:cNvPr id="9" name="Slide Number Placeholder 8"/>
-          <p:cNvSpPr>
-            <a:spLocks noGrp="1"/>
-          </p:cNvSpPr>
-          <p:nvPr>
-            <p:ph type="sldNum" sz="quarter" idx="12"/>
-          </p:nvPr>
-        </p:nvSpPr>
-        <p:spPr/>
-        <p:txBody>
-          <a:bodyPr/>
-          <a:lstStyle/>
-          <a:p>
-            <a:fld id="{48F63A3B-78C7-47BE-AE5E-E10140E04643}" type="slidenum">
-              <a:rPr lang="en-US" dirty="0"/>
-              <a:t>‹#›</a:t>
-            </a:fld>
-            <a:endParaRPr lang="en-US" dirty="0"/>
-          </a:p>
-        </p:txBody>
-      </p:sp>
-    </p:spTree>
-    <p:extLst>
-      <p:ext uri="{BB962C8B-B14F-4D97-AF65-F5344CB8AC3E}">
-        <p14:creationId xmlns:p14="http://schemas.microsoft.com/office/powerpoint/2010/main" val="652335608"/>
       </p:ext>
     </p:extLst>
   </p:cSld>
@@ -10327,28 +10727,30 @@
   </p:cSld>
   <p:clrMap bg1="lt1" tx1="dk1" bg2="lt2" tx2="dk2" accent1="accent1" accent2="accent2" accent3="accent3" accent4="accent4" accent5="accent5" accent6="accent6" hlink="hlink" folHlink="folHlink"/>
   <p:sldLayoutIdLst>
-    <p:sldLayoutId id="2147483661" r:id="rId1"/>
-    <p:sldLayoutId id="2147483662" r:id="rId2"/>
-    <p:sldLayoutId id="2147483684" r:id="rId3"/>
-    <p:sldLayoutId id="2147483663" r:id="rId4"/>
-    <p:sldLayoutId id="2147483664" r:id="rId5"/>
-    <p:sldLayoutId id="2147483665" r:id="rId6"/>
-    <p:sldLayoutId id="2147483666" r:id="rId7"/>
-    <p:sldLayoutId id="2147483667" r:id="rId8"/>
-    <p:sldLayoutId id="2147483668" r:id="rId9"/>
-    <p:sldLayoutId id="2147483669" r:id="rId10"/>
-    <p:sldLayoutId id="2147483670" r:id="rId11"/>
-    <p:sldLayoutId id="2147483671" r:id="rId12"/>
-    <p:sldLayoutId id="2147483672" r:id="rId13"/>
-    <p:sldLayoutId id="2147483673" r:id="rId14"/>
-    <p:sldLayoutId id="2147483674" r:id="rId15"/>
-    <p:sldLayoutId id="2147483675" r:id="rId16"/>
-    <p:sldLayoutId id="2147483676" r:id="rId17"/>
-    <p:sldLayoutId id="2147483677" r:id="rId18"/>
-    <p:sldLayoutId id="2147483678" r:id="rId19"/>
-    <p:sldLayoutId id="2147483679" r:id="rId20"/>
-    <p:sldLayoutId id="2147483680" r:id="rId21"/>
-    <p:sldLayoutId id="2147483681" r:id="rId22"/>
+    <p:sldLayoutId id="2147483686" r:id="rId1"/>
+    <p:sldLayoutId id="2147483687" r:id="rId2"/>
+    <p:sldLayoutId id="2147483688" r:id="rId3"/>
+    <p:sldLayoutId id="2147483662" r:id="rId4"/>
+    <p:sldLayoutId id="2147483684" r:id="rId5"/>
+    <p:sldLayoutId id="2147483663" r:id="rId6"/>
+    <p:sldLayoutId id="2147483664" r:id="rId7"/>
+    <p:sldLayoutId id="2147483665" r:id="rId8"/>
+    <p:sldLayoutId id="2147483666" r:id="rId9"/>
+    <p:sldLayoutId id="2147483667" r:id="rId10"/>
+    <p:sldLayoutId id="2147483668" r:id="rId11"/>
+    <p:sldLayoutId id="2147483669" r:id="rId12"/>
+    <p:sldLayoutId id="2147483670" r:id="rId13"/>
+    <p:sldLayoutId id="2147483671" r:id="rId14"/>
+    <p:sldLayoutId id="2147483672" r:id="rId15"/>
+    <p:sldLayoutId id="2147483673" r:id="rId16"/>
+    <p:sldLayoutId id="2147483674" r:id="rId17"/>
+    <p:sldLayoutId id="2147483675" r:id="rId18"/>
+    <p:sldLayoutId id="2147483676" r:id="rId19"/>
+    <p:sldLayoutId id="2147483677" r:id="rId20"/>
+    <p:sldLayoutId id="2147483678" r:id="rId21"/>
+    <p:sldLayoutId id="2147483679" r:id="rId22"/>
+    <p:sldLayoutId id="2147483680" r:id="rId23"/>
+    <p:sldLayoutId id="2147483681" r:id="rId24"/>
   </p:sldLayoutIdLst>
   <p:txStyles>
     <p:titleStyle>
@@ -11875,7 +12277,13 @@
       </p:grpSpPr>
       <p:sp>
         <p:nvSpPr>
-          <p:cNvPr id="2" name="Title 1"/>
+          <p:cNvPr id="2" name="Title 1">
+            <a:extLst>
+              <a:ext uri="{FF2B5EF4-FFF2-40B4-BE49-F238E27FC236}">
+                <a16:creationId xmlns:a16="http://schemas.microsoft.com/office/drawing/2014/main" id="{DCECBB78-B0AA-4254-8E86-9443F269DED9}"/>
+              </a:ext>
+            </a:extLst>
+          </p:cNvPr>
           <p:cNvSpPr>
             <a:spLocks noGrp="1"/>
           </p:cNvSpPr>
@@ -11885,245 +12293,42 @@
         </p:nvSpPr>
         <p:spPr/>
         <p:txBody>
-          <a:bodyPr>
-            <a:normAutofit fontScale="90000"/>
-          </a:bodyPr>
+          <a:bodyPr/>
           <a:lstStyle/>
           <a:p>
-            <a:r>
-              <a:rPr lang="en-US" dirty="0">
-                <a:solidFill>
-                  <a:srgbClr val="0000FF"/>
-                </a:solidFill>
-                <a:latin typeface="Times New Roman" panose="02020603050405020304" pitchFamily="18" charset="0"/>
-                <a:ea typeface="Times New Roman" panose="02020603050405020304" pitchFamily="18" charset="0"/>
-                <a:cs typeface="Times New Roman" panose="02020603050405020304" pitchFamily="18" charset="0"/>
-              </a:rPr>
-              <a:t>#7 </a:t>
-            </a:r>
-            <a:r>
-              <a:rPr lang="en-US" u="sng" dirty="0">
-                <a:hlinkClick r:id="rId2"/>
-              </a:rPr>
-              <a:t>Architect an Azure Compute infrastructure (10–15%)</a:t>
-            </a:r>
-            <a:endParaRPr lang="en-US" dirty="0"/>
+            <a:endParaRPr lang="en-US"/>
           </a:p>
         </p:txBody>
       </p:sp>
       <p:sp>
         <p:nvSpPr>
-          <p:cNvPr id="5" name="Content Placeholder 4"/>
+          <p:cNvPr id="3" name="Content Placeholder 2">
+            <a:extLst>
+              <a:ext uri="{FF2B5EF4-FFF2-40B4-BE49-F238E27FC236}">
+                <a16:creationId xmlns:a16="http://schemas.microsoft.com/office/drawing/2014/main" id="{EB011E80-81A1-4F81-B30E-C593FC86214B}"/>
+              </a:ext>
+            </a:extLst>
+          </p:cNvPr>
           <p:cNvSpPr>
             <a:spLocks noGrp="1"/>
           </p:cNvSpPr>
           <p:nvPr>
-            <p:ph sz="half" idx="1"/>
+            <p:ph idx="1"/>
           </p:nvPr>
         </p:nvSpPr>
-        <p:spPr>
-          <a:xfrm>
-            <a:off x="239849" y="1516288"/>
-            <a:ext cx="5699760" cy="4968875"/>
-          </a:xfrm>
-        </p:spPr>
+        <p:spPr/>
         <p:txBody>
-          <a:bodyPr>
-            <a:normAutofit/>
-          </a:bodyPr>
+          <a:bodyPr/>
           <a:lstStyle/>
           <a:p>
-            <a:pPr marL="0" lvl="1" indent="0">
-              <a:lnSpc>
-                <a:spcPct val="107000"/>
-              </a:lnSpc>
-              <a:spcBef>
-                <a:spcPts val="1000"/>
-              </a:spcBef>
-              <a:buSzPts val="1000"/>
-              <a:buNone/>
-              <a:tabLst>
-                <a:tab pos="228600" algn="l"/>
-              </a:tabLst>
-            </a:pPr>
-            <a:r>
-              <a:rPr lang="en-US" sz="2200" b="1" dirty="0">
-                <a:latin typeface="Calibri" panose="020F0502020204030204" pitchFamily="34" charset="0"/>
-                <a:ea typeface="Calibri" panose="020F0502020204030204" pitchFamily="34" charset="0"/>
-                <a:cs typeface="Times New Roman" panose="02020603050405020304" pitchFamily="18" charset="0"/>
-              </a:rPr>
-              <a:t>Design ARM Virtual Machines (VMs) </a:t>
-            </a:r>
-          </a:p>
-          <a:p>
-            <a:pPr lvl="1">
-              <a:lnSpc>
-                <a:spcPct val="120000"/>
-              </a:lnSpc>
-              <a:spcAft>
-                <a:spcPts val="600"/>
-              </a:spcAft>
-              <a:buSzPts val="1000"/>
-              <a:buFont typeface="Wingdings" panose="05000000000000000000" pitchFamily="2" charset="2"/>
-              <a:buChar char="q"/>
-              <a:tabLst>
-                <a:tab pos="685800" algn="l"/>
-              </a:tabLst>
-            </a:pPr>
-            <a:r>
-              <a:rPr lang="en-US" sz="1500" dirty="0">
-                <a:latin typeface="Calibri" panose="020F0502020204030204" pitchFamily="34" charset="0"/>
-                <a:ea typeface="Calibri" panose="020F0502020204030204" pitchFamily="34" charset="0"/>
-                <a:cs typeface="Times New Roman" panose="02020603050405020304" pitchFamily="18" charset="0"/>
-              </a:rPr>
-              <a:t>Design VM deployments leveraging availability sets, fault domains, and update domains in Azure; select appropriate VM SKUs</a:t>
-            </a:r>
-          </a:p>
-          <a:p>
-            <a:pPr marL="0" lvl="1" indent="0">
-              <a:lnSpc>
-                <a:spcPct val="107000"/>
-              </a:lnSpc>
-              <a:spcBef>
-                <a:spcPts val="1000"/>
-              </a:spcBef>
-              <a:buSzPts val="1000"/>
-              <a:buNone/>
-              <a:tabLst>
-                <a:tab pos="228600" algn="l"/>
-              </a:tabLst>
-            </a:pPr>
-            <a:r>
-              <a:rPr lang="en-US" sz="2200" b="1" dirty="0">
-                <a:latin typeface="Calibri" panose="020F0502020204030204" pitchFamily="34" charset="0"/>
-                <a:ea typeface="Calibri" panose="020F0502020204030204" pitchFamily="34" charset="0"/>
-                <a:cs typeface="Times New Roman" panose="02020603050405020304" pitchFamily="18" charset="0"/>
-              </a:rPr>
-              <a:t>Design ARM template deployment </a:t>
-            </a:r>
-          </a:p>
-          <a:p>
-            <a:pPr lvl="1">
-              <a:lnSpc>
-                <a:spcPct val="120000"/>
-              </a:lnSpc>
-              <a:spcAft>
-                <a:spcPts val="600"/>
-              </a:spcAft>
-              <a:buSzPts val="1000"/>
-              <a:buFont typeface="Wingdings" panose="05000000000000000000" pitchFamily="2" charset="2"/>
-              <a:buChar char="q"/>
-              <a:tabLst>
-                <a:tab pos="685800" algn="l"/>
-              </a:tabLst>
-            </a:pPr>
-            <a:r>
-              <a:rPr lang="en-US" sz="1500" dirty="0">
-                <a:latin typeface="Calibri" panose="020F0502020204030204" pitchFamily="34" charset="0"/>
-                <a:ea typeface="Calibri" panose="020F0502020204030204" pitchFamily="34" charset="0"/>
-                <a:cs typeface="Times New Roman" panose="02020603050405020304" pitchFamily="18" charset="0"/>
-              </a:rPr>
-              <a:t>Author ARM templates; deploy ARM templates via the portal, PowerShell, and CL</a:t>
-            </a:r>
-          </a:p>
-          <a:p>
-            <a:pPr marL="0" lvl="1" indent="0">
-              <a:lnSpc>
-                <a:spcPct val="107000"/>
-              </a:lnSpc>
-              <a:spcBef>
-                <a:spcPts val="1000"/>
-              </a:spcBef>
-              <a:buSzPts val="1000"/>
-              <a:buNone/>
-              <a:tabLst>
-                <a:tab pos="228600" algn="l"/>
-              </a:tabLst>
-            </a:pPr>
-            <a:r>
-              <a:rPr lang="en-US" sz="2200" b="1" dirty="0">
-                <a:latin typeface="Calibri" panose="020F0502020204030204" pitchFamily="34" charset="0"/>
-                <a:ea typeface="Calibri" panose="020F0502020204030204" pitchFamily="34" charset="0"/>
-                <a:cs typeface="Times New Roman" panose="02020603050405020304" pitchFamily="18" charset="0"/>
-              </a:rPr>
-              <a:t>Design for availability </a:t>
-            </a:r>
-          </a:p>
-          <a:p>
-            <a:pPr lvl="1">
-              <a:lnSpc>
-                <a:spcPct val="120000"/>
-              </a:lnSpc>
-              <a:spcAft>
-                <a:spcPts val="600"/>
-              </a:spcAft>
-              <a:buSzPts val="1000"/>
-              <a:buFont typeface="Wingdings" panose="05000000000000000000" pitchFamily="2" charset="2"/>
-              <a:buChar char="q"/>
-              <a:tabLst>
-                <a:tab pos="685800" algn="l"/>
-              </a:tabLst>
-            </a:pPr>
-            <a:r>
-              <a:rPr lang="en-US" sz="1500" dirty="0">
-                <a:latin typeface="Calibri" panose="020F0502020204030204" pitchFamily="34" charset="0"/>
-                <a:ea typeface="Calibri" panose="020F0502020204030204" pitchFamily="34" charset="0"/>
-                <a:cs typeface="Times New Roman" panose="02020603050405020304" pitchFamily="18" charset="0"/>
-              </a:rPr>
-              <a:t>Implement regional availability and high availability for Azure deployments</a:t>
-            </a:r>
-          </a:p>
-        </p:txBody>
-      </p:sp>
-      <p:sp>
-        <p:nvSpPr>
-          <p:cNvPr id="3" name="Content Placeholder 2"/>
-          <p:cNvSpPr>
-            <a:spLocks noGrp="1"/>
-          </p:cNvSpPr>
-          <p:nvPr>
-            <p:ph sz="half" idx="2"/>
-          </p:nvPr>
-        </p:nvSpPr>
-        <p:spPr>
-          <a:xfrm>
-            <a:off x="6369413" y="1516287"/>
-            <a:ext cx="5699760" cy="4968875"/>
-          </a:xfrm>
-        </p:spPr>
-        <p:txBody>
-          <a:bodyPr>
-            <a:normAutofit/>
-          </a:bodyPr>
-          <a:lstStyle/>
-          <a:p>
-            <a:pPr marL="0" indent="0">
-              <a:lnSpc>
-                <a:spcPct val="107000"/>
-              </a:lnSpc>
-              <a:buSzPts val="1000"/>
-              <a:buNone/>
-              <a:tabLst>
-                <a:tab pos="228600" algn="l"/>
-              </a:tabLst>
-            </a:pPr>
-            <a:endParaRPr lang="en-US" altLang="en-US" sz="1600" strike="sngStrike" dirty="0">
-              <a:solidFill>
-                <a:schemeClr val="bg1">
-                  <a:lumMod val="65000"/>
-                </a:schemeClr>
-              </a:solidFill>
-              <a:latin typeface="Arial" panose="020B0604020202020204" pitchFamily="34" charset="0"/>
-              <a:ea typeface="Microsoft YaHei" panose="020B0503020204020204" pitchFamily="34" charset="-122"/>
-              <a:cs typeface="Arial" panose="020B0604020202020204" pitchFamily="34" charset="0"/>
-            </a:endParaRPr>
+            <a:endParaRPr lang="en-US"/>
           </a:p>
         </p:txBody>
       </p:sp>
     </p:spTree>
     <p:extLst>
       <p:ext uri="{BB962C8B-B14F-4D97-AF65-F5344CB8AC3E}">
-        <p14:creationId xmlns:p14="http://schemas.microsoft.com/office/powerpoint/2010/main" val="1547950077"/>
+        <p14:creationId xmlns:p14="http://schemas.microsoft.com/office/powerpoint/2010/main" val="3667782032"/>
       </p:ext>
     </p:extLst>
   </p:cSld>
@@ -12133,7 +12338,90 @@
 </p:sld>
 </file>
 
-<file path=ppt/slides/slide2.xml><?xml version="1.0" encoding="utf-8"?>
+<file path=ppt/slides/slide11.xml><?xml version="1.0" encoding="utf-8"?>
+<p:sld xmlns:a="http://schemas.openxmlformats.org/drawingml/2006/main" xmlns:r="http://schemas.openxmlformats.org/officeDocument/2006/relationships" xmlns:p="http://schemas.openxmlformats.org/presentationml/2006/main">
+  <p:cSld>
+    <p:spTree>
+      <p:nvGrpSpPr>
+        <p:cNvPr id="1" name=""/>
+        <p:cNvGrpSpPr/>
+        <p:nvPr/>
+      </p:nvGrpSpPr>
+      <p:grpSpPr>
+        <a:xfrm>
+          <a:off x="0" y="0"/>
+          <a:ext cx="0" cy="0"/>
+          <a:chOff x="0" y="0"/>
+          <a:chExt cx="0" cy="0"/>
+        </a:xfrm>
+      </p:grpSpPr>
+      <p:sp>
+        <p:nvSpPr>
+          <p:cNvPr id="2" name="Title 1">
+            <a:extLst>
+              <a:ext uri="{FF2B5EF4-FFF2-40B4-BE49-F238E27FC236}">
+                <a16:creationId xmlns:a16="http://schemas.microsoft.com/office/drawing/2014/main" id="{E242B39E-BC27-48DB-A61A-4F0A26FF72C2}"/>
+              </a:ext>
+            </a:extLst>
+          </p:cNvPr>
+          <p:cNvSpPr>
+            <a:spLocks noGrp="1"/>
+          </p:cNvSpPr>
+          <p:nvPr>
+            <p:ph type="title"/>
+          </p:nvPr>
+        </p:nvSpPr>
+        <p:spPr/>
+        <p:txBody>
+          <a:bodyPr/>
+          <a:lstStyle/>
+          <a:p>
+            <a:endParaRPr lang="en-US"/>
+          </a:p>
+        </p:txBody>
+      </p:sp>
+      <p:sp>
+        <p:nvSpPr>
+          <p:cNvPr id="3" name="Text Placeholder 2">
+            <a:extLst>
+              <a:ext uri="{FF2B5EF4-FFF2-40B4-BE49-F238E27FC236}">
+                <a16:creationId xmlns:a16="http://schemas.microsoft.com/office/drawing/2014/main" id="{DD2B2B34-55A7-41DB-A1D1-620B6CB74D1E}"/>
+              </a:ext>
+            </a:extLst>
+          </p:cNvPr>
+          <p:cNvSpPr>
+            <a:spLocks noGrp="1"/>
+          </p:cNvSpPr>
+          <p:nvPr>
+            <p:ph type="body" sz="quarter" idx="11"/>
+          </p:nvPr>
+        </p:nvSpPr>
+        <p:spPr/>
+        <p:txBody>
+          <a:bodyPr/>
+          <a:lstStyle/>
+          <a:p>
+            <a:endParaRPr lang="en-US"/>
+          </a:p>
+        </p:txBody>
+      </p:sp>
+    </p:spTree>
+    <p:extLst>
+      <p:ext uri="{BB962C8B-B14F-4D97-AF65-F5344CB8AC3E}">
+        <p14:creationId xmlns:p14="http://schemas.microsoft.com/office/powerpoint/2010/main" val="2377743633"/>
+      </p:ext>
+    </p:extLst>
+  </p:cSld>
+  <p:clrMapOvr>
+    <a:masterClrMapping/>
+  </p:clrMapOvr>
+  <p:transition>
+    <p:fade/>
+  </p:transition>
+</p:sld>
+</file>
+
+<file path=ppt/slides/slide12.xml><?xml version="1.0" encoding="utf-8"?>
 <p:sld xmlns:a="http://schemas.openxmlformats.org/drawingml/2006/main" xmlns:r="http://schemas.openxmlformats.org/officeDocument/2006/relationships" xmlns:p="http://schemas.openxmlformats.org/presentationml/2006/main">
   <p:cSld>
     <p:spTree>
@@ -12155,7 +12443,7 @@
           <p:cNvPr id="4" name="Title 3">
             <a:extLst>
               <a:ext uri="{FF2B5EF4-FFF2-40B4-BE49-F238E27FC236}">
-                <a16:creationId xmlns:a16="http://schemas.microsoft.com/office/drawing/2014/main" id="{3B87D2F3-FAD8-42FA-B3E4-EC122F4EB18A}"/>
+                <a16:creationId xmlns:a16="http://schemas.microsoft.com/office/drawing/2014/main" id="{4AA2645A-E2DE-4D49-862E-C0B61E831655}"/>
               </a:ext>
             </a:extLst>
           </p:cNvPr>
@@ -12180,7 +12468,7 @@
           <p:cNvPr id="5" name="Content Placeholder 4">
             <a:extLst>
               <a:ext uri="{FF2B5EF4-FFF2-40B4-BE49-F238E27FC236}">
-                <a16:creationId xmlns:a16="http://schemas.microsoft.com/office/drawing/2014/main" id="{13C1DB93-A698-4654-8186-3FBB5F54DCCD}"/>
+                <a16:creationId xmlns:a16="http://schemas.microsoft.com/office/drawing/2014/main" id="{D5F49366-FE0F-4FF0-8B61-BCCC3A3398DA}"/>
               </a:ext>
             </a:extLst>
           </p:cNvPr>
@@ -12196,7 +12484,7 @@
           <a:bodyPr/>
           <a:lstStyle/>
           <a:p>
-            <a:endParaRPr lang="en-US" dirty="0"/>
+            <a:endParaRPr lang="en-US"/>
           </a:p>
         </p:txBody>
       </p:sp>
@@ -12205,7 +12493,7 @@
           <p:cNvPr id="6" name="Content Placeholder 5">
             <a:extLst>
               <a:ext uri="{FF2B5EF4-FFF2-40B4-BE49-F238E27FC236}">
-                <a16:creationId xmlns:a16="http://schemas.microsoft.com/office/drawing/2014/main" id="{511DC54E-6038-4853-98F4-0F60C5F42D0E}"/>
+                <a16:creationId xmlns:a16="http://schemas.microsoft.com/office/drawing/2014/main" id="{DE38F034-AF9A-4E17-A385-C6A99F1A60A7}"/>
               </a:ext>
             </a:extLst>
           </p:cNvPr>
@@ -12221,14 +12509,14 @@
           <a:bodyPr/>
           <a:lstStyle/>
           <a:p>
-            <a:endParaRPr lang="en-US" dirty="0"/>
+            <a:endParaRPr lang="en-US"/>
           </a:p>
         </p:txBody>
       </p:sp>
     </p:spTree>
     <p:extLst>
       <p:ext uri="{BB962C8B-B14F-4D97-AF65-F5344CB8AC3E}">
-        <p14:creationId xmlns:p14="http://schemas.microsoft.com/office/powerpoint/2010/main" val="3667782032"/>
+        <p14:creationId xmlns:p14="http://schemas.microsoft.com/office/powerpoint/2010/main" val="1615997119"/>
       </p:ext>
     </p:extLst>
   </p:cSld>
@@ -12238,7 +12526,7 @@
 </p:sld>
 </file>
 
-<file path=ppt/slides/slide3.xml><?xml version="1.0" encoding="utf-8"?>
+<file path=ppt/slides/slide2.xml><?xml version="1.0" encoding="utf-8"?>
 <p:sld xmlns:a="http://schemas.openxmlformats.org/drawingml/2006/main" xmlns:r="http://schemas.openxmlformats.org/officeDocument/2006/relationships" xmlns:p="http://schemas.openxmlformats.org/presentationml/2006/main">
   <p:cSld>
     <p:spTree>
@@ -12364,7 +12652,7 @@
 </p:sld>
 </file>
 
-<file path=ppt/slides/slide4.xml><?xml version="1.0" encoding="utf-8"?>
+<file path=ppt/slides/slide3.xml><?xml version="1.0" encoding="utf-8"?>
 <p:sld xmlns:a="http://schemas.openxmlformats.org/drawingml/2006/main" xmlns:r="http://schemas.openxmlformats.org/officeDocument/2006/relationships" xmlns:p="http://schemas.openxmlformats.org/presentationml/2006/main">
   <p:cSld>
     <p:spTree>
@@ -12746,6 +13034,631 @@
     <p:extLst>
       <p:ext uri="{BB962C8B-B14F-4D97-AF65-F5344CB8AC3E}">
         <p14:creationId xmlns:p14="http://schemas.microsoft.com/office/powerpoint/2010/main" val="2931140446"/>
+      </p:ext>
+    </p:extLst>
+  </p:cSld>
+  <p:clrMapOvr>
+    <a:masterClrMapping/>
+  </p:clrMapOvr>
+</p:sld>
+</file>
+
+<file path=ppt/slides/slide4.xml><?xml version="1.0" encoding="utf-8"?>
+<p:sld xmlns:a="http://schemas.openxmlformats.org/drawingml/2006/main" xmlns:r="http://schemas.openxmlformats.org/officeDocument/2006/relationships" xmlns:p="http://schemas.openxmlformats.org/presentationml/2006/main">
+  <p:cSld>
+    <p:spTree>
+      <p:nvGrpSpPr>
+        <p:cNvPr id="1" name=""/>
+        <p:cNvGrpSpPr/>
+        <p:nvPr/>
+      </p:nvGrpSpPr>
+      <p:grpSpPr>
+        <a:xfrm>
+          <a:off x="0" y="0"/>
+          <a:ext cx="0" cy="0"/>
+          <a:chOff x="0" y="0"/>
+          <a:chExt cx="0" cy="0"/>
+        </a:xfrm>
+      </p:grpSpPr>
+      <p:sp>
+        <p:nvSpPr>
+          <p:cNvPr id="2" name="Title 1"/>
+          <p:cNvSpPr>
+            <a:spLocks noGrp="1"/>
+          </p:cNvSpPr>
+          <p:nvPr>
+            <p:ph type="title"/>
+          </p:nvPr>
+        </p:nvSpPr>
+        <p:spPr/>
+        <p:txBody>
+          <a:bodyPr>
+            <a:normAutofit/>
+          </a:bodyPr>
+          <a:lstStyle/>
+          <a:p>
+            <a:r>
+              <a:rPr lang="en-US" dirty="0">
+                <a:solidFill>
+                  <a:srgbClr val="0000FF"/>
+                </a:solidFill>
+                <a:latin typeface="Times New Roman" panose="02020603050405020304" pitchFamily="18" charset="0"/>
+                <a:ea typeface="Times New Roman" panose="02020603050405020304" pitchFamily="18" charset="0"/>
+                <a:cs typeface="Times New Roman" panose="02020603050405020304" pitchFamily="18" charset="0"/>
+              </a:rPr>
+              <a:t>#2 </a:t>
+            </a:r>
+            <a:r>
+              <a:rPr lang="en-US" u="sng" dirty="0">
+                <a:hlinkClick r:id="rId2"/>
+              </a:rPr>
+              <a:t>Secure resources (20–25%)</a:t>
+            </a:r>
+            <a:endParaRPr lang="en-US" dirty="0"/>
+          </a:p>
+        </p:txBody>
+      </p:sp>
+      <p:sp>
+        <p:nvSpPr>
+          <p:cNvPr id="5" name="Content Placeholder 4"/>
+          <p:cNvSpPr>
+            <a:spLocks noGrp="1"/>
+          </p:cNvSpPr>
+          <p:nvPr>
+            <p:ph sz="half" idx="1"/>
+          </p:nvPr>
+        </p:nvSpPr>
+        <p:spPr>
+          <a:xfrm>
+            <a:off x="239849" y="1516288"/>
+            <a:ext cx="5699760" cy="5193698"/>
+          </a:xfrm>
+        </p:spPr>
+        <p:txBody>
+          <a:bodyPr>
+            <a:normAutofit fontScale="77500" lnSpcReduction="20000"/>
+          </a:bodyPr>
+          <a:lstStyle/>
+          <a:p>
+            <a:pPr marL="0" lvl="1" indent="0">
+              <a:lnSpc>
+                <a:spcPct val="107000"/>
+              </a:lnSpc>
+              <a:spcBef>
+                <a:spcPts val="1000"/>
+              </a:spcBef>
+              <a:buSzPts val="1000"/>
+              <a:buNone/>
+              <a:tabLst>
+                <a:tab pos="228600" algn="l"/>
+              </a:tabLst>
+            </a:pPr>
+            <a:r>
+              <a:rPr lang="en-US" sz="2600" b="1" dirty="0">
+                <a:latin typeface="Calibri" panose="020F0502020204030204" pitchFamily="34" charset="0"/>
+                <a:ea typeface="Calibri" panose="020F0502020204030204" pitchFamily="34" charset="0"/>
+                <a:cs typeface="Times New Roman" panose="02020603050405020304" pitchFamily="18" charset="0"/>
+              </a:rPr>
+              <a:t>1. Secure resources by using managed identities </a:t>
+            </a:r>
+          </a:p>
+          <a:p>
+            <a:pPr lvl="1">
+              <a:lnSpc>
+                <a:spcPct val="120000"/>
+              </a:lnSpc>
+              <a:spcAft>
+                <a:spcPts val="600"/>
+              </a:spcAft>
+              <a:buSzPts val="1000"/>
+              <a:buFont typeface="Wingdings" panose="05000000000000000000" pitchFamily="2" charset="2"/>
+              <a:buChar char="q"/>
+              <a:tabLst>
+                <a:tab pos="685800" algn="l"/>
+              </a:tabLst>
+            </a:pPr>
+            <a:r>
+              <a:rPr lang="en-US" sz="1800" dirty="0">
+                <a:latin typeface="Calibri" panose="020F0502020204030204" pitchFamily="34" charset="0"/>
+                <a:ea typeface="Calibri" panose="020F0502020204030204" pitchFamily="34" charset="0"/>
+                <a:cs typeface="Times New Roman" panose="02020603050405020304" pitchFamily="18" charset="0"/>
+              </a:rPr>
+              <a:t>Describe the differences between Active Directory on-premises and Azure Active Directory (Azure AD), </a:t>
+            </a:r>
+          </a:p>
+          <a:p>
+            <a:pPr lvl="1">
+              <a:lnSpc>
+                <a:spcPct val="120000"/>
+              </a:lnSpc>
+              <a:spcAft>
+                <a:spcPts val="600"/>
+              </a:spcAft>
+              <a:buSzPts val="1000"/>
+              <a:buFont typeface="Wingdings" panose="05000000000000000000" pitchFamily="2" charset="2"/>
+              <a:buChar char="q"/>
+              <a:tabLst>
+                <a:tab pos="685800" algn="l"/>
+              </a:tabLst>
+            </a:pPr>
+            <a:r>
+              <a:rPr lang="en-US" sz="1800" dirty="0">
+                <a:latin typeface="Calibri" panose="020F0502020204030204" pitchFamily="34" charset="0"/>
+                <a:ea typeface="Calibri" panose="020F0502020204030204" pitchFamily="34" charset="0"/>
+                <a:cs typeface="Times New Roman" panose="02020603050405020304" pitchFamily="18" charset="0"/>
+              </a:rPr>
+              <a:t>Programmatically access Azure AD using Graph API, </a:t>
+            </a:r>
+          </a:p>
+          <a:p>
+            <a:pPr lvl="1">
+              <a:lnSpc>
+                <a:spcPct val="120000"/>
+              </a:lnSpc>
+              <a:spcAft>
+                <a:spcPts val="600"/>
+              </a:spcAft>
+              <a:buSzPts val="1000"/>
+              <a:buFont typeface="Wingdings" panose="05000000000000000000" pitchFamily="2" charset="2"/>
+              <a:buChar char="q"/>
+              <a:tabLst>
+                <a:tab pos="685800" algn="l"/>
+              </a:tabLst>
+            </a:pPr>
+            <a:r>
+              <a:rPr lang="en-US" sz="1800" dirty="0">
+                <a:latin typeface="Calibri" panose="020F0502020204030204" pitchFamily="34" charset="0"/>
+                <a:ea typeface="Calibri" panose="020F0502020204030204" pitchFamily="34" charset="0"/>
+                <a:cs typeface="Times New Roman" panose="02020603050405020304" pitchFamily="18" charset="0"/>
+              </a:rPr>
+              <a:t>Secure access to resources from Azure AD applications using OAuth and OpenID Connect</a:t>
+            </a:r>
+          </a:p>
+          <a:p>
+            <a:pPr marL="0" lvl="1" indent="0">
+              <a:lnSpc>
+                <a:spcPct val="107000"/>
+              </a:lnSpc>
+              <a:spcBef>
+                <a:spcPts val="1000"/>
+              </a:spcBef>
+              <a:buSzPts val="1000"/>
+              <a:buNone/>
+              <a:tabLst>
+                <a:tab pos="228600" algn="l"/>
+              </a:tabLst>
+            </a:pPr>
+            <a:r>
+              <a:rPr lang="en-US" sz="2600" b="1" dirty="0">
+                <a:latin typeface="Calibri" panose="020F0502020204030204" pitchFamily="34" charset="0"/>
+                <a:ea typeface="Calibri" panose="020F0502020204030204" pitchFamily="34" charset="0"/>
+                <a:cs typeface="Times New Roman" panose="02020603050405020304" pitchFamily="18" charset="0"/>
+              </a:rPr>
+              <a:t>2. Secure resources by using managed identities </a:t>
+            </a:r>
+          </a:p>
+          <a:p>
+            <a:pPr lvl="1">
+              <a:lnSpc>
+                <a:spcPct val="120000"/>
+              </a:lnSpc>
+              <a:spcAft>
+                <a:spcPts val="600"/>
+              </a:spcAft>
+              <a:buSzPts val="1000"/>
+              <a:buFont typeface="Wingdings" panose="05000000000000000000" pitchFamily="2" charset="2"/>
+              <a:buChar char="q"/>
+              <a:tabLst>
+                <a:tab pos="685800" algn="l"/>
+              </a:tabLst>
+            </a:pPr>
+            <a:r>
+              <a:rPr lang="en-US" sz="1800" dirty="0">
+                <a:latin typeface="Calibri" panose="020F0502020204030204" pitchFamily="34" charset="0"/>
+                <a:ea typeface="Calibri" panose="020F0502020204030204" pitchFamily="34" charset="0"/>
+                <a:cs typeface="Times New Roman" panose="02020603050405020304" pitchFamily="18" charset="0"/>
+              </a:rPr>
+              <a:t>Describe Azure point-to-site (P2S) and site-to-site (S2S) VPN </a:t>
+            </a:r>
+          </a:p>
+          <a:p>
+            <a:pPr lvl="1">
+              <a:lnSpc>
+                <a:spcPct val="120000"/>
+              </a:lnSpc>
+              <a:spcAft>
+                <a:spcPts val="600"/>
+              </a:spcAft>
+              <a:buSzPts val="1000"/>
+              <a:buFont typeface="Wingdings" panose="05000000000000000000" pitchFamily="2" charset="2"/>
+              <a:buChar char="q"/>
+              <a:tabLst>
+                <a:tab pos="685800" algn="l"/>
+              </a:tabLst>
+            </a:pPr>
+            <a:r>
+              <a:rPr lang="en-US" sz="1800" dirty="0">
+                <a:latin typeface="Calibri" panose="020F0502020204030204" pitchFamily="34" charset="0"/>
+                <a:ea typeface="Calibri" panose="020F0502020204030204" pitchFamily="34" charset="0"/>
+                <a:cs typeface="Times New Roman" panose="02020603050405020304" pitchFamily="18" charset="0"/>
+              </a:rPr>
+              <a:t>Leverage Azure VPN and ExpressRoute in network architecture</a:t>
+            </a:r>
+          </a:p>
+          <a:p>
+            <a:pPr marL="0" lvl="1" indent="0">
+              <a:lnSpc>
+                <a:spcPct val="107000"/>
+              </a:lnSpc>
+              <a:spcBef>
+                <a:spcPts val="1000"/>
+              </a:spcBef>
+              <a:buSzPts val="1000"/>
+              <a:buNone/>
+              <a:tabLst>
+                <a:tab pos="228600" algn="l"/>
+              </a:tabLst>
+            </a:pPr>
+            <a:r>
+              <a:rPr lang="en-US" sz="2500" b="1" dirty="0">
+                <a:latin typeface="Calibri" panose="020F0502020204030204" pitchFamily="34" charset="0"/>
+                <a:ea typeface="Calibri" panose="020F0502020204030204" pitchFamily="34" charset="0"/>
+                <a:cs typeface="Times New Roman" panose="02020603050405020304" pitchFamily="18" charset="0"/>
+              </a:rPr>
+              <a:t>3. Secure resources by using identity providers </a:t>
+            </a:r>
+          </a:p>
+          <a:p>
+            <a:pPr lvl="1">
+              <a:lnSpc>
+                <a:spcPct val="120000"/>
+              </a:lnSpc>
+              <a:spcAft>
+                <a:spcPts val="600"/>
+              </a:spcAft>
+              <a:buSzPts val="1000"/>
+              <a:buFont typeface="Wingdings" panose="05000000000000000000" pitchFamily="2" charset="2"/>
+              <a:buChar char="q"/>
+              <a:tabLst>
+                <a:tab pos="685800" algn="l"/>
+              </a:tabLst>
+            </a:pPr>
+            <a:r>
+              <a:rPr lang="en-US" sz="1800" dirty="0">
+                <a:latin typeface="Calibri" panose="020F0502020204030204" pitchFamily="34" charset="0"/>
+                <a:ea typeface="Calibri" panose="020F0502020204030204" pitchFamily="34" charset="0"/>
+                <a:cs typeface="Times New Roman" panose="02020603050405020304" pitchFamily="18" charset="0"/>
+              </a:rPr>
+              <a:t>Provide access to resources using identity providers, such as Microsoft account, Facebook, Google, and Yahoo!; </a:t>
+            </a:r>
+          </a:p>
+          <a:p>
+            <a:pPr lvl="1">
+              <a:lnSpc>
+                <a:spcPct val="120000"/>
+              </a:lnSpc>
+              <a:spcAft>
+                <a:spcPts val="600"/>
+              </a:spcAft>
+              <a:buSzPts val="1000"/>
+              <a:buFont typeface="Wingdings" panose="05000000000000000000" pitchFamily="2" charset="2"/>
+              <a:buChar char="q"/>
+              <a:tabLst>
+                <a:tab pos="685800" algn="l"/>
+              </a:tabLst>
+            </a:pPr>
+            <a:r>
+              <a:rPr lang="en-US" sz="1800" dirty="0">
+                <a:latin typeface="Calibri" panose="020F0502020204030204" pitchFamily="34" charset="0"/>
+                <a:ea typeface="Calibri" panose="020F0502020204030204" pitchFamily="34" charset="0"/>
+                <a:cs typeface="Times New Roman" panose="02020603050405020304" pitchFamily="18" charset="0"/>
+              </a:rPr>
+              <a:t>Manage identity and access by using Azure AD B2C </a:t>
+            </a:r>
+          </a:p>
+          <a:p>
+            <a:pPr lvl="1">
+              <a:lnSpc>
+                <a:spcPct val="120000"/>
+              </a:lnSpc>
+              <a:spcAft>
+                <a:spcPts val="600"/>
+              </a:spcAft>
+              <a:buSzPts val="1000"/>
+              <a:buFont typeface="Wingdings" panose="05000000000000000000" pitchFamily="2" charset="2"/>
+              <a:buChar char="q"/>
+              <a:tabLst>
+                <a:tab pos="685800" algn="l"/>
+              </a:tabLst>
+            </a:pPr>
+            <a:r>
+              <a:rPr lang="en-US" sz="1800" dirty="0">
+                <a:latin typeface="Calibri" panose="020F0502020204030204" pitchFamily="34" charset="0"/>
+                <a:ea typeface="Calibri" panose="020F0502020204030204" pitchFamily="34" charset="0"/>
+                <a:cs typeface="Times New Roman" panose="02020603050405020304" pitchFamily="18" charset="0"/>
+              </a:rPr>
+              <a:t>Implement Azure AD B2B</a:t>
+            </a:r>
+          </a:p>
+          <a:p>
+            <a:pPr marL="457200" lvl="1" indent="0">
+              <a:lnSpc>
+                <a:spcPct val="120000"/>
+              </a:lnSpc>
+              <a:spcAft>
+                <a:spcPts val="600"/>
+              </a:spcAft>
+              <a:buSzPts val="1000"/>
+              <a:buNone/>
+              <a:tabLst>
+                <a:tab pos="685800" algn="l"/>
+              </a:tabLst>
+            </a:pPr>
+            <a:endParaRPr lang="en-US" sz="1800" dirty="0">
+              <a:latin typeface="Calibri" panose="020F0502020204030204" pitchFamily="34" charset="0"/>
+              <a:ea typeface="Calibri" panose="020F0502020204030204" pitchFamily="34" charset="0"/>
+              <a:cs typeface="Times New Roman" panose="02020603050405020304" pitchFamily="18" charset="0"/>
+            </a:endParaRPr>
+          </a:p>
+        </p:txBody>
+      </p:sp>
+      <p:sp>
+        <p:nvSpPr>
+          <p:cNvPr id="3" name="Content Placeholder 2"/>
+          <p:cNvSpPr>
+            <a:spLocks noGrp="1"/>
+          </p:cNvSpPr>
+          <p:nvPr>
+            <p:ph sz="half" idx="2"/>
+          </p:nvPr>
+        </p:nvSpPr>
+        <p:spPr>
+          <a:xfrm>
+            <a:off x="6369413" y="1516287"/>
+            <a:ext cx="5699760" cy="4968875"/>
+          </a:xfrm>
+        </p:spPr>
+        <p:txBody>
+          <a:bodyPr>
+            <a:normAutofit fontScale="77500" lnSpcReduction="20000"/>
+          </a:bodyPr>
+          <a:lstStyle/>
+          <a:p>
+            <a:pPr marL="0" lvl="1" indent="0">
+              <a:lnSpc>
+                <a:spcPct val="107000"/>
+              </a:lnSpc>
+              <a:spcBef>
+                <a:spcPts val="1000"/>
+              </a:spcBef>
+              <a:buSzPts val="1000"/>
+              <a:buNone/>
+              <a:tabLst>
+                <a:tab pos="228600" algn="l"/>
+              </a:tabLst>
+            </a:pPr>
+            <a:r>
+              <a:rPr lang="en-US" sz="2600" b="1" dirty="0">
+                <a:latin typeface="Calibri" panose="020F0502020204030204" pitchFamily="34" charset="0"/>
+                <a:ea typeface="Calibri" panose="020F0502020204030204" pitchFamily="34" charset="0"/>
+                <a:cs typeface="Times New Roman" panose="02020603050405020304" pitchFamily="18" charset="0"/>
+              </a:rPr>
+              <a:t>4. Identify an appropriate data security solution </a:t>
+            </a:r>
+          </a:p>
+          <a:p>
+            <a:pPr lvl="1">
+              <a:lnSpc>
+                <a:spcPct val="120000"/>
+              </a:lnSpc>
+              <a:spcAft>
+                <a:spcPts val="600"/>
+              </a:spcAft>
+              <a:buSzPts val="1000"/>
+              <a:buFont typeface="Wingdings" panose="05000000000000000000" pitchFamily="2" charset="2"/>
+              <a:buChar char="q"/>
+              <a:tabLst>
+                <a:tab pos="685800" algn="l"/>
+              </a:tabLst>
+            </a:pPr>
+            <a:r>
+              <a:rPr lang="en-US" sz="1800" dirty="0">
+                <a:latin typeface="Calibri" panose="020F0502020204030204" pitchFamily="34" charset="0"/>
+                <a:ea typeface="Calibri" panose="020F0502020204030204" pitchFamily="34" charset="0"/>
+                <a:cs typeface="Times New Roman" panose="02020603050405020304" pitchFamily="18" charset="0"/>
+              </a:rPr>
+              <a:t>Identify security requirements for data in transit and data at rest; </a:t>
+            </a:r>
+          </a:p>
+          <a:p>
+            <a:pPr lvl="1">
+              <a:lnSpc>
+                <a:spcPct val="120000"/>
+              </a:lnSpc>
+              <a:spcAft>
+                <a:spcPts val="600"/>
+              </a:spcAft>
+              <a:buSzPts val="1000"/>
+              <a:buFont typeface="Wingdings" panose="05000000000000000000" pitchFamily="2" charset="2"/>
+              <a:buChar char="q"/>
+              <a:tabLst>
+                <a:tab pos="685800" algn="l"/>
+              </a:tabLst>
+            </a:pPr>
+            <a:r>
+              <a:rPr lang="en-US" sz="1800" dirty="0">
+                <a:latin typeface="Calibri" panose="020F0502020204030204" pitchFamily="34" charset="0"/>
+                <a:ea typeface="Calibri" panose="020F0502020204030204" pitchFamily="34" charset="0"/>
+                <a:cs typeface="Times New Roman" panose="02020603050405020304" pitchFamily="18" charset="0"/>
+              </a:rPr>
+              <a:t>Identify security requirements using Azure services, including Azure Storage Encryption, Azure Disk Encryption, and Azure SQL Database TDE </a:t>
+            </a:r>
+          </a:p>
+          <a:p>
+            <a:pPr marL="0" lvl="1" indent="0">
+              <a:lnSpc>
+                <a:spcPct val="107000"/>
+              </a:lnSpc>
+              <a:spcBef>
+                <a:spcPts val="1000"/>
+              </a:spcBef>
+              <a:buSzPts val="1000"/>
+              <a:buNone/>
+              <a:tabLst>
+                <a:tab pos="228600" algn="l"/>
+              </a:tabLst>
+            </a:pPr>
+            <a:r>
+              <a:rPr lang="en-US" sz="2600" b="1" dirty="0">
+                <a:latin typeface="Calibri" panose="020F0502020204030204" pitchFamily="34" charset="0"/>
+                <a:ea typeface="Calibri" panose="020F0502020204030204" pitchFamily="34" charset="0"/>
+                <a:cs typeface="Times New Roman" panose="02020603050405020304" pitchFamily="18" charset="0"/>
+              </a:rPr>
+              <a:t>5. Design a role-based access control (RBAC) strategy </a:t>
+            </a:r>
+          </a:p>
+          <a:p>
+            <a:pPr lvl="1">
+              <a:lnSpc>
+                <a:spcPct val="120000"/>
+              </a:lnSpc>
+              <a:spcAft>
+                <a:spcPts val="600"/>
+              </a:spcAft>
+              <a:buSzPts val="1000"/>
+              <a:buFont typeface="Wingdings" panose="05000000000000000000" pitchFamily="2" charset="2"/>
+              <a:buChar char="q"/>
+              <a:tabLst>
+                <a:tab pos="685800" algn="l"/>
+              </a:tabLst>
+            </a:pPr>
+            <a:r>
+              <a:rPr lang="en-US" sz="1800" dirty="0">
+                <a:latin typeface="Calibri" panose="020F0502020204030204" pitchFamily="34" charset="0"/>
+                <a:ea typeface="Calibri" panose="020F0502020204030204" pitchFamily="34" charset="0"/>
+                <a:cs typeface="Times New Roman" panose="02020603050405020304" pitchFamily="18" charset="0"/>
+              </a:rPr>
+              <a:t>Secure resource scopes, such as the ability to create VMs and Azure Web Apps; </a:t>
+            </a:r>
+          </a:p>
+          <a:p>
+            <a:pPr lvl="1">
+              <a:lnSpc>
+                <a:spcPct val="120000"/>
+              </a:lnSpc>
+              <a:spcAft>
+                <a:spcPts val="600"/>
+              </a:spcAft>
+              <a:buSzPts val="1000"/>
+              <a:buFont typeface="Wingdings" panose="05000000000000000000" pitchFamily="2" charset="2"/>
+              <a:buChar char="q"/>
+              <a:tabLst>
+                <a:tab pos="685800" algn="l"/>
+              </a:tabLst>
+            </a:pPr>
+            <a:r>
+              <a:rPr lang="en-US" sz="1800" dirty="0">
+                <a:latin typeface="Calibri" panose="020F0502020204030204" pitchFamily="34" charset="0"/>
+                <a:ea typeface="Calibri" panose="020F0502020204030204" pitchFamily="34" charset="0"/>
+                <a:cs typeface="Times New Roman" panose="02020603050405020304" pitchFamily="18" charset="0"/>
+              </a:rPr>
+              <a:t>Implement Azure RBAC standard roles </a:t>
+            </a:r>
+          </a:p>
+          <a:p>
+            <a:pPr lvl="1">
+              <a:lnSpc>
+                <a:spcPct val="120000"/>
+              </a:lnSpc>
+              <a:spcAft>
+                <a:spcPts val="600"/>
+              </a:spcAft>
+              <a:buSzPts val="1000"/>
+              <a:buFont typeface="Wingdings" panose="05000000000000000000" pitchFamily="2" charset="2"/>
+              <a:buChar char="q"/>
+              <a:tabLst>
+                <a:tab pos="685800" algn="l"/>
+              </a:tabLst>
+            </a:pPr>
+            <a:r>
+              <a:rPr lang="en-US" sz="1800" dirty="0">
+                <a:latin typeface="Calibri" panose="020F0502020204030204" pitchFamily="34" charset="0"/>
+                <a:ea typeface="Calibri" panose="020F0502020204030204" pitchFamily="34" charset="0"/>
+                <a:cs typeface="Times New Roman" panose="02020603050405020304" pitchFamily="18" charset="0"/>
+              </a:rPr>
+              <a:t>Design Azure RBAC custom roles</a:t>
+            </a:r>
+          </a:p>
+          <a:p>
+            <a:pPr marL="0" lvl="1" indent="0">
+              <a:lnSpc>
+                <a:spcPct val="107000"/>
+              </a:lnSpc>
+              <a:spcBef>
+                <a:spcPts val="1000"/>
+              </a:spcBef>
+              <a:buSzPts val="1000"/>
+              <a:buNone/>
+              <a:tabLst>
+                <a:tab pos="228600" algn="l"/>
+              </a:tabLst>
+            </a:pPr>
+            <a:r>
+              <a:rPr lang="en-US" sz="2600" b="1" dirty="0">
+                <a:latin typeface="Calibri" panose="020F0502020204030204" pitchFamily="34" charset="0"/>
+                <a:ea typeface="Calibri" panose="020F0502020204030204" pitchFamily="34" charset="0"/>
+                <a:cs typeface="Times New Roman" panose="02020603050405020304" pitchFamily="18" charset="0"/>
+              </a:rPr>
+              <a:t>6. Manage security risks by using an appropriate security solution </a:t>
+            </a:r>
+          </a:p>
+          <a:p>
+            <a:pPr lvl="1">
+              <a:lnSpc>
+                <a:spcPct val="120000"/>
+              </a:lnSpc>
+              <a:spcAft>
+                <a:spcPts val="600"/>
+              </a:spcAft>
+              <a:buSzPts val="1000"/>
+              <a:buFont typeface="Wingdings" panose="05000000000000000000" pitchFamily="2" charset="2"/>
+              <a:buChar char="q"/>
+              <a:tabLst>
+                <a:tab pos="685800" algn="l"/>
+              </a:tabLst>
+            </a:pPr>
+            <a:r>
+              <a:rPr lang="en-US" sz="1800" dirty="0">
+                <a:latin typeface="Calibri" panose="020F0502020204030204" pitchFamily="34" charset="0"/>
+                <a:ea typeface="Calibri" panose="020F0502020204030204" pitchFamily="34" charset="0"/>
+                <a:cs typeface="Times New Roman" panose="02020603050405020304" pitchFamily="18" charset="0"/>
+              </a:rPr>
+              <a:t>Identify, assess, and mitigate security risks by using Azure Security Center, Operations Management Suite, and other services </a:t>
+            </a:r>
+          </a:p>
+          <a:p>
+            <a:pPr marL="0" indent="0">
+              <a:lnSpc>
+                <a:spcPct val="107000"/>
+              </a:lnSpc>
+              <a:buSzPts val="1000"/>
+              <a:buNone/>
+              <a:tabLst>
+                <a:tab pos="228600" algn="l"/>
+              </a:tabLst>
+            </a:pPr>
+            <a:endParaRPr lang="en-US" altLang="en-US" sz="1200" dirty="0">
+              <a:latin typeface="Calibri" panose="020F0502020204030204" pitchFamily="34" charset="0"/>
+              <a:ea typeface="Calibri" panose="020F0502020204030204" pitchFamily="34" charset="0"/>
+              <a:cs typeface="Times New Roman" panose="02020603050405020304" pitchFamily="18" charset="0"/>
+            </a:endParaRPr>
+          </a:p>
+        </p:txBody>
+      </p:sp>
+    </p:spTree>
+    <p:extLst>
+      <p:ext uri="{BB962C8B-B14F-4D97-AF65-F5344CB8AC3E}">
+        <p14:creationId xmlns:p14="http://schemas.microsoft.com/office/powerpoint/2010/main" val="927309563"/>
       </p:ext>
     </p:extLst>
   </p:cSld>
@@ -12785,7 +13698,7 @@
         <p:spPr/>
         <p:txBody>
           <a:bodyPr>
-            <a:normAutofit/>
+            <a:normAutofit fontScale="90000"/>
           </a:bodyPr>
           <a:lstStyle/>
           <a:p>
@@ -12798,13 +13711,13 @@
                 <a:ea typeface="Times New Roman" panose="02020603050405020304" pitchFamily="18" charset="0"/>
                 <a:cs typeface="Times New Roman" panose="02020603050405020304" pitchFamily="18" charset="0"/>
               </a:rPr>
-              <a:t>#2 </a:t>
+              <a:t>#3 </a:t>
             </a:r>
             <a:r>
               <a:rPr lang="en-US" u="sng" dirty="0">
                 <a:hlinkClick r:id="rId2"/>
               </a:rPr>
-              <a:t>Secure resources (20–25%)</a:t>
+              <a:t>Design an application storage and data access strategy (5–10%)</a:t>
             </a:r>
             <a:endParaRPr lang="en-US" dirty="0"/>
           </a:p>
@@ -12828,7 +13741,7 @@
         </p:spPr>
         <p:txBody>
           <a:bodyPr>
-            <a:normAutofit fontScale="77500" lnSpcReduction="20000"/>
+            <a:normAutofit fontScale="85000" lnSpcReduction="10000"/>
           </a:bodyPr>
           <a:lstStyle/>
           <a:p>
@@ -12851,7 +13764,7 @@
                 <a:ea typeface="Calibri" panose="020F0502020204030204" pitchFamily="34" charset="0"/>
                 <a:cs typeface="Times New Roman" panose="02020603050405020304" pitchFamily="18" charset="0"/>
               </a:rPr>
-              <a:t>1. Secure resources by using managed identities </a:t>
+              <a:t>1. Design data storage </a:t>
             </a:r>
           </a:p>
           <a:p>
@@ -12875,7 +13788,159 @@
                 <a:ea typeface="Calibri" panose="020F0502020204030204" pitchFamily="34" charset="0"/>
                 <a:cs typeface="Times New Roman" panose="02020603050405020304" pitchFamily="18" charset="0"/>
               </a:rPr>
-              <a:t>Describe the differences between Active Directory on-premises and Azure Active Directory (Azure AD), </a:t>
+              <a:t>Design storage options for data, including:</a:t>
+            </a:r>
+          </a:p>
+          <a:p>
+            <a:pPr lvl="2">
+              <a:lnSpc>
+                <a:spcPct val="120000"/>
+              </a:lnSpc>
+              <a:spcAft>
+                <a:spcPts val="600"/>
+              </a:spcAft>
+              <a:buSzPts val="1000"/>
+              <a:buFont typeface="Wingdings" panose="05000000000000000000" pitchFamily="2" charset="2"/>
+              <a:buChar char="q"/>
+              <a:tabLst>
+                <a:tab pos="685800" algn="l"/>
+              </a:tabLst>
+            </a:pPr>
+            <a:r>
+              <a:rPr lang="en-US" sz="1800" dirty="0">
+                <a:latin typeface="Calibri" panose="020F0502020204030204" pitchFamily="34" charset="0"/>
+                <a:ea typeface="Calibri" panose="020F0502020204030204" pitchFamily="34" charset="0"/>
+                <a:cs typeface="Times New Roman" panose="02020603050405020304" pitchFamily="18" charset="0"/>
+              </a:rPr>
+              <a:t>Table Storage</a:t>
+            </a:r>
+          </a:p>
+          <a:p>
+            <a:pPr lvl="2">
+              <a:lnSpc>
+                <a:spcPct val="120000"/>
+              </a:lnSpc>
+              <a:spcAft>
+                <a:spcPts val="600"/>
+              </a:spcAft>
+              <a:buSzPts val="1000"/>
+              <a:buFont typeface="Wingdings" panose="05000000000000000000" pitchFamily="2" charset="2"/>
+              <a:buChar char="q"/>
+              <a:tabLst>
+                <a:tab pos="685800" algn="l"/>
+              </a:tabLst>
+            </a:pPr>
+            <a:r>
+              <a:rPr lang="en-US" sz="1800" dirty="0">
+                <a:latin typeface="Calibri" panose="020F0502020204030204" pitchFamily="34" charset="0"/>
+                <a:ea typeface="Calibri" panose="020F0502020204030204" pitchFamily="34" charset="0"/>
+                <a:cs typeface="Times New Roman" panose="02020603050405020304" pitchFamily="18" charset="0"/>
+              </a:rPr>
+              <a:t>SQL Database </a:t>
+            </a:r>
+          </a:p>
+          <a:p>
+            <a:pPr lvl="2">
+              <a:lnSpc>
+                <a:spcPct val="120000"/>
+              </a:lnSpc>
+              <a:spcAft>
+                <a:spcPts val="600"/>
+              </a:spcAft>
+              <a:buSzPts val="1000"/>
+              <a:buFont typeface="Wingdings" panose="05000000000000000000" pitchFamily="2" charset="2"/>
+              <a:buChar char="q"/>
+              <a:tabLst>
+                <a:tab pos="685800" algn="l"/>
+              </a:tabLst>
+            </a:pPr>
+            <a:r>
+              <a:rPr lang="en-US" sz="1800" dirty="0" err="1">
+                <a:latin typeface="Calibri" panose="020F0502020204030204" pitchFamily="34" charset="0"/>
+                <a:ea typeface="Calibri" panose="020F0502020204030204" pitchFamily="34" charset="0"/>
+                <a:cs typeface="Times New Roman" panose="02020603050405020304" pitchFamily="18" charset="0"/>
+              </a:rPr>
+              <a:t>DocumentDB</a:t>
+            </a:r>
+            <a:r>
+              <a:rPr lang="en-US" sz="1800" dirty="0">
+                <a:latin typeface="Calibri" panose="020F0502020204030204" pitchFamily="34" charset="0"/>
+                <a:ea typeface="Calibri" panose="020F0502020204030204" pitchFamily="34" charset="0"/>
+                <a:cs typeface="Times New Roman" panose="02020603050405020304" pitchFamily="18" charset="0"/>
+              </a:rPr>
+              <a:t> </a:t>
+            </a:r>
+          </a:p>
+          <a:p>
+            <a:pPr lvl="2">
+              <a:lnSpc>
+                <a:spcPct val="120000"/>
+              </a:lnSpc>
+              <a:spcAft>
+                <a:spcPts val="600"/>
+              </a:spcAft>
+              <a:buSzPts val="1000"/>
+              <a:buFont typeface="Wingdings" panose="05000000000000000000" pitchFamily="2" charset="2"/>
+              <a:buChar char="q"/>
+              <a:tabLst>
+                <a:tab pos="685800" algn="l"/>
+              </a:tabLst>
+            </a:pPr>
+            <a:r>
+              <a:rPr lang="en-US" sz="1800" dirty="0">
+                <a:latin typeface="Calibri" panose="020F0502020204030204" pitchFamily="34" charset="0"/>
+                <a:ea typeface="Calibri" panose="020F0502020204030204" pitchFamily="34" charset="0"/>
+                <a:cs typeface="Times New Roman" panose="02020603050405020304" pitchFamily="18" charset="0"/>
+              </a:rPr>
+              <a:t>Blob Storage </a:t>
+            </a:r>
+          </a:p>
+          <a:p>
+            <a:pPr lvl="2">
+              <a:lnSpc>
+                <a:spcPct val="120000"/>
+              </a:lnSpc>
+              <a:spcAft>
+                <a:spcPts val="600"/>
+              </a:spcAft>
+              <a:buSzPts val="1000"/>
+              <a:buFont typeface="Wingdings" panose="05000000000000000000" pitchFamily="2" charset="2"/>
+              <a:buChar char="q"/>
+              <a:tabLst>
+                <a:tab pos="685800" algn="l"/>
+              </a:tabLst>
+            </a:pPr>
+            <a:r>
+              <a:rPr lang="en-US" sz="1800" dirty="0">
+                <a:latin typeface="Calibri" panose="020F0502020204030204" pitchFamily="34" charset="0"/>
+                <a:ea typeface="Calibri" panose="020F0502020204030204" pitchFamily="34" charset="0"/>
+                <a:cs typeface="Times New Roman" panose="02020603050405020304" pitchFamily="18" charset="0"/>
+              </a:rPr>
+              <a:t>MongoDB </a:t>
+            </a:r>
+          </a:p>
+          <a:p>
+            <a:pPr lvl="2">
+              <a:lnSpc>
+                <a:spcPct val="120000"/>
+              </a:lnSpc>
+              <a:spcAft>
+                <a:spcPts val="600"/>
+              </a:spcAft>
+              <a:buSzPts val="1000"/>
+              <a:buFont typeface="Wingdings" panose="05000000000000000000" pitchFamily="2" charset="2"/>
+              <a:buChar char="q"/>
+              <a:tabLst>
+                <a:tab pos="685800" algn="l"/>
+              </a:tabLst>
+            </a:pPr>
+            <a:r>
+              <a:rPr lang="en-US" sz="1800" dirty="0">
+                <a:latin typeface="Calibri" panose="020F0502020204030204" pitchFamily="34" charset="0"/>
+                <a:ea typeface="Calibri" panose="020F0502020204030204" pitchFamily="34" charset="0"/>
+                <a:cs typeface="Times New Roman" panose="02020603050405020304" pitchFamily="18" charset="0"/>
+              </a:rPr>
+              <a:t>MySQL</a:t>
             </a:r>
           </a:p>
           <a:p>
@@ -12899,7 +13964,30 @@
                 <a:ea typeface="Calibri" panose="020F0502020204030204" pitchFamily="34" charset="0"/>
                 <a:cs typeface="Times New Roman" panose="02020603050405020304" pitchFamily="18" charset="0"/>
               </a:rPr>
-              <a:t>Programmatically access Azure AD using Graph API, </a:t>
+              <a:t>Design security options for SQL Database or Azure Storage</a:t>
+            </a:r>
+          </a:p>
+          <a:p>
+            <a:pPr marL="0" lvl="1" indent="0">
+              <a:lnSpc>
+                <a:spcPct val="107000"/>
+              </a:lnSpc>
+              <a:spcBef>
+                <a:spcPts val="1000"/>
+              </a:spcBef>
+              <a:buSzPts val="1000"/>
+              <a:buNone/>
+              <a:tabLst>
+                <a:tab pos="228600" algn="l"/>
+              </a:tabLst>
+            </a:pPr>
+            <a:r>
+              <a:rPr lang="en-US" sz="2600" b="1" dirty="0">
+                <a:latin typeface="Calibri" panose="020F0502020204030204" pitchFamily="34" charset="0"/>
+                <a:ea typeface="Calibri" panose="020F0502020204030204" pitchFamily="34" charset="0"/>
+                <a:cs typeface="Times New Roman" panose="02020603050405020304" pitchFamily="18" charset="0"/>
+              </a:rPr>
+              <a:t>2. Select the appropriate storage option </a:t>
             </a:r>
           </a:p>
           <a:p>
@@ -12923,30 +14011,7 @@
                 <a:ea typeface="Calibri" panose="020F0502020204030204" pitchFamily="34" charset="0"/>
                 <a:cs typeface="Times New Roman" panose="02020603050405020304" pitchFamily="18" charset="0"/>
               </a:rPr>
-              <a:t>Secure access to resources from Azure AD applications using OAuth and OpenID Connect</a:t>
-            </a:r>
-          </a:p>
-          <a:p>
-            <a:pPr marL="0" lvl="1" indent="0">
-              <a:lnSpc>
-                <a:spcPct val="107000"/>
-              </a:lnSpc>
-              <a:spcBef>
-                <a:spcPts val="1000"/>
-              </a:spcBef>
-              <a:buSzPts val="1000"/>
-              <a:buNone/>
-              <a:tabLst>
-                <a:tab pos="228600" algn="l"/>
-              </a:tabLst>
-            </a:pPr>
-            <a:r>
-              <a:rPr lang="en-US" sz="2600" b="1" dirty="0">
-                <a:latin typeface="Calibri" panose="020F0502020204030204" pitchFamily="34" charset="0"/>
-                <a:ea typeface="Calibri" panose="020F0502020204030204" pitchFamily="34" charset="0"/>
-                <a:cs typeface="Times New Roman" panose="02020603050405020304" pitchFamily="18" charset="0"/>
-              </a:rPr>
-              <a:t>2. Secure resources by using managed identities </a:t>
+              <a:t>Select the appropriate storage for performance, </a:t>
             </a:r>
           </a:p>
           <a:p>
@@ -12970,126 +14035,7 @@
                 <a:ea typeface="Calibri" panose="020F0502020204030204" pitchFamily="34" charset="0"/>
                 <a:cs typeface="Times New Roman" panose="02020603050405020304" pitchFamily="18" charset="0"/>
               </a:rPr>
-              <a:t>Describe Azure point-to-site (P2S) and site-to-site (S2S) VPN </a:t>
-            </a:r>
-          </a:p>
-          <a:p>
-            <a:pPr lvl="1">
-              <a:lnSpc>
-                <a:spcPct val="120000"/>
-              </a:lnSpc>
-              <a:spcAft>
-                <a:spcPts val="600"/>
-              </a:spcAft>
-              <a:buSzPts val="1000"/>
-              <a:buFont typeface="Wingdings" panose="05000000000000000000" pitchFamily="2" charset="2"/>
-              <a:buChar char="q"/>
-              <a:tabLst>
-                <a:tab pos="685800" algn="l"/>
-              </a:tabLst>
-            </a:pPr>
-            <a:r>
-              <a:rPr lang="en-US" sz="1800" dirty="0">
-                <a:latin typeface="Calibri" panose="020F0502020204030204" pitchFamily="34" charset="0"/>
-                <a:ea typeface="Calibri" panose="020F0502020204030204" pitchFamily="34" charset="0"/>
-                <a:cs typeface="Times New Roman" panose="02020603050405020304" pitchFamily="18" charset="0"/>
-              </a:rPr>
-              <a:t>Leverage Azure VPN and ExpressRoute in network architecture</a:t>
-            </a:r>
-          </a:p>
-          <a:p>
-            <a:pPr marL="0" lvl="1" indent="0">
-              <a:lnSpc>
-                <a:spcPct val="107000"/>
-              </a:lnSpc>
-              <a:spcBef>
-                <a:spcPts val="1000"/>
-              </a:spcBef>
-              <a:buSzPts val="1000"/>
-              <a:buNone/>
-              <a:tabLst>
-                <a:tab pos="228600" algn="l"/>
-              </a:tabLst>
-            </a:pPr>
-            <a:r>
-              <a:rPr lang="en-US" sz="2500" b="1" dirty="0">
-                <a:latin typeface="Calibri" panose="020F0502020204030204" pitchFamily="34" charset="0"/>
-                <a:ea typeface="Calibri" panose="020F0502020204030204" pitchFamily="34" charset="0"/>
-                <a:cs typeface="Times New Roman" panose="02020603050405020304" pitchFamily="18" charset="0"/>
-              </a:rPr>
-              <a:t>3. Secure resources by using identity providers </a:t>
-            </a:r>
-          </a:p>
-          <a:p>
-            <a:pPr lvl="1">
-              <a:lnSpc>
-                <a:spcPct val="120000"/>
-              </a:lnSpc>
-              <a:spcAft>
-                <a:spcPts val="600"/>
-              </a:spcAft>
-              <a:buSzPts val="1000"/>
-              <a:buFont typeface="Wingdings" panose="05000000000000000000" pitchFamily="2" charset="2"/>
-              <a:buChar char="q"/>
-              <a:tabLst>
-                <a:tab pos="685800" algn="l"/>
-              </a:tabLst>
-            </a:pPr>
-            <a:r>
-              <a:rPr lang="en-US" sz="1800" dirty="0">
-                <a:latin typeface="Calibri" panose="020F0502020204030204" pitchFamily="34" charset="0"/>
-                <a:ea typeface="Calibri" panose="020F0502020204030204" pitchFamily="34" charset="0"/>
-                <a:cs typeface="Times New Roman" panose="02020603050405020304" pitchFamily="18" charset="0"/>
-              </a:rPr>
-              <a:t>Provide access to resources using identity providers, such as Microsoft account, Facebook, Google, and Yahoo!; </a:t>
-            </a:r>
-          </a:p>
-          <a:p>
-            <a:pPr lvl="1">
-              <a:lnSpc>
-                <a:spcPct val="120000"/>
-              </a:lnSpc>
-              <a:spcAft>
-                <a:spcPts val="600"/>
-              </a:spcAft>
-              <a:buSzPts val="1000"/>
-              <a:buFont typeface="Wingdings" panose="05000000000000000000" pitchFamily="2" charset="2"/>
-              <a:buChar char="q"/>
-              <a:tabLst>
-                <a:tab pos="685800" algn="l"/>
-              </a:tabLst>
-            </a:pPr>
-            <a:r>
-              <a:rPr lang="en-US" sz="1800" dirty="0">
-                <a:latin typeface="Calibri" panose="020F0502020204030204" pitchFamily="34" charset="0"/>
-                <a:ea typeface="Calibri" panose="020F0502020204030204" pitchFamily="34" charset="0"/>
-                <a:cs typeface="Times New Roman" panose="02020603050405020304" pitchFamily="18" charset="0"/>
-              </a:rPr>
-              <a:t>Manage identity and access by using Azure AD B2C </a:t>
-            </a:r>
-          </a:p>
-          <a:p>
-            <a:pPr lvl="1">
-              <a:lnSpc>
-                <a:spcPct val="120000"/>
-              </a:lnSpc>
-              <a:spcAft>
-                <a:spcPts val="600"/>
-              </a:spcAft>
-              <a:buSzPts val="1000"/>
-              <a:buFont typeface="Wingdings" panose="05000000000000000000" pitchFamily="2" charset="2"/>
-              <a:buChar char="q"/>
-              <a:tabLst>
-                <a:tab pos="685800" algn="l"/>
-              </a:tabLst>
-            </a:pPr>
-            <a:r>
-              <a:rPr lang="en-US" sz="1800" dirty="0">
-                <a:latin typeface="Calibri" panose="020F0502020204030204" pitchFamily="34" charset="0"/>
-                <a:ea typeface="Calibri" panose="020F0502020204030204" pitchFamily="34" charset="0"/>
-                <a:cs typeface="Times New Roman" panose="02020603050405020304" pitchFamily="18" charset="0"/>
-              </a:rPr>
-              <a:t>Implement Azure AD B2B</a:t>
+              <a:t>Identify storage options for cloud services and hybrid scenarios with compute on-premises and storage on Azure</a:t>
             </a:r>
           </a:p>
           <a:p>
@@ -13132,222 +14078,9 @@
         </p:spPr>
         <p:txBody>
           <a:bodyPr>
-            <a:normAutofit fontScale="77500" lnSpcReduction="20000"/>
+            <a:normAutofit/>
           </a:bodyPr>
           <a:lstStyle/>
-          <a:p>
-            <a:pPr marL="0" lvl="1" indent="0">
-              <a:lnSpc>
-                <a:spcPct val="107000"/>
-              </a:lnSpc>
-              <a:spcBef>
-                <a:spcPts val="1000"/>
-              </a:spcBef>
-              <a:buSzPts val="1000"/>
-              <a:buNone/>
-              <a:tabLst>
-                <a:tab pos="228600" algn="l"/>
-              </a:tabLst>
-            </a:pPr>
-            <a:r>
-              <a:rPr lang="en-US" sz="2600" b="1" dirty="0">
-                <a:latin typeface="Calibri" panose="020F0502020204030204" pitchFamily="34" charset="0"/>
-                <a:ea typeface="Calibri" panose="020F0502020204030204" pitchFamily="34" charset="0"/>
-                <a:cs typeface="Times New Roman" panose="02020603050405020304" pitchFamily="18" charset="0"/>
-              </a:rPr>
-              <a:t>4. Identify an appropriate data security solution </a:t>
-            </a:r>
-          </a:p>
-          <a:p>
-            <a:pPr lvl="1">
-              <a:lnSpc>
-                <a:spcPct val="120000"/>
-              </a:lnSpc>
-              <a:spcAft>
-                <a:spcPts val="600"/>
-              </a:spcAft>
-              <a:buSzPts val="1000"/>
-              <a:buFont typeface="Wingdings" panose="05000000000000000000" pitchFamily="2" charset="2"/>
-              <a:buChar char="q"/>
-              <a:tabLst>
-                <a:tab pos="685800" algn="l"/>
-              </a:tabLst>
-            </a:pPr>
-            <a:r>
-              <a:rPr lang="en-US" sz="1800" dirty="0">
-                <a:latin typeface="Calibri" panose="020F0502020204030204" pitchFamily="34" charset="0"/>
-                <a:ea typeface="Calibri" panose="020F0502020204030204" pitchFamily="34" charset="0"/>
-                <a:cs typeface="Times New Roman" panose="02020603050405020304" pitchFamily="18" charset="0"/>
-              </a:rPr>
-              <a:t>Identify security requirements for data in transit and data at rest; </a:t>
-            </a:r>
-          </a:p>
-          <a:p>
-            <a:pPr lvl="1">
-              <a:lnSpc>
-                <a:spcPct val="120000"/>
-              </a:lnSpc>
-              <a:spcAft>
-                <a:spcPts val="600"/>
-              </a:spcAft>
-              <a:buSzPts val="1000"/>
-              <a:buFont typeface="Wingdings" panose="05000000000000000000" pitchFamily="2" charset="2"/>
-              <a:buChar char="q"/>
-              <a:tabLst>
-                <a:tab pos="685800" algn="l"/>
-              </a:tabLst>
-            </a:pPr>
-            <a:r>
-              <a:rPr lang="en-US" sz="1800" dirty="0">
-                <a:latin typeface="Calibri" panose="020F0502020204030204" pitchFamily="34" charset="0"/>
-                <a:ea typeface="Calibri" panose="020F0502020204030204" pitchFamily="34" charset="0"/>
-                <a:cs typeface="Times New Roman" panose="02020603050405020304" pitchFamily="18" charset="0"/>
-              </a:rPr>
-              <a:t>Identify security requirements using Azure services, including Azure Storage Encryption, Azure Disk Encryption, and Azure SQL Database TDE </a:t>
-            </a:r>
-          </a:p>
-          <a:p>
-            <a:pPr marL="0" lvl="1" indent="0">
-              <a:lnSpc>
-                <a:spcPct val="107000"/>
-              </a:lnSpc>
-              <a:spcBef>
-                <a:spcPts val="1000"/>
-              </a:spcBef>
-              <a:buSzPts val="1000"/>
-              <a:buNone/>
-              <a:tabLst>
-                <a:tab pos="228600" algn="l"/>
-              </a:tabLst>
-            </a:pPr>
-            <a:r>
-              <a:rPr lang="en-US" sz="2600" b="1" dirty="0">
-                <a:latin typeface="Calibri" panose="020F0502020204030204" pitchFamily="34" charset="0"/>
-                <a:ea typeface="Calibri" panose="020F0502020204030204" pitchFamily="34" charset="0"/>
-                <a:cs typeface="Times New Roman" panose="02020603050405020304" pitchFamily="18" charset="0"/>
-              </a:rPr>
-              <a:t>5. Design a role-based access control (RBAC) strategy </a:t>
-            </a:r>
-          </a:p>
-          <a:p>
-            <a:pPr lvl="1">
-              <a:lnSpc>
-                <a:spcPct val="120000"/>
-              </a:lnSpc>
-              <a:spcAft>
-                <a:spcPts val="600"/>
-              </a:spcAft>
-              <a:buSzPts val="1000"/>
-              <a:buFont typeface="Wingdings" panose="05000000000000000000" pitchFamily="2" charset="2"/>
-              <a:buChar char="q"/>
-              <a:tabLst>
-                <a:tab pos="685800" algn="l"/>
-              </a:tabLst>
-            </a:pPr>
-            <a:r>
-              <a:rPr lang="en-US" sz="1800" dirty="0">
-                <a:latin typeface="Calibri" panose="020F0502020204030204" pitchFamily="34" charset="0"/>
-                <a:ea typeface="Calibri" panose="020F0502020204030204" pitchFamily="34" charset="0"/>
-                <a:cs typeface="Times New Roman" panose="02020603050405020304" pitchFamily="18" charset="0"/>
-              </a:rPr>
-              <a:t>Secure resource scopes, such as the ability to create VMs and Azure Web Apps; </a:t>
-            </a:r>
-          </a:p>
-          <a:p>
-            <a:pPr lvl="1">
-              <a:lnSpc>
-                <a:spcPct val="120000"/>
-              </a:lnSpc>
-              <a:spcAft>
-                <a:spcPts val="600"/>
-              </a:spcAft>
-              <a:buSzPts val="1000"/>
-              <a:buFont typeface="Wingdings" panose="05000000000000000000" pitchFamily="2" charset="2"/>
-              <a:buChar char="q"/>
-              <a:tabLst>
-                <a:tab pos="685800" algn="l"/>
-              </a:tabLst>
-            </a:pPr>
-            <a:r>
-              <a:rPr lang="en-US" sz="1800" dirty="0">
-                <a:latin typeface="Calibri" panose="020F0502020204030204" pitchFamily="34" charset="0"/>
-                <a:ea typeface="Calibri" panose="020F0502020204030204" pitchFamily="34" charset="0"/>
-                <a:cs typeface="Times New Roman" panose="02020603050405020304" pitchFamily="18" charset="0"/>
-              </a:rPr>
-              <a:t>Implement Azure RBAC standard roles </a:t>
-            </a:r>
-          </a:p>
-          <a:p>
-            <a:pPr lvl="1">
-              <a:lnSpc>
-                <a:spcPct val="120000"/>
-              </a:lnSpc>
-              <a:spcAft>
-                <a:spcPts val="600"/>
-              </a:spcAft>
-              <a:buSzPts val="1000"/>
-              <a:buFont typeface="Wingdings" panose="05000000000000000000" pitchFamily="2" charset="2"/>
-              <a:buChar char="q"/>
-              <a:tabLst>
-                <a:tab pos="685800" algn="l"/>
-              </a:tabLst>
-            </a:pPr>
-            <a:r>
-              <a:rPr lang="en-US" sz="1800" dirty="0">
-                <a:latin typeface="Calibri" panose="020F0502020204030204" pitchFamily="34" charset="0"/>
-                <a:ea typeface="Calibri" panose="020F0502020204030204" pitchFamily="34" charset="0"/>
-                <a:cs typeface="Times New Roman" panose="02020603050405020304" pitchFamily="18" charset="0"/>
-              </a:rPr>
-              <a:t>Design Azure RBAC custom roles</a:t>
-            </a:r>
-          </a:p>
-          <a:p>
-            <a:pPr marL="0" lvl="1" indent="0">
-              <a:lnSpc>
-                <a:spcPct val="107000"/>
-              </a:lnSpc>
-              <a:spcBef>
-                <a:spcPts val="1000"/>
-              </a:spcBef>
-              <a:buSzPts val="1000"/>
-              <a:buNone/>
-              <a:tabLst>
-                <a:tab pos="228600" algn="l"/>
-              </a:tabLst>
-            </a:pPr>
-            <a:r>
-              <a:rPr lang="en-US" sz="2600" b="1" dirty="0">
-                <a:latin typeface="Calibri" panose="020F0502020204030204" pitchFamily="34" charset="0"/>
-                <a:ea typeface="Calibri" panose="020F0502020204030204" pitchFamily="34" charset="0"/>
-                <a:cs typeface="Times New Roman" panose="02020603050405020304" pitchFamily="18" charset="0"/>
-              </a:rPr>
-              <a:t>6. Manage security risks by using an appropriate security solution </a:t>
-            </a:r>
-          </a:p>
-          <a:p>
-            <a:pPr lvl="1">
-              <a:lnSpc>
-                <a:spcPct val="120000"/>
-              </a:lnSpc>
-              <a:spcAft>
-                <a:spcPts val="600"/>
-              </a:spcAft>
-              <a:buSzPts val="1000"/>
-              <a:buFont typeface="Wingdings" panose="05000000000000000000" pitchFamily="2" charset="2"/>
-              <a:buChar char="q"/>
-              <a:tabLst>
-                <a:tab pos="685800" algn="l"/>
-              </a:tabLst>
-            </a:pPr>
-            <a:r>
-              <a:rPr lang="en-US" sz="1800" dirty="0">
-                <a:latin typeface="Calibri" panose="020F0502020204030204" pitchFamily="34" charset="0"/>
-                <a:ea typeface="Calibri" panose="020F0502020204030204" pitchFamily="34" charset="0"/>
-                <a:cs typeface="Times New Roman" panose="02020603050405020304" pitchFamily="18" charset="0"/>
-              </a:rPr>
-              <a:t>Identify, assess, and mitigate security risks by using Azure Security Center, Operations Management Suite, and other services </a:t>
-            </a:r>
-          </a:p>
           <a:p>
             <a:pPr marL="0" indent="0">
               <a:lnSpc>
@@ -13370,7 +14103,7 @@
     </p:spTree>
     <p:extLst>
       <p:ext uri="{BB962C8B-B14F-4D97-AF65-F5344CB8AC3E}">
-        <p14:creationId xmlns:p14="http://schemas.microsoft.com/office/powerpoint/2010/main" val="927309563"/>
+        <p14:creationId xmlns:p14="http://schemas.microsoft.com/office/powerpoint/2010/main" val="1206721879"/>
       </p:ext>
     </p:extLst>
   </p:cSld>
@@ -13410,7 +14143,7 @@
         <p:spPr/>
         <p:txBody>
           <a:bodyPr>
-            <a:normAutofit fontScale="90000"/>
+            <a:normAutofit/>
           </a:bodyPr>
           <a:lstStyle/>
           <a:p>
@@ -13423,13 +14156,13 @@
                 <a:ea typeface="Times New Roman" panose="02020603050405020304" pitchFamily="18" charset="0"/>
                 <a:cs typeface="Times New Roman" panose="02020603050405020304" pitchFamily="18" charset="0"/>
               </a:rPr>
-              <a:t>#3 </a:t>
+              <a:t>#4 </a:t>
             </a:r>
             <a:r>
               <a:rPr lang="en-US" u="sng" dirty="0">
                 <a:hlinkClick r:id="rId2"/>
               </a:rPr>
-              <a:t>Design an application storage and data access strategy (5–10%)</a:t>
+              <a:t>Design advanced applications (20–25%)</a:t>
             </a:r>
             <a:endParaRPr lang="en-US" dirty="0"/>
           </a:p>
@@ -13453,7 +14186,7 @@
         </p:spPr>
         <p:txBody>
           <a:bodyPr>
-            <a:normAutofit fontScale="85000" lnSpcReduction="10000"/>
+            <a:normAutofit fontScale="92500" lnSpcReduction="20000"/>
           </a:bodyPr>
           <a:lstStyle/>
           <a:p>
@@ -13471,12 +14204,12 @@
               </a:tabLst>
             </a:pPr>
             <a:r>
-              <a:rPr lang="en-US" sz="2600" b="1" dirty="0">
+              <a:rPr lang="en-US" sz="2200" b="1" dirty="0">
                 <a:latin typeface="Calibri" panose="020F0502020204030204" pitchFamily="34" charset="0"/>
                 <a:ea typeface="Calibri" panose="020F0502020204030204" pitchFamily="34" charset="0"/>
                 <a:cs typeface="Times New Roman" panose="02020603050405020304" pitchFamily="18" charset="0"/>
               </a:rPr>
-              <a:t>1. Design data storage </a:t>
+              <a:t>1. Create compute-intensive applications </a:t>
             </a:r>
           </a:p>
           <a:p>
@@ -13495,164 +14228,35 @@
               </a:tabLst>
             </a:pPr>
             <a:r>
-              <a:rPr lang="en-US" sz="1800" dirty="0">
+              <a:rPr lang="en-US" sz="1500" dirty="0">
                 <a:latin typeface="Calibri" panose="020F0502020204030204" pitchFamily="34" charset="0"/>
                 <a:ea typeface="Calibri" panose="020F0502020204030204" pitchFamily="34" charset="0"/>
                 <a:cs typeface="Times New Roman" panose="02020603050405020304" pitchFamily="18" charset="0"/>
               </a:rPr>
-              <a:t>Design storage options for data, including:</a:t>
-            </a:r>
-          </a:p>
-          <a:p>
-            <a:pPr lvl="2">
+              <a:t>Design high-performance computing (HPC) and other compute-intensive applications using Azure Services</a:t>
+            </a:r>
+          </a:p>
+          <a:p>
+            <a:pPr marL="0" lvl="1" indent="0">
               <a:lnSpc>
-                <a:spcPct val="120000"/>
+                <a:spcPct val="107000"/>
               </a:lnSpc>
-              <a:spcAft>
-                <a:spcPts val="600"/>
-              </a:spcAft>
+              <a:spcBef>
+                <a:spcPts val="1000"/>
+              </a:spcBef>
               <a:buSzPts val="1000"/>
-              <a:buFont typeface="Wingdings" panose="05000000000000000000" pitchFamily="2" charset="2"/>
-              <a:buChar char="q"/>
+              <a:buNone/>
               <a:tabLst>
-                <a:tab pos="685800" algn="l"/>
+                <a:tab pos="228600" algn="l"/>
               </a:tabLst>
             </a:pPr>
             <a:r>
-              <a:rPr lang="en-US" sz="1800" dirty="0">
+              <a:rPr lang="en-US" sz="2600" b="1" dirty="0">
                 <a:latin typeface="Calibri" panose="020F0502020204030204" pitchFamily="34" charset="0"/>
                 <a:ea typeface="Calibri" panose="020F0502020204030204" pitchFamily="34" charset="0"/>
                 <a:cs typeface="Times New Roman" panose="02020603050405020304" pitchFamily="18" charset="0"/>
               </a:rPr>
-              <a:t>Table Storage</a:t>
-            </a:r>
-          </a:p>
-          <a:p>
-            <a:pPr lvl="2">
-              <a:lnSpc>
-                <a:spcPct val="120000"/>
-              </a:lnSpc>
-              <a:spcAft>
-                <a:spcPts val="600"/>
-              </a:spcAft>
-              <a:buSzPts val="1000"/>
-              <a:buFont typeface="Wingdings" panose="05000000000000000000" pitchFamily="2" charset="2"/>
-              <a:buChar char="q"/>
-              <a:tabLst>
-                <a:tab pos="685800" algn="l"/>
-              </a:tabLst>
-            </a:pPr>
-            <a:r>
-              <a:rPr lang="en-US" sz="1800" dirty="0">
-                <a:latin typeface="Calibri" panose="020F0502020204030204" pitchFamily="34" charset="0"/>
-                <a:ea typeface="Calibri" panose="020F0502020204030204" pitchFamily="34" charset="0"/>
-                <a:cs typeface="Times New Roman" panose="02020603050405020304" pitchFamily="18" charset="0"/>
-              </a:rPr>
-              <a:t>SQL Database </a:t>
-            </a:r>
-          </a:p>
-          <a:p>
-            <a:pPr lvl="2">
-              <a:lnSpc>
-                <a:spcPct val="120000"/>
-              </a:lnSpc>
-              <a:spcAft>
-                <a:spcPts val="600"/>
-              </a:spcAft>
-              <a:buSzPts val="1000"/>
-              <a:buFont typeface="Wingdings" panose="05000000000000000000" pitchFamily="2" charset="2"/>
-              <a:buChar char="q"/>
-              <a:tabLst>
-                <a:tab pos="685800" algn="l"/>
-              </a:tabLst>
-            </a:pPr>
-            <a:r>
-              <a:rPr lang="en-US" sz="1800" dirty="0" err="1">
-                <a:latin typeface="Calibri" panose="020F0502020204030204" pitchFamily="34" charset="0"/>
-                <a:ea typeface="Calibri" panose="020F0502020204030204" pitchFamily="34" charset="0"/>
-                <a:cs typeface="Times New Roman" panose="02020603050405020304" pitchFamily="18" charset="0"/>
-              </a:rPr>
-              <a:t>DocumentDB</a:t>
-            </a:r>
-            <a:r>
-              <a:rPr lang="en-US" sz="1800" dirty="0">
-                <a:latin typeface="Calibri" panose="020F0502020204030204" pitchFamily="34" charset="0"/>
-                <a:ea typeface="Calibri" panose="020F0502020204030204" pitchFamily="34" charset="0"/>
-                <a:cs typeface="Times New Roman" panose="02020603050405020304" pitchFamily="18" charset="0"/>
-              </a:rPr>
-              <a:t> </a:t>
-            </a:r>
-          </a:p>
-          <a:p>
-            <a:pPr lvl="2">
-              <a:lnSpc>
-                <a:spcPct val="120000"/>
-              </a:lnSpc>
-              <a:spcAft>
-                <a:spcPts val="600"/>
-              </a:spcAft>
-              <a:buSzPts val="1000"/>
-              <a:buFont typeface="Wingdings" panose="05000000000000000000" pitchFamily="2" charset="2"/>
-              <a:buChar char="q"/>
-              <a:tabLst>
-                <a:tab pos="685800" algn="l"/>
-              </a:tabLst>
-            </a:pPr>
-            <a:r>
-              <a:rPr lang="en-US" sz="1800" dirty="0">
-                <a:latin typeface="Calibri" panose="020F0502020204030204" pitchFamily="34" charset="0"/>
-                <a:ea typeface="Calibri" panose="020F0502020204030204" pitchFamily="34" charset="0"/>
-                <a:cs typeface="Times New Roman" panose="02020603050405020304" pitchFamily="18" charset="0"/>
-              </a:rPr>
-              <a:t>Blob Storage </a:t>
-            </a:r>
-          </a:p>
-          <a:p>
-            <a:pPr lvl="2">
-              <a:lnSpc>
-                <a:spcPct val="120000"/>
-              </a:lnSpc>
-              <a:spcAft>
-                <a:spcPts val="600"/>
-              </a:spcAft>
-              <a:buSzPts val="1000"/>
-              <a:buFont typeface="Wingdings" panose="05000000000000000000" pitchFamily="2" charset="2"/>
-              <a:buChar char="q"/>
-              <a:tabLst>
-                <a:tab pos="685800" algn="l"/>
-              </a:tabLst>
-            </a:pPr>
-            <a:r>
-              <a:rPr lang="en-US" sz="1800" dirty="0">
-                <a:latin typeface="Calibri" panose="020F0502020204030204" pitchFamily="34" charset="0"/>
-                <a:ea typeface="Calibri" panose="020F0502020204030204" pitchFamily="34" charset="0"/>
-                <a:cs typeface="Times New Roman" panose="02020603050405020304" pitchFamily="18" charset="0"/>
-              </a:rPr>
-              <a:t>MongoDB </a:t>
-            </a:r>
-          </a:p>
-          <a:p>
-            <a:pPr lvl="2">
-              <a:lnSpc>
-                <a:spcPct val="120000"/>
-              </a:lnSpc>
-              <a:spcAft>
-                <a:spcPts val="600"/>
-              </a:spcAft>
-              <a:buSzPts val="1000"/>
-              <a:buFont typeface="Wingdings" panose="05000000000000000000" pitchFamily="2" charset="2"/>
-              <a:buChar char="q"/>
-              <a:tabLst>
-                <a:tab pos="685800" algn="l"/>
-              </a:tabLst>
-            </a:pPr>
-            <a:r>
-              <a:rPr lang="en-US" sz="1800" dirty="0">
-                <a:latin typeface="Calibri" panose="020F0502020204030204" pitchFamily="34" charset="0"/>
-                <a:ea typeface="Calibri" panose="020F0502020204030204" pitchFamily="34" charset="0"/>
-                <a:cs typeface="Times New Roman" panose="02020603050405020304" pitchFamily="18" charset="0"/>
-              </a:rPr>
-              <a:t>MySQL</a:t>
+              <a:t>2. Create long-running applications </a:t>
             </a:r>
           </a:p>
           <a:p>
@@ -13676,7 +14280,7 @@
                 <a:ea typeface="Calibri" panose="020F0502020204030204" pitchFamily="34" charset="0"/>
                 <a:cs typeface="Times New Roman" panose="02020603050405020304" pitchFamily="18" charset="0"/>
               </a:rPr>
-              <a:t>Design security options for SQL Database or Azure Storage</a:t>
+              <a:t>Implement Azure Batch for scalable processing, design stateless components to accommodate scale, use Azure Scheduler</a:t>
             </a:r>
           </a:p>
           <a:p>
@@ -13699,7 +14303,7 @@
                 <a:ea typeface="Calibri" panose="020F0502020204030204" pitchFamily="34" charset="0"/>
                 <a:cs typeface="Times New Roman" panose="02020603050405020304" pitchFamily="18" charset="0"/>
               </a:rPr>
-              <a:t>2. Select the appropriate storage option </a:t>
+              <a:t>3. Integrate Azure services in a solution </a:t>
             </a:r>
           </a:p>
           <a:p>
@@ -13718,36 +14322,28 @@
               </a:tabLst>
             </a:pPr>
             <a:r>
-              <a:rPr lang="en-US" sz="1800" dirty="0">
+              <a:rPr lang="en-US" sz="2000" dirty="0">
                 <a:latin typeface="Calibri" panose="020F0502020204030204" pitchFamily="34" charset="0"/>
                 <a:ea typeface="Calibri" panose="020F0502020204030204" pitchFamily="34" charset="0"/>
                 <a:cs typeface="Times New Roman" panose="02020603050405020304" pitchFamily="18" charset="0"/>
               </a:rPr>
-              <a:t>Select the appropriate storage for performance, </a:t>
-            </a:r>
-          </a:p>
-          <a:p>
-            <a:pPr lvl="1">
-              <a:lnSpc>
-                <a:spcPct val="120000"/>
-              </a:lnSpc>
-              <a:spcAft>
-                <a:spcPts val="600"/>
-              </a:spcAft>
-              <a:buSzPts val="1000"/>
-              <a:buFont typeface="Wingdings" panose="05000000000000000000" pitchFamily="2" charset="2"/>
-              <a:buChar char="q"/>
-              <a:tabLst>
-                <a:tab pos="685800" algn="l"/>
-              </a:tabLst>
-            </a:pPr>
-            <a:r>
-              <a:rPr lang="en-US" sz="1800" dirty="0">
+              <a:t>Design Azure architecture using Azure services, such as Azure AD, Azure App Service, API Management, Azure Cache, Azure Search, Service Bus, Event Hubs, Stream Analytics, and </a:t>
+            </a:r>
+            <a:r>
+              <a:rPr lang="en-US" sz="2000" dirty="0" err="1">
                 <a:latin typeface="Calibri" panose="020F0502020204030204" pitchFamily="34" charset="0"/>
                 <a:ea typeface="Calibri" panose="020F0502020204030204" pitchFamily="34" charset="0"/>
                 <a:cs typeface="Times New Roman" panose="02020603050405020304" pitchFamily="18" charset="0"/>
               </a:rPr>
-              <a:t>Identify storage options for cloud services and hybrid scenarios with compute on-premises and storage on Azure</a:t>
+              <a:t>IoT</a:t>
+            </a:r>
+            <a:r>
+              <a:rPr lang="en-US" sz="2000" dirty="0">
+                <a:latin typeface="Calibri" panose="020F0502020204030204" pitchFamily="34" charset="0"/>
+                <a:ea typeface="Calibri" panose="020F0502020204030204" pitchFamily="34" charset="0"/>
+                <a:cs typeface="Times New Roman" panose="02020603050405020304" pitchFamily="18" charset="0"/>
+              </a:rPr>
+              <a:t> Hub; identify the appropriate use of Azure Machine Learning, big data, Azure Media Services, and Azure Search services</a:t>
             </a:r>
           </a:p>
           <a:p>
@@ -13790,32 +14386,180 @@
         </p:spPr>
         <p:txBody>
           <a:bodyPr>
-            <a:normAutofit/>
+            <a:normAutofit fontScale="85000" lnSpcReduction="20000"/>
           </a:bodyPr>
           <a:lstStyle/>
           <a:p>
-            <a:pPr marL="0" indent="0">
+            <a:pPr marL="0" lvl="1" indent="0">
               <a:lnSpc>
                 <a:spcPct val="107000"/>
               </a:lnSpc>
+              <a:spcBef>
+                <a:spcPts val="1000"/>
+              </a:spcBef>
               <a:buSzPts val="1000"/>
               <a:buNone/>
               <a:tabLst>
                 <a:tab pos="228600" algn="l"/>
               </a:tabLst>
             </a:pPr>
-            <a:endParaRPr lang="en-US" altLang="en-US" sz="1200" dirty="0">
-              <a:latin typeface="Calibri" panose="020F0502020204030204" pitchFamily="34" charset="0"/>
-              <a:ea typeface="Calibri" panose="020F0502020204030204" pitchFamily="34" charset="0"/>
-              <a:cs typeface="Times New Roman" panose="02020603050405020304" pitchFamily="18" charset="0"/>
-            </a:endParaRPr>
+            <a:r>
+              <a:rPr lang="en-US" sz="2200" b="1" dirty="0">
+                <a:latin typeface="Calibri" panose="020F0502020204030204" pitchFamily="34" charset="0"/>
+                <a:ea typeface="Calibri" panose="020F0502020204030204" pitchFamily="34" charset="0"/>
+                <a:cs typeface="Times New Roman" panose="02020603050405020304" pitchFamily="18" charset="0"/>
+              </a:rPr>
+              <a:t>4. Implement messaging applications </a:t>
+            </a:r>
+          </a:p>
+          <a:p>
+            <a:pPr lvl="1">
+              <a:lnSpc>
+                <a:spcPct val="120000"/>
+              </a:lnSpc>
+              <a:spcAft>
+                <a:spcPts val="600"/>
+              </a:spcAft>
+              <a:buSzPts val="1000"/>
+              <a:buFont typeface="Wingdings" panose="05000000000000000000" pitchFamily="2" charset="2"/>
+              <a:buChar char="q"/>
+              <a:tabLst>
+                <a:tab pos="685800" algn="l"/>
+              </a:tabLst>
+            </a:pPr>
+            <a:r>
+              <a:rPr lang="en-US" sz="1800" dirty="0">
+                <a:latin typeface="Calibri" panose="020F0502020204030204" pitchFamily="34" charset="0"/>
+                <a:ea typeface="Calibri" panose="020F0502020204030204" pitchFamily="34" charset="0"/>
+                <a:cs typeface="Times New Roman" panose="02020603050405020304" pitchFamily="18" charset="0"/>
+              </a:rPr>
+              <a:t>Use a queue-centric pattern for development; select </a:t>
+            </a:r>
+            <a:r>
+              <a:rPr lang="en-US" sz="1900" dirty="0">
+                <a:latin typeface="Calibri" panose="020F0502020204030204" pitchFamily="34" charset="0"/>
+                <a:ea typeface="Calibri" panose="020F0502020204030204" pitchFamily="34" charset="0"/>
+                <a:cs typeface="Times New Roman" panose="02020603050405020304" pitchFamily="18" charset="0"/>
+              </a:rPr>
+              <a:t>appropriate technology, such as Azure Storage Queues, Azure Service Bus queues, topics, subscriptions, and Azure Event Hubs</a:t>
+            </a:r>
+          </a:p>
+          <a:p>
+            <a:pPr marL="0" lvl="1" indent="0">
+              <a:lnSpc>
+                <a:spcPct val="107000"/>
+              </a:lnSpc>
+              <a:spcBef>
+                <a:spcPts val="1000"/>
+              </a:spcBef>
+              <a:buSzPts val="1000"/>
+              <a:buNone/>
+              <a:tabLst>
+                <a:tab pos="228600" algn="l"/>
+              </a:tabLst>
+            </a:pPr>
+            <a:r>
+              <a:rPr lang="en-US" sz="2200" b="1" dirty="0">
+                <a:latin typeface="Calibri" panose="020F0502020204030204" pitchFamily="34" charset="0"/>
+                <a:ea typeface="Calibri" panose="020F0502020204030204" pitchFamily="34" charset="0"/>
+                <a:cs typeface="Times New Roman" panose="02020603050405020304" pitchFamily="18" charset="0"/>
+              </a:rPr>
+              <a:t>5. Implement applications for background processing </a:t>
+            </a:r>
+          </a:p>
+          <a:p>
+            <a:pPr lvl="1">
+              <a:lnSpc>
+                <a:spcPct val="120000"/>
+              </a:lnSpc>
+              <a:spcAft>
+                <a:spcPts val="600"/>
+              </a:spcAft>
+              <a:buSzPts val="1000"/>
+              <a:buFont typeface="Wingdings" panose="05000000000000000000" pitchFamily="2" charset="2"/>
+              <a:buChar char="q"/>
+              <a:tabLst>
+                <a:tab pos="685800" algn="l"/>
+              </a:tabLst>
+            </a:pPr>
+            <a:r>
+              <a:rPr lang="en-US" sz="1900" dirty="0">
+                <a:latin typeface="Calibri" panose="020F0502020204030204" pitchFamily="34" charset="0"/>
+                <a:ea typeface="Calibri" panose="020F0502020204030204" pitchFamily="34" charset="0"/>
+                <a:cs typeface="Times New Roman" panose="02020603050405020304" pitchFamily="18" charset="0"/>
+              </a:rPr>
+              <a:t>Implement Azure Batch for compute-intensive tasks, use Azure </a:t>
+            </a:r>
+            <a:r>
+              <a:rPr lang="en-US" sz="1900" dirty="0" err="1">
+                <a:latin typeface="Calibri" panose="020F0502020204030204" pitchFamily="34" charset="0"/>
+                <a:ea typeface="Calibri" panose="020F0502020204030204" pitchFamily="34" charset="0"/>
+                <a:cs typeface="Times New Roman" panose="02020603050405020304" pitchFamily="18" charset="0"/>
+              </a:rPr>
+              <a:t>WebJobs</a:t>
+            </a:r>
+            <a:r>
+              <a:rPr lang="en-US" sz="1900" dirty="0">
+                <a:latin typeface="Calibri" panose="020F0502020204030204" pitchFamily="34" charset="0"/>
+                <a:ea typeface="Calibri" panose="020F0502020204030204" pitchFamily="34" charset="0"/>
+                <a:cs typeface="Times New Roman" panose="02020603050405020304" pitchFamily="18" charset="0"/>
+              </a:rPr>
+              <a:t> to implement background tasks, use Azure Functions to implement event-driven actions, leverage Azure Scheduler to run processes at preset/recurring timeslots</a:t>
+            </a:r>
+          </a:p>
+          <a:p>
+            <a:pPr marL="0" lvl="1" indent="0">
+              <a:lnSpc>
+                <a:spcPct val="117000"/>
+              </a:lnSpc>
+              <a:spcBef>
+                <a:spcPts val="1000"/>
+              </a:spcBef>
+              <a:buSzPts val="1000"/>
+              <a:buNone/>
+              <a:tabLst>
+                <a:tab pos="228600" algn="l"/>
+              </a:tabLst>
+            </a:pPr>
+            <a:r>
+              <a:rPr lang="en-US" sz="2100" b="1" dirty="0">
+                <a:latin typeface="Calibri" panose="020F0502020204030204" pitchFamily="34" charset="0"/>
+                <a:ea typeface="Calibri" panose="020F0502020204030204" pitchFamily="34" charset="0"/>
+                <a:cs typeface="Times New Roman" panose="02020603050405020304" pitchFamily="18" charset="0"/>
+              </a:rPr>
+              <a:t>6. Design connectivity for hybrid applications </a:t>
+            </a:r>
+          </a:p>
+          <a:p>
+            <a:pPr lvl="1">
+              <a:lnSpc>
+                <a:spcPct val="120000"/>
+              </a:lnSpc>
+              <a:spcAft>
+                <a:spcPts val="600"/>
+              </a:spcAft>
+              <a:buSzPts val="1000"/>
+              <a:buFont typeface="Wingdings" panose="05000000000000000000" pitchFamily="2" charset="2"/>
+              <a:buChar char="q"/>
+              <a:tabLst>
+                <a:tab pos="685800" algn="l"/>
+              </a:tabLst>
+            </a:pPr>
+            <a:r>
+              <a:rPr lang="en-US" sz="1900" dirty="0">
+                <a:latin typeface="Calibri" panose="020F0502020204030204" pitchFamily="34" charset="0"/>
+                <a:ea typeface="Calibri" panose="020F0502020204030204" pitchFamily="34" charset="0"/>
+                <a:cs typeface="Times New Roman" panose="02020603050405020304" pitchFamily="18" charset="0"/>
+              </a:rPr>
+              <a:t>Connect to on-premises data from Azure applications using Service Bus Relay, Hybrid Connections, or the Azure Web App virtual private network (VPN) capability; identify constraints for connectivity with VPN; identify options for joining VMs to domains or cloud services</a:t>
+            </a:r>
           </a:p>
         </p:txBody>
       </p:sp>
     </p:spTree>
     <p:extLst>
       <p:ext uri="{BB962C8B-B14F-4D97-AF65-F5344CB8AC3E}">
-        <p14:creationId xmlns:p14="http://schemas.microsoft.com/office/powerpoint/2010/main" val="1206721879"/>
+        <p14:creationId xmlns:p14="http://schemas.microsoft.com/office/powerpoint/2010/main" val="2852779005"/>
       </p:ext>
     </p:extLst>
   </p:cSld>
@@ -13855,7 +14599,7 @@
         <p:spPr/>
         <p:txBody>
           <a:bodyPr>
-            <a:normAutofit/>
+            <a:normAutofit fontScale="90000"/>
           </a:bodyPr>
           <a:lstStyle/>
           <a:p>
@@ -13868,13 +14612,13 @@
                 <a:ea typeface="Times New Roman" panose="02020603050405020304" pitchFamily="18" charset="0"/>
                 <a:cs typeface="Times New Roman" panose="02020603050405020304" pitchFamily="18" charset="0"/>
               </a:rPr>
-              <a:t>#4 </a:t>
+              <a:t>#5 </a:t>
             </a:r>
             <a:r>
               <a:rPr lang="en-US" u="sng" dirty="0">
                 <a:hlinkClick r:id="rId2"/>
               </a:rPr>
-              <a:t>Design advanced applications (20–25%)</a:t>
+              <a:t>Design Azure Web and Mobile Apps (5–10%)</a:t>
             </a:r>
             <a:endParaRPr lang="en-US" dirty="0"/>
           </a:p>
@@ -13898,7 +14642,7 @@
         </p:spPr>
         <p:txBody>
           <a:bodyPr>
-            <a:normAutofit fontScale="92500" lnSpcReduction="20000"/>
+            <a:normAutofit/>
           </a:bodyPr>
           <a:lstStyle/>
           <a:p>
@@ -13916,12 +14660,12 @@
               </a:tabLst>
             </a:pPr>
             <a:r>
-              <a:rPr lang="en-US" sz="2200" b="1" dirty="0">
+              <a:rPr lang="en-US" sz="2600" b="1" dirty="0">
                 <a:latin typeface="Calibri" panose="020F0502020204030204" pitchFamily="34" charset="0"/>
                 <a:ea typeface="Calibri" panose="020F0502020204030204" pitchFamily="34" charset="0"/>
                 <a:cs typeface="Times New Roman" panose="02020603050405020304" pitchFamily="18" charset="0"/>
               </a:rPr>
-              <a:t>1. Create compute-intensive applications </a:t>
+              <a:t>1. Design Web Applications </a:t>
             </a:r>
           </a:p>
           <a:p>
@@ -13940,122 +14684,28 @@
               </a:tabLst>
             </a:pPr>
             <a:r>
-              <a:rPr lang="en-US" sz="1500" dirty="0">
-                <a:latin typeface="Calibri" panose="020F0502020204030204" pitchFamily="34" charset="0"/>
-                <a:ea typeface="Calibri" panose="020F0502020204030204" pitchFamily="34" charset="0"/>
-                <a:cs typeface="Times New Roman" panose="02020603050405020304" pitchFamily="18" charset="0"/>
-              </a:rPr>
-              <a:t>Design high-performance computing (HPC) and other compute-intensive applications using Azure Services</a:t>
-            </a:r>
-          </a:p>
-          <a:p>
-            <a:pPr marL="0" lvl="1" indent="0">
-              <a:lnSpc>
-                <a:spcPct val="107000"/>
-              </a:lnSpc>
-              <a:spcBef>
-                <a:spcPts val="1000"/>
-              </a:spcBef>
-              <a:buSzPts val="1000"/>
-              <a:buNone/>
-              <a:tabLst>
-                <a:tab pos="228600" algn="l"/>
-              </a:tabLst>
-            </a:pPr>
-            <a:r>
-              <a:rPr lang="en-US" sz="2600" b="1" dirty="0">
-                <a:latin typeface="Calibri" panose="020F0502020204030204" pitchFamily="34" charset="0"/>
-                <a:ea typeface="Calibri" panose="020F0502020204030204" pitchFamily="34" charset="0"/>
-                <a:cs typeface="Times New Roman" panose="02020603050405020304" pitchFamily="18" charset="0"/>
-              </a:rPr>
-              <a:t>2. Create long-running applications </a:t>
-            </a:r>
-          </a:p>
-          <a:p>
-            <a:pPr lvl="1">
-              <a:lnSpc>
-                <a:spcPct val="120000"/>
-              </a:lnSpc>
-              <a:spcAft>
-                <a:spcPts val="600"/>
-              </a:spcAft>
-              <a:buSzPts val="1000"/>
-              <a:buFont typeface="Wingdings" panose="05000000000000000000" pitchFamily="2" charset="2"/>
-              <a:buChar char="q"/>
-              <a:tabLst>
-                <a:tab pos="685800" algn="l"/>
-              </a:tabLst>
-            </a:pPr>
-            <a:r>
               <a:rPr lang="en-US" sz="1800" dirty="0">
                 <a:latin typeface="Calibri" panose="020F0502020204030204" pitchFamily="34" charset="0"/>
                 <a:ea typeface="Calibri" panose="020F0502020204030204" pitchFamily="34" charset="0"/>
                 <a:cs typeface="Times New Roman" panose="02020603050405020304" pitchFamily="18" charset="0"/>
               </a:rPr>
-              <a:t>Implement Azure Batch for scalable processing, design stateless components to accommodate scale, use Azure Scheduler</a:t>
-            </a:r>
-          </a:p>
-          <a:p>
-            <a:pPr marL="0" lvl="1" indent="0">
-              <a:lnSpc>
-                <a:spcPct val="107000"/>
-              </a:lnSpc>
-              <a:spcBef>
-                <a:spcPts val="1000"/>
-              </a:spcBef>
-              <a:buSzPts val="1000"/>
-              <a:buNone/>
-              <a:tabLst>
-                <a:tab pos="228600" algn="l"/>
-              </a:tabLst>
-            </a:pPr>
-            <a:r>
-              <a:rPr lang="en-US" sz="2600" b="1" dirty="0">
+              <a:t>Design Azure App Service Web Apps, design custom web API, offload long-running applications using </a:t>
+            </a:r>
+            <a:r>
+              <a:rPr lang="en-US" sz="1800" dirty="0" err="1">
                 <a:latin typeface="Calibri" panose="020F0502020204030204" pitchFamily="34" charset="0"/>
                 <a:ea typeface="Calibri" panose="020F0502020204030204" pitchFamily="34" charset="0"/>
                 <a:cs typeface="Times New Roman" panose="02020603050405020304" pitchFamily="18" charset="0"/>
               </a:rPr>
-              <a:t>3. Integrate Azure services in a solution </a:t>
-            </a:r>
-          </a:p>
-          <a:p>
-            <a:pPr lvl="1">
-              <a:lnSpc>
-                <a:spcPct val="120000"/>
-              </a:lnSpc>
-              <a:spcAft>
-                <a:spcPts val="600"/>
-              </a:spcAft>
-              <a:buSzPts val="1000"/>
-              <a:buFont typeface="Wingdings" panose="05000000000000000000" pitchFamily="2" charset="2"/>
-              <a:buChar char="q"/>
-              <a:tabLst>
-                <a:tab pos="685800" algn="l"/>
-              </a:tabLst>
-            </a:pPr>
-            <a:r>
-              <a:rPr lang="en-US" sz="2000" dirty="0">
+              <a:t>WebJobs</a:t>
+            </a:r>
+            <a:r>
+              <a:rPr lang="en-US" sz="1800" dirty="0">
                 <a:latin typeface="Calibri" panose="020F0502020204030204" pitchFamily="34" charset="0"/>
                 <a:ea typeface="Calibri" panose="020F0502020204030204" pitchFamily="34" charset="0"/>
                 <a:cs typeface="Times New Roman" panose="02020603050405020304" pitchFamily="18" charset="0"/>
               </a:rPr>
-              <a:t>Design Azure architecture using Azure services, such as Azure AD, Azure App Service, API Management, Azure Cache, Azure Search, Service Bus, Event Hubs, Stream Analytics, and </a:t>
-            </a:r>
-            <a:r>
-              <a:rPr lang="en-US" sz="2000" dirty="0" err="1">
-                <a:latin typeface="Calibri" panose="020F0502020204030204" pitchFamily="34" charset="0"/>
-                <a:ea typeface="Calibri" panose="020F0502020204030204" pitchFamily="34" charset="0"/>
-                <a:cs typeface="Times New Roman" panose="02020603050405020304" pitchFamily="18" charset="0"/>
-              </a:rPr>
-              <a:t>IoT</a:t>
-            </a:r>
-            <a:r>
-              <a:rPr lang="en-US" sz="2000" dirty="0">
-                <a:latin typeface="Calibri" panose="020F0502020204030204" pitchFamily="34" charset="0"/>
-                <a:ea typeface="Calibri" panose="020F0502020204030204" pitchFamily="34" charset="0"/>
-                <a:cs typeface="Times New Roman" panose="02020603050405020304" pitchFamily="18" charset="0"/>
-              </a:rPr>
-              <a:t> Hub; identify the appropriate use of Azure Machine Learning, big data, Azure Media Services, and Azure Search services</a:t>
+              <a:t>, secure Web API using Azure AD, design Web Apps for scalability and performance, deploy Azure Web Apps to multiple regions for high availability, deploy Web Apps, create App Service plans, design Web Apps for business continuity, configure data replication patterns, update Azure Web Apps with minimal downtime, back up and restore data, design for disaster recovery </a:t>
             </a:r>
           </a:p>
           <a:p>
@@ -14098,7 +14748,7 @@
         </p:spPr>
         <p:txBody>
           <a:bodyPr>
-            <a:normAutofit fontScale="85000" lnSpcReduction="20000"/>
+            <a:normAutofit/>
           </a:bodyPr>
           <a:lstStyle/>
           <a:p>
@@ -14116,12 +14766,12 @@
               </a:tabLst>
             </a:pPr>
             <a:r>
-              <a:rPr lang="en-US" sz="2200" b="1" dirty="0">
+              <a:rPr lang="en-US" sz="2600" b="1" dirty="0">
                 <a:latin typeface="Calibri" panose="020F0502020204030204" pitchFamily="34" charset="0"/>
                 <a:ea typeface="Calibri" panose="020F0502020204030204" pitchFamily="34" charset="0"/>
                 <a:cs typeface="Times New Roman" panose="02020603050405020304" pitchFamily="18" charset="0"/>
               </a:rPr>
-              <a:t>4. Implement messaging applications </a:t>
+              <a:t>Design Mobile Applications </a:t>
             </a:r>
           </a:p>
           <a:p>
@@ -14145,125 +14795,7 @@
                 <a:ea typeface="Calibri" panose="020F0502020204030204" pitchFamily="34" charset="0"/>
                 <a:cs typeface="Times New Roman" panose="02020603050405020304" pitchFamily="18" charset="0"/>
               </a:rPr>
-              <a:t>Use a queue-centric pattern for development; select </a:t>
-            </a:r>
-            <a:r>
-              <a:rPr lang="en-US" sz="1900" dirty="0">
-                <a:latin typeface="Calibri" panose="020F0502020204030204" pitchFamily="34" charset="0"/>
-                <a:ea typeface="Calibri" panose="020F0502020204030204" pitchFamily="34" charset="0"/>
-                <a:cs typeface="Times New Roman" panose="02020603050405020304" pitchFamily="18" charset="0"/>
-              </a:rPr>
-              <a:t>appropriate technology, such as Azure Storage Queues, Azure Service Bus queues, topics, subscriptions, and Azure Event Hubs</a:t>
-            </a:r>
-          </a:p>
-          <a:p>
-            <a:pPr marL="0" lvl="1" indent="0">
-              <a:lnSpc>
-                <a:spcPct val="107000"/>
-              </a:lnSpc>
-              <a:spcBef>
-                <a:spcPts val="1000"/>
-              </a:spcBef>
-              <a:buSzPts val="1000"/>
-              <a:buNone/>
-              <a:tabLst>
-                <a:tab pos="228600" algn="l"/>
-              </a:tabLst>
-            </a:pPr>
-            <a:r>
-              <a:rPr lang="en-US" sz="2200" b="1" dirty="0">
-                <a:latin typeface="Calibri" panose="020F0502020204030204" pitchFamily="34" charset="0"/>
-                <a:ea typeface="Calibri" panose="020F0502020204030204" pitchFamily="34" charset="0"/>
-                <a:cs typeface="Times New Roman" panose="02020603050405020304" pitchFamily="18" charset="0"/>
-              </a:rPr>
-              <a:t>5. Implement applications for background processing </a:t>
-            </a:r>
-          </a:p>
-          <a:p>
-            <a:pPr lvl="1">
-              <a:lnSpc>
-                <a:spcPct val="120000"/>
-              </a:lnSpc>
-              <a:spcAft>
-                <a:spcPts val="600"/>
-              </a:spcAft>
-              <a:buSzPts val="1000"/>
-              <a:buFont typeface="Wingdings" panose="05000000000000000000" pitchFamily="2" charset="2"/>
-              <a:buChar char="q"/>
-              <a:tabLst>
-                <a:tab pos="685800" algn="l"/>
-              </a:tabLst>
-            </a:pPr>
-            <a:r>
-              <a:rPr lang="en-US" sz="1900" dirty="0">
-                <a:latin typeface="Calibri" panose="020F0502020204030204" pitchFamily="34" charset="0"/>
-                <a:ea typeface="Calibri" panose="020F0502020204030204" pitchFamily="34" charset="0"/>
-                <a:cs typeface="Times New Roman" panose="02020603050405020304" pitchFamily="18" charset="0"/>
-              </a:rPr>
-              <a:t>Implement Azure Batch for compute-intensive tasks, use Azure </a:t>
-            </a:r>
-            <a:r>
-              <a:rPr lang="en-US" sz="1900" dirty="0" err="1">
-                <a:latin typeface="Calibri" panose="020F0502020204030204" pitchFamily="34" charset="0"/>
-                <a:ea typeface="Calibri" panose="020F0502020204030204" pitchFamily="34" charset="0"/>
-                <a:cs typeface="Times New Roman" panose="02020603050405020304" pitchFamily="18" charset="0"/>
-              </a:rPr>
-              <a:t>WebJobs</a:t>
-            </a:r>
-            <a:r>
-              <a:rPr lang="en-US" sz="1900" dirty="0">
-                <a:latin typeface="Calibri" panose="020F0502020204030204" pitchFamily="34" charset="0"/>
-                <a:ea typeface="Calibri" panose="020F0502020204030204" pitchFamily="34" charset="0"/>
-                <a:cs typeface="Times New Roman" panose="02020603050405020304" pitchFamily="18" charset="0"/>
-              </a:rPr>
-              <a:t> to implement background tasks, use Azure Functions to implement event-driven actions, leverage Azure Scheduler to run processes at preset/recurring timeslots</a:t>
-            </a:r>
-          </a:p>
-          <a:p>
-            <a:pPr marL="0" lvl="1" indent="0">
-              <a:lnSpc>
-                <a:spcPct val="117000"/>
-              </a:lnSpc>
-              <a:spcBef>
-                <a:spcPts val="1000"/>
-              </a:spcBef>
-              <a:buSzPts val="1000"/>
-              <a:buNone/>
-              <a:tabLst>
-                <a:tab pos="228600" algn="l"/>
-              </a:tabLst>
-            </a:pPr>
-            <a:r>
-              <a:rPr lang="en-US" sz="2100" b="1" dirty="0">
-                <a:latin typeface="Calibri" panose="020F0502020204030204" pitchFamily="34" charset="0"/>
-                <a:ea typeface="Calibri" panose="020F0502020204030204" pitchFamily="34" charset="0"/>
-                <a:cs typeface="Times New Roman" panose="02020603050405020304" pitchFamily="18" charset="0"/>
-              </a:rPr>
-              <a:t>6. Design connectivity for hybrid applications </a:t>
-            </a:r>
-          </a:p>
-          <a:p>
-            <a:pPr lvl="1">
-              <a:lnSpc>
-                <a:spcPct val="120000"/>
-              </a:lnSpc>
-              <a:spcAft>
-                <a:spcPts val="600"/>
-              </a:spcAft>
-              <a:buSzPts val="1000"/>
-              <a:buFont typeface="Wingdings" panose="05000000000000000000" pitchFamily="2" charset="2"/>
-              <a:buChar char="q"/>
-              <a:tabLst>
-                <a:tab pos="685800" algn="l"/>
-              </a:tabLst>
-            </a:pPr>
-            <a:r>
-              <a:rPr lang="en-US" sz="1900" dirty="0">
-                <a:latin typeface="Calibri" panose="020F0502020204030204" pitchFamily="34" charset="0"/>
-                <a:ea typeface="Calibri" panose="020F0502020204030204" pitchFamily="34" charset="0"/>
-                <a:cs typeface="Times New Roman" panose="02020603050405020304" pitchFamily="18" charset="0"/>
-              </a:rPr>
-              <a:t>Connect to on-premises data from Azure applications using Service Bus Relay, Hybrid Connections, or the Azure Web App virtual private network (VPN) capability; identify constraints for connectivity with VPN; identify options for joining VMs to domains or cloud services</a:t>
+              <a:t>Design Azure Mobile Services; consume Mobile Apps from cross-platform clients; integrate offline sync capabilities into an application; extend Mobile Apps using custom code; implement Mobile Apps using Microsoft .NET or Node.js; secure Mobile Apps using Azure AD; implement push notification services in Mobile Apps; send push notifications to all subscribers, specific subscribers, or a segment of subscribers</a:t>
             </a:r>
           </a:p>
         </p:txBody>
@@ -14271,7 +14803,7 @@
     </p:spTree>
     <p:extLst>
       <p:ext uri="{BB962C8B-B14F-4D97-AF65-F5344CB8AC3E}">
-        <p14:creationId xmlns:p14="http://schemas.microsoft.com/office/powerpoint/2010/main" val="2852779005"/>
+        <p14:creationId xmlns:p14="http://schemas.microsoft.com/office/powerpoint/2010/main" val="956077287"/>
       </p:ext>
     </p:extLst>
   </p:cSld>
@@ -14324,13 +14856,19 @@
                 <a:ea typeface="Times New Roman" panose="02020603050405020304" pitchFamily="18" charset="0"/>
                 <a:cs typeface="Times New Roman" panose="02020603050405020304" pitchFamily="18" charset="0"/>
               </a:rPr>
-              <a:t>#5 </a:t>
-            </a:r>
-            <a:r>
-              <a:rPr lang="en-US" u="sng" dirty="0">
+              <a:t>#6 </a:t>
+            </a:r>
+            <a:r>
+              <a:rPr lang="en-US" dirty="0">
+                <a:solidFill>
+                  <a:srgbClr val="0000FF"/>
+                </a:solidFill>
+                <a:latin typeface="Times New Roman" panose="02020603050405020304" pitchFamily="18" charset="0"/>
+                <a:ea typeface="Times New Roman" panose="02020603050405020304" pitchFamily="18" charset="0"/>
+                <a:cs typeface="Times New Roman" panose="02020603050405020304" pitchFamily="18" charset="0"/>
                 <a:hlinkClick r:id="rId2"/>
               </a:rPr>
-              <a:t>Design Azure Web and Mobile Apps (5–10%)</a:t>
+              <a:t>Design a management, monitoring, and business continuity strategy (20–25%)</a:t>
             </a:r>
             <a:endParaRPr lang="en-US" dirty="0"/>
           </a:p>
@@ -14349,22 +14887,19 @@
         <p:spPr>
           <a:xfrm>
             <a:off x="239849" y="1516288"/>
-            <a:ext cx="5699760" cy="5193698"/>
+            <a:ext cx="5699760" cy="4968875"/>
           </a:xfrm>
         </p:spPr>
         <p:txBody>
           <a:bodyPr>
-            <a:normAutofit/>
+            <a:normAutofit fontScale="92500"/>
           </a:bodyPr>
           <a:lstStyle/>
           <a:p>
-            <a:pPr marL="0" lvl="1" indent="0">
+            <a:pPr marL="0" indent="0">
               <a:lnSpc>
                 <a:spcPct val="107000"/>
               </a:lnSpc>
-              <a:spcBef>
-                <a:spcPts val="1000"/>
-              </a:spcBef>
               <a:buSzPts val="1000"/>
               <a:buNone/>
               <a:tabLst>
@@ -14372,12 +14907,12 @@
               </a:tabLst>
             </a:pPr>
             <a:r>
-              <a:rPr lang="en-US" sz="2600" b="1" dirty="0">
+              <a:rPr lang="en-US" sz="2200" b="1" dirty="0">
                 <a:latin typeface="Calibri" panose="020F0502020204030204" pitchFamily="34" charset="0"/>
                 <a:ea typeface="Calibri" panose="020F0502020204030204" pitchFamily="34" charset="0"/>
                 <a:cs typeface="Times New Roman" panose="02020603050405020304" pitchFamily="18" charset="0"/>
               </a:rPr>
-              <a:t>1. Design Web Applications </a:t>
+              <a:t>1. Design a monitoring strategy {Ian}</a:t>
             </a:r>
           </a:p>
           <a:p>
@@ -14396,32 +14931,16 @@
               </a:tabLst>
             </a:pPr>
             <a:r>
-              <a:rPr lang="en-US" sz="1800" dirty="0">
+              <a:rPr lang="en-US" sz="1500" dirty="0">
                 <a:latin typeface="Calibri" panose="020F0502020204030204" pitchFamily="34" charset="0"/>
                 <a:ea typeface="Calibri" panose="020F0502020204030204" pitchFamily="34" charset="0"/>
                 <a:cs typeface="Times New Roman" panose="02020603050405020304" pitchFamily="18" charset="0"/>
               </a:rPr>
-              <a:t>Design Azure App Service Web Apps, design custom web API, offload long-running applications using </a:t>
-            </a:r>
-            <a:r>
-              <a:rPr lang="en-US" sz="1800" dirty="0" err="1">
-                <a:latin typeface="Calibri" panose="020F0502020204030204" pitchFamily="34" charset="0"/>
-                <a:ea typeface="Calibri" panose="020F0502020204030204" pitchFamily="34" charset="0"/>
-                <a:cs typeface="Times New Roman" panose="02020603050405020304" pitchFamily="18" charset="0"/>
-              </a:rPr>
-              <a:t>WebJobs</a:t>
-            </a:r>
-            <a:r>
-              <a:rPr lang="en-US" sz="1800" dirty="0">
-                <a:latin typeface="Calibri" panose="020F0502020204030204" pitchFamily="34" charset="0"/>
-                <a:ea typeface="Calibri" panose="020F0502020204030204" pitchFamily="34" charset="0"/>
-                <a:cs typeface="Times New Roman" panose="02020603050405020304" pitchFamily="18" charset="0"/>
-              </a:rPr>
-              <a:t>, secure Web API using Azure AD, design Web Apps for scalability and performance, deploy Azure Web Apps to multiple regions for high availability, deploy Web Apps, create App Service plans, design Web Apps for business continuity, configure data replication patterns, update Azure Web Apps with minimal downtime, back up and restore data, design for disaster recovery </a:t>
-            </a:r>
-          </a:p>
-          <a:p>
-            <a:pPr marL="457200" lvl="1" indent="0">
+              <a:t>Identify the Microsoft products and services for monitoring Azure solutions</a:t>
+            </a:r>
+          </a:p>
+          <a:p>
+            <a:pPr lvl="1">
               <a:lnSpc>
                 <a:spcPct val="120000"/>
               </a:lnSpc>
@@ -14429,16 +14948,160 @@
                 <a:spcPts val="600"/>
               </a:spcAft>
               <a:buSzPts val="1000"/>
-              <a:buNone/>
+              <a:buFont typeface="Wingdings" panose="05000000000000000000" pitchFamily="2" charset="2"/>
+              <a:buChar char="q"/>
               <a:tabLst>
                 <a:tab pos="685800" algn="l"/>
               </a:tabLst>
             </a:pPr>
-            <a:endParaRPr lang="en-US" sz="1800" dirty="0">
-              <a:latin typeface="Calibri" panose="020F0502020204030204" pitchFamily="34" charset="0"/>
-              <a:ea typeface="Calibri" panose="020F0502020204030204" pitchFamily="34" charset="0"/>
-              <a:cs typeface="Times New Roman" panose="02020603050405020304" pitchFamily="18" charset="0"/>
-            </a:endParaRPr>
+            <a:r>
+              <a:rPr lang="en-US" sz="1500" dirty="0">
+                <a:latin typeface="Calibri" panose="020F0502020204030204" pitchFamily="34" charset="0"/>
+                <a:ea typeface="Calibri" panose="020F0502020204030204" pitchFamily="34" charset="0"/>
+                <a:cs typeface="Times New Roman" panose="02020603050405020304" pitchFamily="18" charset="0"/>
+              </a:rPr>
+              <a:t>leverage the capabilities of Azure Operations Management Suite and Azure Application Insights for monitoring Azure solutions</a:t>
+            </a:r>
+          </a:p>
+          <a:p>
+            <a:pPr lvl="1">
+              <a:lnSpc>
+                <a:spcPct val="120000"/>
+              </a:lnSpc>
+              <a:spcAft>
+                <a:spcPts val="600"/>
+              </a:spcAft>
+              <a:buSzPts val="1000"/>
+              <a:buFont typeface="Wingdings" panose="05000000000000000000" pitchFamily="2" charset="2"/>
+              <a:buChar char="q"/>
+              <a:tabLst>
+                <a:tab pos="685800" algn="l"/>
+              </a:tabLst>
+            </a:pPr>
+            <a:r>
+              <a:rPr lang="en-US" sz="1500" dirty="0">
+                <a:latin typeface="Calibri" panose="020F0502020204030204" pitchFamily="34" charset="0"/>
+                <a:ea typeface="Calibri" panose="020F0502020204030204" pitchFamily="34" charset="0"/>
+                <a:cs typeface="Times New Roman" panose="02020603050405020304" pitchFamily="18" charset="0"/>
+              </a:rPr>
+              <a:t>leverage built-in Azure capabilities </a:t>
+            </a:r>
+          </a:p>
+          <a:p>
+            <a:pPr lvl="1">
+              <a:lnSpc>
+                <a:spcPct val="120000"/>
+              </a:lnSpc>
+              <a:spcAft>
+                <a:spcPts val="600"/>
+              </a:spcAft>
+              <a:buSzPts val="1000"/>
+              <a:buFont typeface="Wingdings" panose="05000000000000000000" pitchFamily="2" charset="2"/>
+              <a:buChar char="q"/>
+              <a:tabLst>
+                <a:tab pos="685800" algn="l"/>
+              </a:tabLst>
+            </a:pPr>
+            <a:r>
+              <a:rPr lang="en-US" sz="1500" dirty="0">
+                <a:latin typeface="Calibri" panose="020F0502020204030204" pitchFamily="34" charset="0"/>
+                <a:ea typeface="Calibri" panose="020F0502020204030204" pitchFamily="34" charset="0"/>
+                <a:cs typeface="Times New Roman" panose="02020603050405020304" pitchFamily="18" charset="0"/>
+              </a:rPr>
+              <a:t>identify third-party monitoring tools, including open source</a:t>
+            </a:r>
+          </a:p>
+          <a:p>
+            <a:pPr lvl="1">
+              <a:lnSpc>
+                <a:spcPct val="120000"/>
+              </a:lnSpc>
+              <a:spcAft>
+                <a:spcPts val="600"/>
+              </a:spcAft>
+              <a:buSzPts val="1000"/>
+              <a:buFont typeface="Wingdings" panose="05000000000000000000" pitchFamily="2" charset="2"/>
+              <a:buChar char="q"/>
+              <a:tabLst>
+                <a:tab pos="685800" algn="l"/>
+              </a:tabLst>
+            </a:pPr>
+            <a:r>
+              <a:rPr lang="en-US" sz="1500" dirty="0">
+                <a:latin typeface="Calibri" panose="020F0502020204030204" pitchFamily="34" charset="0"/>
+                <a:ea typeface="Calibri" panose="020F0502020204030204" pitchFamily="34" charset="0"/>
+                <a:cs typeface="Times New Roman" panose="02020603050405020304" pitchFamily="18" charset="0"/>
+              </a:rPr>
+              <a:t>describe Azure architecture constructs, such as availability sets and update domains, and how they impact a patching strategy </a:t>
+            </a:r>
+          </a:p>
+          <a:p>
+            <a:pPr lvl="1">
+              <a:lnSpc>
+                <a:spcPct val="120000"/>
+              </a:lnSpc>
+              <a:spcAft>
+                <a:spcPts val="600"/>
+              </a:spcAft>
+              <a:buSzPts val="1000"/>
+              <a:buFont typeface="Wingdings" panose="05000000000000000000" pitchFamily="2" charset="2"/>
+              <a:buChar char="q"/>
+              <a:tabLst>
+                <a:tab pos="685800" algn="l"/>
+              </a:tabLst>
+            </a:pPr>
+            <a:r>
+              <a:rPr lang="en-US" sz="1500" dirty="0">
+                <a:latin typeface="Calibri" panose="020F0502020204030204" pitchFamily="34" charset="0"/>
+                <a:ea typeface="Calibri" panose="020F0502020204030204" pitchFamily="34" charset="0"/>
+                <a:cs typeface="Times New Roman" panose="02020603050405020304" pitchFamily="18" charset="0"/>
+              </a:rPr>
+              <a:t>analyze logs by using the Azure Operations Management Suite </a:t>
+            </a:r>
+          </a:p>
+          <a:p>
+            <a:pPr marL="0" indent="0">
+              <a:lnSpc>
+                <a:spcPct val="97000"/>
+              </a:lnSpc>
+              <a:buSzPts val="1000"/>
+              <a:buNone/>
+              <a:tabLst>
+                <a:tab pos="228600" algn="l"/>
+              </a:tabLst>
+            </a:pPr>
+            <a:r>
+              <a:rPr lang="en-US" sz="2400" b="1" dirty="0">
+                <a:latin typeface="Calibri" panose="020F0502020204030204" pitchFamily="34" charset="0"/>
+                <a:ea typeface="Calibri" panose="020F0502020204030204" pitchFamily="34" charset="0"/>
+                <a:cs typeface="Times New Roman" panose="02020603050405020304" pitchFamily="18" charset="0"/>
+              </a:rPr>
+              <a:t>2. Design Azure Automation and PowerShell workflows {Ian}</a:t>
+            </a:r>
+          </a:p>
+          <a:p>
+            <a:pPr lvl="1">
+              <a:lnSpc>
+                <a:spcPct val="120000"/>
+              </a:lnSpc>
+              <a:spcAft>
+                <a:spcPts val="600"/>
+              </a:spcAft>
+              <a:buSzPts val="1000"/>
+              <a:buFont typeface="Wingdings" panose="05000000000000000000" pitchFamily="2" charset="2"/>
+              <a:buChar char="q"/>
+              <a:tabLst>
+                <a:tab pos="685800" algn="l"/>
+              </a:tabLst>
+            </a:pPr>
+            <a:r>
+              <a:rPr lang="en-US" sz="1500" dirty="0">
+                <a:latin typeface="Calibri" panose="020F0502020204030204" pitchFamily="34" charset="0"/>
+                <a:ea typeface="Calibri" panose="020F0502020204030204" pitchFamily="34" charset="0"/>
+                <a:cs typeface="Times New Roman" panose="02020603050405020304" pitchFamily="18" charset="0"/>
+              </a:rPr>
+              <a:t>Create a PowerShell script specific to Azure, automate tasks by using the Azure Operations Management Suite</a:t>
+            </a:r>
           </a:p>
         </p:txBody>
       </p:sp>
@@ -14460,17 +15123,14 @@
         </p:spPr>
         <p:txBody>
           <a:bodyPr>
-            <a:normAutofit/>
+            <a:normAutofit fontScale="77500" lnSpcReduction="20000"/>
           </a:bodyPr>
           <a:lstStyle/>
           <a:p>
-            <a:pPr marL="0" lvl="1" indent="0">
+            <a:pPr marL="0" indent="0">
               <a:lnSpc>
                 <a:spcPct val="107000"/>
               </a:lnSpc>
-              <a:spcBef>
-                <a:spcPts val="1000"/>
-              </a:spcBef>
               <a:buSzPts val="1000"/>
               <a:buNone/>
               <a:tabLst>
@@ -14478,12 +15138,12 @@
               </a:tabLst>
             </a:pPr>
             <a:r>
-              <a:rPr lang="en-US" sz="2600" b="1" dirty="0">
+              <a:rPr lang="en-US" sz="2200" b="1" dirty="0">
                 <a:latin typeface="Calibri" panose="020F0502020204030204" pitchFamily="34" charset="0"/>
                 <a:ea typeface="Calibri" panose="020F0502020204030204" pitchFamily="34" charset="0"/>
                 <a:cs typeface="Times New Roman" panose="02020603050405020304" pitchFamily="18" charset="0"/>
               </a:rPr>
-              <a:t>Design Mobile Applications </a:t>
+              <a:t>3. Describe Azure business continuity/disaster recovery (BC/DR) capabilities {Dan}</a:t>
             </a:r>
           </a:p>
           <a:p>
@@ -14502,12 +15162,224 @@
               </a:tabLst>
             </a:pPr>
             <a:r>
-              <a:rPr lang="en-US" sz="1800" dirty="0">
+              <a:rPr lang="en-US" sz="1500" dirty="0">
                 <a:latin typeface="Calibri" panose="020F0502020204030204" pitchFamily="34" charset="0"/>
                 <a:ea typeface="Calibri" panose="020F0502020204030204" pitchFamily="34" charset="0"/>
                 <a:cs typeface="Times New Roman" panose="02020603050405020304" pitchFamily="18" charset="0"/>
               </a:rPr>
-              <a:t>Design Azure Mobile Services; consume Mobile Apps from cross-platform clients; integrate offline sync capabilities into an application; extend Mobile Apps using custom code; implement Mobile Apps using Microsoft .NET or Node.js; secure Mobile Apps using Azure AD; implement push notification services in Mobile Apps; send push notifications to all subscribers, specific subscribers, or a segment of subscribers</a:t>
+              <a:t>Leverage the architectural capabilities of BC/DR</a:t>
+            </a:r>
+          </a:p>
+          <a:p>
+            <a:pPr lvl="1">
+              <a:lnSpc>
+                <a:spcPct val="120000"/>
+              </a:lnSpc>
+              <a:spcAft>
+                <a:spcPts val="600"/>
+              </a:spcAft>
+              <a:buSzPts val="1000"/>
+              <a:buFont typeface="Wingdings" panose="05000000000000000000" pitchFamily="2" charset="2"/>
+              <a:buChar char="q"/>
+              <a:tabLst>
+                <a:tab pos="685800" algn="l"/>
+              </a:tabLst>
+            </a:pPr>
+            <a:r>
+              <a:rPr lang="en-US" sz="1500" dirty="0">
+                <a:latin typeface="Calibri" panose="020F0502020204030204" pitchFamily="34" charset="0"/>
+                <a:ea typeface="Calibri" panose="020F0502020204030204" pitchFamily="34" charset="0"/>
+                <a:cs typeface="Times New Roman" panose="02020603050405020304" pitchFamily="18" charset="0"/>
+              </a:rPr>
+              <a:t>describe Hyper-V Replica and Azure Site Recovery (ASR)</a:t>
+            </a:r>
+          </a:p>
+          <a:p>
+            <a:pPr lvl="1">
+              <a:lnSpc>
+                <a:spcPct val="120000"/>
+              </a:lnSpc>
+              <a:spcAft>
+                <a:spcPts val="600"/>
+              </a:spcAft>
+              <a:buSzPts val="1000"/>
+              <a:buFont typeface="Wingdings" panose="05000000000000000000" pitchFamily="2" charset="2"/>
+              <a:buChar char="q"/>
+              <a:tabLst>
+                <a:tab pos="685800" algn="l"/>
+              </a:tabLst>
+            </a:pPr>
+            <a:r>
+              <a:rPr lang="en-US" sz="1500" dirty="0">
+                <a:latin typeface="Calibri" panose="020F0502020204030204" pitchFamily="34" charset="0"/>
+                <a:ea typeface="Calibri" panose="020F0502020204030204" pitchFamily="34" charset="0"/>
+                <a:cs typeface="Times New Roman" panose="02020603050405020304" pitchFamily="18" charset="0"/>
+              </a:rPr>
+              <a:t>describe use cases for Hyper-V Replica and ASR</a:t>
+            </a:r>
+          </a:p>
+          <a:p>
+            <a:pPr marL="0" indent="0">
+              <a:lnSpc>
+                <a:spcPct val="107000"/>
+              </a:lnSpc>
+              <a:buSzPts val="1000"/>
+              <a:buNone/>
+              <a:tabLst>
+                <a:tab pos="228600" algn="l"/>
+              </a:tabLst>
+            </a:pPr>
+            <a:r>
+              <a:rPr lang="en-US" sz="2200" b="1" dirty="0">
+                <a:latin typeface="Calibri" panose="020F0502020204030204" pitchFamily="34" charset="0"/>
+                <a:ea typeface="Calibri" panose="020F0502020204030204" pitchFamily="34" charset="0"/>
+                <a:cs typeface="Times New Roman" panose="02020603050405020304" pitchFamily="18" charset="0"/>
+              </a:rPr>
+              <a:t>4. Design a disaster recovery strategy {Dan}</a:t>
+            </a:r>
+          </a:p>
+          <a:p>
+            <a:pPr lvl="1">
+              <a:lnSpc>
+                <a:spcPct val="120000"/>
+              </a:lnSpc>
+              <a:spcAft>
+                <a:spcPts val="600"/>
+              </a:spcAft>
+              <a:buSzPts val="1000"/>
+              <a:buFont typeface="Wingdings" panose="05000000000000000000" pitchFamily="2" charset="2"/>
+              <a:buChar char="q"/>
+              <a:tabLst>
+                <a:tab pos="685800" algn="l"/>
+              </a:tabLst>
+            </a:pPr>
+            <a:r>
+              <a:rPr lang="en-US" sz="1500" dirty="0">
+                <a:latin typeface="Calibri" panose="020F0502020204030204" pitchFamily="34" charset="0"/>
+                <a:ea typeface="Calibri" panose="020F0502020204030204" pitchFamily="34" charset="0"/>
+                <a:cs typeface="Times New Roman" panose="02020603050405020304" pitchFamily="18" charset="0"/>
+              </a:rPr>
+              <a:t>Design and deploy Azure Backup and other Microsoft backup solutions for Azure </a:t>
+            </a:r>
+          </a:p>
+          <a:p>
+            <a:pPr lvl="1">
+              <a:lnSpc>
+                <a:spcPct val="120000"/>
+              </a:lnSpc>
+              <a:spcAft>
+                <a:spcPts val="600"/>
+              </a:spcAft>
+              <a:buSzPts val="1000"/>
+              <a:buFont typeface="Wingdings" panose="05000000000000000000" pitchFamily="2" charset="2"/>
+              <a:buChar char="q"/>
+              <a:tabLst>
+                <a:tab pos="685800" algn="l"/>
+              </a:tabLst>
+            </a:pPr>
+            <a:r>
+              <a:rPr lang="en-US" sz="1500" dirty="0">
+                <a:latin typeface="Calibri" panose="020F0502020204030204" pitchFamily="34" charset="0"/>
+                <a:ea typeface="Calibri" panose="020F0502020204030204" pitchFamily="34" charset="0"/>
+                <a:cs typeface="Times New Roman" panose="02020603050405020304" pitchFamily="18" charset="0"/>
+              </a:rPr>
+              <a:t>leverage use cases when StorSimple and System Center Data Protection Manager would be appropriate</a:t>
+            </a:r>
+          </a:p>
+          <a:p>
+            <a:pPr lvl="1">
+              <a:lnSpc>
+                <a:spcPct val="120000"/>
+              </a:lnSpc>
+              <a:spcAft>
+                <a:spcPts val="600"/>
+              </a:spcAft>
+              <a:buSzPts val="1000"/>
+              <a:buFont typeface="Wingdings" panose="05000000000000000000" pitchFamily="2" charset="2"/>
+              <a:buChar char="q"/>
+              <a:tabLst>
+                <a:tab pos="685800" algn="l"/>
+              </a:tabLst>
+            </a:pPr>
+            <a:r>
+              <a:rPr lang="en-US" sz="1500" dirty="0">
+                <a:latin typeface="Calibri" panose="020F0502020204030204" pitchFamily="34" charset="0"/>
+                <a:ea typeface="Calibri" panose="020F0502020204030204" pitchFamily="34" charset="0"/>
+                <a:cs typeface="Times New Roman" panose="02020603050405020304" pitchFamily="18" charset="0"/>
+              </a:rPr>
+              <a:t>design and deploy Azure Site recovery</a:t>
+            </a:r>
+          </a:p>
+          <a:p>
+            <a:pPr marL="0" indent="0">
+              <a:lnSpc>
+                <a:spcPct val="97000"/>
+              </a:lnSpc>
+              <a:buSzPts val="1000"/>
+              <a:buNone/>
+              <a:tabLst>
+                <a:tab pos="228600" algn="l"/>
+              </a:tabLst>
+            </a:pPr>
+            <a:r>
+              <a:rPr lang="en-US" sz="2400" b="1" dirty="0">
+                <a:latin typeface="Calibri" panose="020F0502020204030204" pitchFamily="34" charset="0"/>
+                <a:ea typeface="Calibri" panose="020F0502020204030204" pitchFamily="34" charset="0"/>
+                <a:cs typeface="Times New Roman" panose="02020603050405020304" pitchFamily="18" charset="0"/>
+              </a:rPr>
+              <a:t>5. Describe the use cases for Azure Automation configuration {Dan}</a:t>
+            </a:r>
+          </a:p>
+          <a:p>
+            <a:pPr lvl="1">
+              <a:lnSpc>
+                <a:spcPct val="120000"/>
+              </a:lnSpc>
+              <a:spcAft>
+                <a:spcPts val="600"/>
+              </a:spcAft>
+              <a:buSzPts val="1000"/>
+              <a:buFont typeface="Wingdings" panose="05000000000000000000" pitchFamily="2" charset="2"/>
+              <a:buChar char="q"/>
+              <a:tabLst>
+                <a:tab pos="685800" algn="l"/>
+              </a:tabLst>
+            </a:pPr>
+            <a:r>
+              <a:rPr lang="en-US" sz="1500" dirty="0">
+                <a:latin typeface="Calibri" panose="020F0502020204030204" pitchFamily="34" charset="0"/>
+                <a:ea typeface="Calibri" panose="020F0502020204030204" pitchFamily="34" charset="0"/>
+                <a:cs typeface="Times New Roman" panose="02020603050405020304" pitchFamily="18" charset="0"/>
+              </a:rPr>
+              <a:t>Evaluate when to use Azure Automation, Chef, Puppet, PowerShell, or Desired State Configuration (DSC)</a:t>
+            </a:r>
+          </a:p>
+          <a:p>
+            <a:pPr marL="0" indent="0">
+              <a:lnSpc>
+                <a:spcPct val="107000"/>
+              </a:lnSpc>
+              <a:spcAft>
+                <a:spcPts val="600"/>
+              </a:spcAft>
+              <a:buSzPts val="1000"/>
+              <a:buNone/>
+              <a:tabLst>
+                <a:tab pos="685800" algn="l"/>
+              </a:tabLst>
+            </a:pPr>
+            <a:r>
+              <a:rPr lang="en-US" altLang="en-US" sz="1600" strike="sngStrike" dirty="0">
+                <a:solidFill>
+                  <a:schemeClr val="bg1">
+                    <a:lumMod val="65000"/>
+                  </a:schemeClr>
+                </a:solidFill>
+                <a:latin typeface="Arial" panose="020B0604020202020204" pitchFamily="34" charset="0"/>
+                <a:ea typeface="Microsoft YaHei" panose="020B0503020204020204" pitchFamily="34" charset="-122"/>
+                <a:cs typeface="Arial" panose="020B0604020202020204" pitchFamily="34" charset="0"/>
+              </a:rPr>
+              <a:t>Evaluate hybrid and Azure-hosted architectures for Microsoft System Center deployment</a:t>
             </a:r>
           </a:p>
         </p:txBody>
@@ -14515,7 +15387,7 @@
     </p:spTree>
     <p:extLst>
       <p:ext uri="{BB962C8B-B14F-4D97-AF65-F5344CB8AC3E}">
-        <p14:creationId xmlns:p14="http://schemas.microsoft.com/office/powerpoint/2010/main" val="956077287"/>
+        <p14:creationId xmlns:p14="http://schemas.microsoft.com/office/powerpoint/2010/main" val="3921898463"/>
       </p:ext>
     </p:extLst>
   </p:cSld>
@@ -14568,19 +15440,13 @@
                 <a:ea typeface="Times New Roman" panose="02020603050405020304" pitchFamily="18" charset="0"/>
                 <a:cs typeface="Times New Roman" panose="02020603050405020304" pitchFamily="18" charset="0"/>
               </a:rPr>
-              <a:t>#6 </a:t>
-            </a:r>
-            <a:r>
-              <a:rPr lang="en-US" dirty="0">
-                <a:solidFill>
-                  <a:srgbClr val="0000FF"/>
-                </a:solidFill>
-                <a:latin typeface="Times New Roman" panose="02020603050405020304" pitchFamily="18" charset="0"/>
-                <a:ea typeface="Times New Roman" panose="02020603050405020304" pitchFamily="18" charset="0"/>
-                <a:cs typeface="Times New Roman" panose="02020603050405020304" pitchFamily="18" charset="0"/>
+              <a:t>#7 </a:t>
+            </a:r>
+            <a:r>
+              <a:rPr lang="en-US" u="sng" dirty="0">
                 <a:hlinkClick r:id="rId2"/>
               </a:rPr>
-              <a:t>Design a management, monitoring, and business continuity strategy (20–25%)</a:t>
+              <a:t>Architect an Azure Compute infrastructure (10–15%)</a:t>
             </a:r>
             <a:endParaRPr lang="en-US" dirty="0"/>
           </a:p>
@@ -14604,14 +15470,17 @@
         </p:spPr>
         <p:txBody>
           <a:bodyPr>
-            <a:normAutofit fontScale="92500"/>
+            <a:normAutofit/>
           </a:bodyPr>
           <a:lstStyle/>
           <a:p>
-            <a:pPr marL="0" indent="0">
+            <a:pPr marL="0" lvl="1" indent="0">
               <a:lnSpc>
                 <a:spcPct val="107000"/>
               </a:lnSpc>
+              <a:spcBef>
+                <a:spcPts val="1000"/>
+              </a:spcBef>
               <a:buSzPts val="1000"/>
               <a:buNone/>
               <a:tabLst>
@@ -14624,7 +15493,7 @@
                 <a:ea typeface="Calibri" panose="020F0502020204030204" pitchFamily="34" charset="0"/>
                 <a:cs typeface="Times New Roman" panose="02020603050405020304" pitchFamily="18" charset="0"/>
               </a:rPr>
-              <a:t>1. Design a monitoring strategy {Ian}</a:t>
+              <a:t>Design ARM Virtual Machines (VMs) </a:t>
             </a:r>
           </a:p>
           <a:p>
@@ -14648,7 +15517,30 @@
                 <a:ea typeface="Calibri" panose="020F0502020204030204" pitchFamily="34" charset="0"/>
                 <a:cs typeface="Times New Roman" panose="02020603050405020304" pitchFamily="18" charset="0"/>
               </a:rPr>
-              <a:t>Identify the Microsoft products and services for monitoring Azure solutions</a:t>
+              <a:t>Design VM deployments leveraging availability sets, fault domains, and update domains in Azure; select appropriate VM SKUs</a:t>
+            </a:r>
+          </a:p>
+          <a:p>
+            <a:pPr marL="0" lvl="1" indent="0">
+              <a:lnSpc>
+                <a:spcPct val="107000"/>
+              </a:lnSpc>
+              <a:spcBef>
+                <a:spcPts val="1000"/>
+              </a:spcBef>
+              <a:buSzPts val="1000"/>
+              <a:buNone/>
+              <a:tabLst>
+                <a:tab pos="228600" algn="l"/>
+              </a:tabLst>
+            </a:pPr>
+            <a:r>
+              <a:rPr lang="en-US" sz="2200" b="1" dirty="0">
+                <a:latin typeface="Calibri" panose="020F0502020204030204" pitchFamily="34" charset="0"/>
+                <a:ea typeface="Calibri" panose="020F0502020204030204" pitchFamily="34" charset="0"/>
+                <a:cs typeface="Times New Roman" panose="02020603050405020304" pitchFamily="18" charset="0"/>
+              </a:rPr>
+              <a:t>Design ARM template deployment </a:t>
             </a:r>
           </a:p>
           <a:p>
@@ -14672,7 +15564,30 @@
                 <a:ea typeface="Calibri" panose="020F0502020204030204" pitchFamily="34" charset="0"/>
                 <a:cs typeface="Times New Roman" panose="02020603050405020304" pitchFamily="18" charset="0"/>
               </a:rPr>
-              <a:t>leverage the capabilities of Azure Operations Management Suite and Azure Application Insights for monitoring Azure solutions</a:t>
+              <a:t>Author ARM templates; deploy ARM templates via the portal, PowerShell, and CL</a:t>
+            </a:r>
+          </a:p>
+          <a:p>
+            <a:pPr marL="0" lvl="1" indent="0">
+              <a:lnSpc>
+                <a:spcPct val="107000"/>
+              </a:lnSpc>
+              <a:spcBef>
+                <a:spcPts val="1000"/>
+              </a:spcBef>
+              <a:buSzPts val="1000"/>
+              <a:buNone/>
+              <a:tabLst>
+                <a:tab pos="228600" algn="l"/>
+              </a:tabLst>
+            </a:pPr>
+            <a:r>
+              <a:rPr lang="en-US" sz="2200" b="1" dirty="0">
+                <a:latin typeface="Calibri" panose="020F0502020204030204" pitchFamily="34" charset="0"/>
+                <a:ea typeface="Calibri" panose="020F0502020204030204" pitchFamily="34" charset="0"/>
+                <a:cs typeface="Times New Roman" panose="02020603050405020304" pitchFamily="18" charset="0"/>
+              </a:rPr>
+              <a:t>Design for availability </a:t>
             </a:r>
           </a:p>
           <a:p>
@@ -14696,123 +15611,7 @@
                 <a:ea typeface="Calibri" panose="020F0502020204030204" pitchFamily="34" charset="0"/>
                 <a:cs typeface="Times New Roman" panose="02020603050405020304" pitchFamily="18" charset="0"/>
               </a:rPr>
-              <a:t>leverage built-in Azure capabilities </a:t>
-            </a:r>
-          </a:p>
-          <a:p>
-            <a:pPr lvl="1">
-              <a:lnSpc>
-                <a:spcPct val="120000"/>
-              </a:lnSpc>
-              <a:spcAft>
-                <a:spcPts val="600"/>
-              </a:spcAft>
-              <a:buSzPts val="1000"/>
-              <a:buFont typeface="Wingdings" panose="05000000000000000000" pitchFamily="2" charset="2"/>
-              <a:buChar char="q"/>
-              <a:tabLst>
-                <a:tab pos="685800" algn="l"/>
-              </a:tabLst>
-            </a:pPr>
-            <a:r>
-              <a:rPr lang="en-US" sz="1500" dirty="0">
-                <a:latin typeface="Calibri" panose="020F0502020204030204" pitchFamily="34" charset="0"/>
-                <a:ea typeface="Calibri" panose="020F0502020204030204" pitchFamily="34" charset="0"/>
-                <a:cs typeface="Times New Roman" panose="02020603050405020304" pitchFamily="18" charset="0"/>
-              </a:rPr>
-              <a:t>identify third-party monitoring tools, including open source</a:t>
-            </a:r>
-          </a:p>
-          <a:p>
-            <a:pPr lvl="1">
-              <a:lnSpc>
-                <a:spcPct val="120000"/>
-              </a:lnSpc>
-              <a:spcAft>
-                <a:spcPts val="600"/>
-              </a:spcAft>
-              <a:buSzPts val="1000"/>
-              <a:buFont typeface="Wingdings" panose="05000000000000000000" pitchFamily="2" charset="2"/>
-              <a:buChar char="q"/>
-              <a:tabLst>
-                <a:tab pos="685800" algn="l"/>
-              </a:tabLst>
-            </a:pPr>
-            <a:r>
-              <a:rPr lang="en-US" sz="1500" dirty="0">
-                <a:latin typeface="Calibri" panose="020F0502020204030204" pitchFamily="34" charset="0"/>
-                <a:ea typeface="Calibri" panose="020F0502020204030204" pitchFamily="34" charset="0"/>
-                <a:cs typeface="Times New Roman" panose="02020603050405020304" pitchFamily="18" charset="0"/>
-              </a:rPr>
-              <a:t>describe Azure architecture constructs, such as availability sets and update domains, and how they impact a patching strategy </a:t>
-            </a:r>
-          </a:p>
-          <a:p>
-            <a:pPr lvl="1">
-              <a:lnSpc>
-                <a:spcPct val="120000"/>
-              </a:lnSpc>
-              <a:spcAft>
-                <a:spcPts val="600"/>
-              </a:spcAft>
-              <a:buSzPts val="1000"/>
-              <a:buFont typeface="Wingdings" panose="05000000000000000000" pitchFamily="2" charset="2"/>
-              <a:buChar char="q"/>
-              <a:tabLst>
-                <a:tab pos="685800" algn="l"/>
-              </a:tabLst>
-            </a:pPr>
-            <a:r>
-              <a:rPr lang="en-US" sz="1500" dirty="0">
-                <a:latin typeface="Calibri" panose="020F0502020204030204" pitchFamily="34" charset="0"/>
-                <a:ea typeface="Calibri" panose="020F0502020204030204" pitchFamily="34" charset="0"/>
-                <a:cs typeface="Times New Roman" panose="02020603050405020304" pitchFamily="18" charset="0"/>
-              </a:rPr>
-              <a:t>analyze logs by using the Azure Operations Management Suite </a:t>
-            </a:r>
-          </a:p>
-          <a:p>
-            <a:pPr marL="0" indent="0">
-              <a:lnSpc>
-                <a:spcPct val="97000"/>
-              </a:lnSpc>
-              <a:buSzPts val="1000"/>
-              <a:buNone/>
-              <a:tabLst>
-                <a:tab pos="228600" algn="l"/>
-              </a:tabLst>
-            </a:pPr>
-            <a:r>
-              <a:rPr lang="en-US" sz="2400" b="1" dirty="0">
-                <a:latin typeface="Calibri" panose="020F0502020204030204" pitchFamily="34" charset="0"/>
-                <a:ea typeface="Calibri" panose="020F0502020204030204" pitchFamily="34" charset="0"/>
-                <a:cs typeface="Times New Roman" panose="02020603050405020304" pitchFamily="18" charset="0"/>
-              </a:rPr>
-              <a:t>2. Design Azure Automation and PowerShell workflows {Ian}</a:t>
-            </a:r>
-          </a:p>
-          <a:p>
-            <a:pPr lvl="1">
-              <a:lnSpc>
-                <a:spcPct val="120000"/>
-              </a:lnSpc>
-              <a:spcAft>
-                <a:spcPts val="600"/>
-              </a:spcAft>
-              <a:buSzPts val="1000"/>
-              <a:buFont typeface="Wingdings" panose="05000000000000000000" pitchFamily="2" charset="2"/>
-              <a:buChar char="q"/>
-              <a:tabLst>
-                <a:tab pos="685800" algn="l"/>
-              </a:tabLst>
-            </a:pPr>
-            <a:r>
-              <a:rPr lang="en-US" sz="1500" dirty="0">
-                <a:latin typeface="Calibri" panose="020F0502020204030204" pitchFamily="34" charset="0"/>
-                <a:ea typeface="Calibri" panose="020F0502020204030204" pitchFamily="34" charset="0"/>
-                <a:cs typeface="Times New Roman" panose="02020603050405020304" pitchFamily="18" charset="0"/>
-              </a:rPr>
-              <a:t>Create a PowerShell script specific to Azure, automate tasks by using the Azure Operations Management Suite</a:t>
+              <a:t>Implement regional availability and high availability for Azure deployments</a:t>
             </a:r>
           </a:p>
         </p:txBody>
@@ -14835,7 +15634,7 @@
         </p:spPr>
         <p:txBody>
           <a:bodyPr>
-            <a:normAutofit fontScale="77500" lnSpcReduction="20000"/>
+            <a:normAutofit/>
           </a:bodyPr>
           <a:lstStyle/>
           <a:p>
@@ -14849,257 +15648,23 @@
                 <a:tab pos="228600" algn="l"/>
               </a:tabLst>
             </a:pPr>
-            <a:r>
-              <a:rPr lang="en-US" sz="2200" b="1" dirty="0">
-                <a:latin typeface="Calibri" panose="020F0502020204030204" pitchFamily="34" charset="0"/>
-                <a:ea typeface="Calibri" panose="020F0502020204030204" pitchFamily="34" charset="0"/>
-                <a:cs typeface="Times New Roman" panose="02020603050405020304" pitchFamily="18" charset="0"/>
-              </a:rPr>
-              <a:t>3. Describe Azure business continuity/disaster recovery (BC/DR) capabilities {Dan}</a:t>
-            </a:r>
-          </a:p>
-          <a:p>
-            <a:pPr lvl="1">
-              <a:lnSpc>
-                <a:spcPct val="120000"/>
-              </a:lnSpc>
-              <a:spcAft>
-                <a:spcPts val="600"/>
-              </a:spcAft>
-              <a:buSzPts val="1000"/>
-              <a:buFont typeface="Wingdings" panose="05000000000000000000" pitchFamily="2" charset="2"/>
-              <a:buChar char="q"/>
-              <a:tabLst>
-                <a:tab pos="685800" algn="l"/>
-              </a:tabLst>
-            </a:pPr>
-            <a:r>
-              <a:rPr lang="en-US" sz="1500" dirty="0">
-                <a:latin typeface="Calibri" panose="020F0502020204030204" pitchFamily="34" charset="0"/>
-                <a:ea typeface="Calibri" panose="020F0502020204030204" pitchFamily="34" charset="0"/>
-                <a:cs typeface="Times New Roman" panose="02020603050405020304" pitchFamily="18" charset="0"/>
-              </a:rPr>
-              <a:t>Leverage the architectural capabilities of BC/DR</a:t>
-            </a:r>
-          </a:p>
-          <a:p>
-            <a:pPr lvl="1">
-              <a:lnSpc>
-                <a:spcPct val="120000"/>
-              </a:lnSpc>
-              <a:spcAft>
-                <a:spcPts val="600"/>
-              </a:spcAft>
-              <a:buSzPts val="1000"/>
-              <a:buFont typeface="Wingdings" panose="05000000000000000000" pitchFamily="2" charset="2"/>
-              <a:buChar char="q"/>
-              <a:tabLst>
-                <a:tab pos="685800" algn="l"/>
-              </a:tabLst>
-            </a:pPr>
-            <a:r>
-              <a:rPr lang="en-US" sz="1500" dirty="0">
-                <a:latin typeface="Calibri" panose="020F0502020204030204" pitchFamily="34" charset="0"/>
-                <a:ea typeface="Calibri" panose="020F0502020204030204" pitchFamily="34" charset="0"/>
-                <a:cs typeface="Times New Roman" panose="02020603050405020304" pitchFamily="18" charset="0"/>
-              </a:rPr>
-              <a:t>describe Hyper-V Replica and Azure Site Recovery (ASR)</a:t>
-            </a:r>
-          </a:p>
-          <a:p>
-            <a:pPr lvl="1">
-              <a:lnSpc>
-                <a:spcPct val="120000"/>
-              </a:lnSpc>
-              <a:spcAft>
-                <a:spcPts val="600"/>
-              </a:spcAft>
-              <a:buSzPts val="1000"/>
-              <a:buFont typeface="Wingdings" panose="05000000000000000000" pitchFamily="2" charset="2"/>
-              <a:buChar char="q"/>
-              <a:tabLst>
-                <a:tab pos="685800" algn="l"/>
-              </a:tabLst>
-            </a:pPr>
-            <a:r>
-              <a:rPr lang="en-US" sz="1500" dirty="0">
-                <a:latin typeface="Calibri" panose="020F0502020204030204" pitchFamily="34" charset="0"/>
-                <a:ea typeface="Calibri" panose="020F0502020204030204" pitchFamily="34" charset="0"/>
-                <a:cs typeface="Times New Roman" panose="02020603050405020304" pitchFamily="18" charset="0"/>
-              </a:rPr>
-              <a:t>describe use cases for Hyper-V Replica and ASR</a:t>
-            </a:r>
-          </a:p>
-          <a:p>
-            <a:pPr marL="0" indent="0">
-              <a:lnSpc>
-                <a:spcPct val="107000"/>
-              </a:lnSpc>
-              <a:buSzPts val="1000"/>
-              <a:buNone/>
-              <a:tabLst>
-                <a:tab pos="228600" algn="l"/>
-              </a:tabLst>
-            </a:pPr>
-            <a:r>
-              <a:rPr lang="en-US" sz="2200" b="1" dirty="0">
-                <a:latin typeface="Calibri" panose="020F0502020204030204" pitchFamily="34" charset="0"/>
-                <a:ea typeface="Calibri" panose="020F0502020204030204" pitchFamily="34" charset="0"/>
-                <a:cs typeface="Times New Roman" panose="02020603050405020304" pitchFamily="18" charset="0"/>
-              </a:rPr>
-              <a:t>4. Design a disaster recovery strategy {Dan}</a:t>
-            </a:r>
-          </a:p>
-          <a:p>
-            <a:pPr lvl="1">
-              <a:lnSpc>
-                <a:spcPct val="120000"/>
-              </a:lnSpc>
-              <a:spcAft>
-                <a:spcPts val="600"/>
-              </a:spcAft>
-              <a:buSzPts val="1000"/>
-              <a:buFont typeface="Wingdings" panose="05000000000000000000" pitchFamily="2" charset="2"/>
-              <a:buChar char="q"/>
-              <a:tabLst>
-                <a:tab pos="685800" algn="l"/>
-              </a:tabLst>
-            </a:pPr>
-            <a:r>
-              <a:rPr lang="en-US" sz="1500" dirty="0">
-                <a:latin typeface="Calibri" panose="020F0502020204030204" pitchFamily="34" charset="0"/>
-                <a:ea typeface="Calibri" panose="020F0502020204030204" pitchFamily="34" charset="0"/>
-                <a:cs typeface="Times New Roman" panose="02020603050405020304" pitchFamily="18" charset="0"/>
-              </a:rPr>
-              <a:t>Design and deploy Azure Backup and other Microsoft backup solutions for Azure </a:t>
-            </a:r>
-          </a:p>
-          <a:p>
-            <a:pPr lvl="1">
-              <a:lnSpc>
-                <a:spcPct val="120000"/>
-              </a:lnSpc>
-              <a:spcAft>
-                <a:spcPts val="600"/>
-              </a:spcAft>
-              <a:buSzPts val="1000"/>
-              <a:buFont typeface="Wingdings" panose="05000000000000000000" pitchFamily="2" charset="2"/>
-              <a:buChar char="q"/>
-              <a:tabLst>
-                <a:tab pos="685800" algn="l"/>
-              </a:tabLst>
-            </a:pPr>
-            <a:r>
-              <a:rPr lang="en-US" sz="1500" dirty="0">
-                <a:latin typeface="Calibri" panose="020F0502020204030204" pitchFamily="34" charset="0"/>
-                <a:ea typeface="Calibri" panose="020F0502020204030204" pitchFamily="34" charset="0"/>
-                <a:cs typeface="Times New Roman" panose="02020603050405020304" pitchFamily="18" charset="0"/>
-              </a:rPr>
-              <a:t>leverage use cases when StorSimple and System Center Data Protection Manager would be appropriate</a:t>
-            </a:r>
-          </a:p>
-          <a:p>
-            <a:pPr lvl="1">
-              <a:lnSpc>
-                <a:spcPct val="120000"/>
-              </a:lnSpc>
-              <a:spcAft>
-                <a:spcPts val="600"/>
-              </a:spcAft>
-              <a:buSzPts val="1000"/>
-              <a:buFont typeface="Wingdings" panose="05000000000000000000" pitchFamily="2" charset="2"/>
-              <a:buChar char="q"/>
-              <a:tabLst>
-                <a:tab pos="685800" algn="l"/>
-              </a:tabLst>
-            </a:pPr>
-            <a:r>
-              <a:rPr lang="en-US" sz="1500" dirty="0">
-                <a:latin typeface="Calibri" panose="020F0502020204030204" pitchFamily="34" charset="0"/>
-                <a:ea typeface="Calibri" panose="020F0502020204030204" pitchFamily="34" charset="0"/>
-                <a:cs typeface="Times New Roman" panose="02020603050405020304" pitchFamily="18" charset="0"/>
-              </a:rPr>
-              <a:t>design and deploy Azure Site recovery</a:t>
-            </a:r>
-          </a:p>
-          <a:p>
-            <a:pPr marL="0" indent="0">
-              <a:lnSpc>
-                <a:spcPct val="97000"/>
-              </a:lnSpc>
-              <a:buSzPts val="1000"/>
-              <a:buNone/>
-              <a:tabLst>
-                <a:tab pos="228600" algn="l"/>
-              </a:tabLst>
-            </a:pPr>
-            <a:r>
-              <a:rPr lang="en-US" sz="2400" b="1" dirty="0">
-                <a:latin typeface="Calibri" panose="020F0502020204030204" pitchFamily="34" charset="0"/>
-                <a:ea typeface="Calibri" panose="020F0502020204030204" pitchFamily="34" charset="0"/>
-                <a:cs typeface="Times New Roman" panose="02020603050405020304" pitchFamily="18" charset="0"/>
-              </a:rPr>
-              <a:t>5. Describe the use cases for Azure Automation configuration {Dan}</a:t>
-            </a:r>
-          </a:p>
-          <a:p>
-            <a:pPr lvl="1">
-              <a:lnSpc>
-                <a:spcPct val="120000"/>
-              </a:lnSpc>
-              <a:spcAft>
-                <a:spcPts val="600"/>
-              </a:spcAft>
-              <a:buSzPts val="1000"/>
-              <a:buFont typeface="Wingdings" panose="05000000000000000000" pitchFamily="2" charset="2"/>
-              <a:buChar char="q"/>
-              <a:tabLst>
-                <a:tab pos="685800" algn="l"/>
-              </a:tabLst>
-            </a:pPr>
-            <a:r>
-              <a:rPr lang="en-US" sz="1500" dirty="0">
-                <a:latin typeface="Calibri" panose="020F0502020204030204" pitchFamily="34" charset="0"/>
-                <a:ea typeface="Calibri" panose="020F0502020204030204" pitchFamily="34" charset="0"/>
-                <a:cs typeface="Times New Roman" panose="02020603050405020304" pitchFamily="18" charset="0"/>
-              </a:rPr>
-              <a:t>Evaluate when to use Azure Automation, Chef, Puppet, PowerShell, or Desired State Configuration (DSC)</a:t>
-            </a:r>
-          </a:p>
-          <a:p>
-            <a:pPr marL="0" indent="0">
-              <a:lnSpc>
-                <a:spcPct val="107000"/>
-              </a:lnSpc>
-              <a:spcAft>
-                <a:spcPts val="600"/>
-              </a:spcAft>
-              <a:buSzPts val="1000"/>
-              <a:buNone/>
-              <a:tabLst>
-                <a:tab pos="685800" algn="l"/>
-              </a:tabLst>
-            </a:pPr>
-            <a:r>
-              <a:rPr lang="en-US" altLang="en-US" sz="1600" strike="sngStrike" dirty="0">
-                <a:solidFill>
-                  <a:schemeClr val="bg1">
-                    <a:lumMod val="65000"/>
-                  </a:schemeClr>
-                </a:solidFill>
-                <a:latin typeface="Arial" panose="020B0604020202020204" pitchFamily="34" charset="0"/>
-                <a:ea typeface="Microsoft YaHei" panose="020B0503020204020204" pitchFamily="34" charset="-122"/>
-                <a:cs typeface="Arial" panose="020B0604020202020204" pitchFamily="34" charset="0"/>
-              </a:rPr>
-              <a:t>Evaluate hybrid and Azure-hosted architectures for Microsoft System Center deployment</a:t>
-            </a:r>
+            <a:endParaRPr lang="en-US" altLang="en-US" sz="1600" strike="sngStrike" dirty="0">
+              <a:solidFill>
+                <a:schemeClr val="bg1">
+                  <a:lumMod val="65000"/>
+                </a:schemeClr>
+              </a:solidFill>
+              <a:latin typeface="Arial" panose="020B0604020202020204" pitchFamily="34" charset="0"/>
+              <a:ea typeface="Microsoft YaHei" panose="020B0503020204020204" pitchFamily="34" charset="-122"/>
+              <a:cs typeface="Arial" panose="020B0604020202020204" pitchFamily="34" charset="0"/>
+            </a:endParaRPr>
           </a:p>
         </p:txBody>
       </p:sp>
     </p:spTree>
     <p:extLst>
       <p:ext uri="{BB962C8B-B14F-4D97-AF65-F5344CB8AC3E}">
-        <p14:creationId xmlns:p14="http://schemas.microsoft.com/office/powerpoint/2010/main" val="3921898463"/>
+        <p14:creationId xmlns:p14="http://schemas.microsoft.com/office/powerpoint/2010/main" val="1547950077"/>
       </p:ext>
     </p:extLst>
   </p:cSld>
@@ -15364,7 +15929,7 @@
   <a:extraClrSchemeLst/>
   <a:extLst>
     <a:ext uri="{05A4C25C-085E-4340-85A3-A5531E510DB2}">
-      <thm15:themeFamily xmlns:thm15="http://schemas.microsoft.com/office/thememl/2012/main" name="70-534-Template.pptx" id="{439206FD-A113-4BE5-B431-40BDFE9319ED}" vid="{A4FDB642-FD3F-4B16-9ABC-ADFB44A81F3B}"/>
+      <thm15:themeFamily xmlns:thm15="http://schemas.microsoft.com/office/thememl/2012/main" name="70-534-Template.pptx" id="{579BE080-85FA-46B1-A707-23A80C39764F}" vid="{1B0A586F-B624-4E78-8ACA-025DEC3AA0B0}"/>
     </a:ext>
   </a:extLst>
 </a:theme>

--- a/Presentations/70-534-Template.pptx
+++ b/Presentations/70-534-Template.pptx
@@ -124,10 +124,6 @@
     </p:ext>
   </p:extLst>
 </p:presentation>
-</file>
-
-<file path=ppt/revisionInfo.xml><?xml version="1.0" encoding="utf-8"?>
-<p1510:revInfo xmlns:a="http://schemas.openxmlformats.org/drawingml/2006/main" xmlns:r="http://schemas.openxmlformats.org/officeDocument/2006/relationships" xmlns:p1510="http://schemas.microsoft.com/office/powerpoint/2015/10/main"/>
 </file>
 
 <file path=ppt/diagrams/colors1.xml><?xml version="1.0" encoding="utf-8"?>
@@ -3879,7 +3875,7 @@
           <a:p>
             <a:fld id="{20BFA10A-2189-4747-94AC-E60B434EC1C1}" type="datetimeFigureOut">
               <a:rPr lang="en-US" smtClean="0"/>
-              <a:t>6/10/2017</a:t>
+              <a:t>6/11/2017</a:t>
             </a:fld>
             <a:endParaRPr lang="en-US"/>
           </a:p>
@@ -4450,7 +4446,7 @@
                 <a:tabLst/>
                 <a:defRPr/>
               </a:pPr>
-              <a:t>6/10/2017</a:t>
+              <a:t>6/11/2017</a:t>
             </a:fld>
             <a:endParaRPr kumimoji="0" lang="en-US" sz="1200" b="0" i="0" u="none" strike="noStrike" kern="1200" cap="none" spc="0" normalizeH="0" baseline="0" noProof="0" dirty="0">
               <a:ln>
@@ -4566,7 +4562,7 @@
 </file>
 
 <file path=ppt/slideLayouts/slideLayout1.xml><?xml version="1.0" encoding="utf-8"?>
-<p:sldLayout xmlns:a="http://schemas.openxmlformats.org/drawingml/2006/main" xmlns:r="http://schemas.openxmlformats.org/officeDocument/2006/relationships" xmlns:p="http://schemas.openxmlformats.org/presentationml/2006/main" type="obj" preserve="1">
+<p:sldLayout xmlns:a="http://schemas.openxmlformats.org/drawingml/2006/main" xmlns:r="http://schemas.openxmlformats.org/officeDocument/2006/relationships" xmlns:p="http://schemas.openxmlformats.org/presentationml/2006/main" preserve="1" userDrawn="1">
   <p:cSld name="Lab">
     <p:bg>
       <p:bgPr>
@@ -4675,7 +4671,7 @@
             <a:pPr lvl="0"/>
             <a:r>
               <a:rPr lang="en-US" dirty="0"/>
-              <a:t>Click to edit Master text styles</a:t>
+              <a:t>Click to edit Master text</a:t>
             </a:r>
           </a:p>
           <a:p>
@@ -4744,61 +4740,152 @@
       </p:sp>
       <p:sp>
         <p:nvSpPr>
-          <p:cNvPr id="9" name="Title 1">
+          <p:cNvPr id="6" name="TextBox 5">
             <a:extLst>
               <a:ext uri="{FF2B5EF4-FFF2-40B4-BE49-F238E27FC236}">
-                <a16:creationId xmlns:a16="http://schemas.microsoft.com/office/drawing/2014/main" id="{C610877B-30C7-48C5-8BDA-CA0DB0C7F805}"/>
+                <a16:creationId xmlns:a16="http://schemas.microsoft.com/office/drawing/2014/main" id="{2DFD4B7A-BDF0-4AB3-85B3-B66838F8DF47}"/>
               </a:ext>
             </a:extLst>
           </p:cNvPr>
-          <p:cNvSpPr txBox="1">
-            <a:spLocks/>
-          </p:cNvSpPr>
+          <p:cNvSpPr txBox="1"/>
           <p:nvPr userDrawn="1"/>
         </p:nvSpPr>
         <p:spPr>
           <a:xfrm>
-            <a:off x="201591" y="6219371"/>
-            <a:ext cx="11778205" cy="587829"/>
+            <a:off x="9315938" y="5823048"/>
+            <a:ext cx="2782277" cy="369332"/>
           </a:xfrm>
           <a:prstGeom prst="rect">
             <a:avLst/>
           </a:prstGeom>
+          <a:noFill/>
+        </p:spPr>
+        <p:txBody>
+          <a:bodyPr wrap="square" rtlCol="0">
+            <a:spAutoFit/>
+          </a:bodyPr>
+          <a:lstStyle/>
+          <a:p>
+            <a:r>
+              <a:rPr lang="en-US" sz="1000" dirty="0"/>
+              <a:t>Socialize: </a:t>
+            </a:r>
+            <a:r>
+              <a:rPr lang="en-US" dirty="0"/>
+              <a:t>#70-534 @ITProGuru</a:t>
+            </a:r>
+          </a:p>
+        </p:txBody>
+      </p:sp>
+      <p:sp>
+        <p:nvSpPr>
+          <p:cNvPr id="5" name="Text Placeholder 4">
+            <a:extLst>
+              <a:ext uri="{FF2B5EF4-FFF2-40B4-BE49-F238E27FC236}">
+                <a16:creationId xmlns:a16="http://schemas.microsoft.com/office/drawing/2014/main" id="{A77509F3-A06B-4F9A-B875-C7550AA0D853}"/>
+              </a:ext>
+            </a:extLst>
+          </p:cNvPr>
+          <p:cNvSpPr>
+            <a:spLocks noGrp="1"/>
+          </p:cNvSpPr>
+          <p:nvPr>
+            <p:ph type="body" sz="quarter" idx="10" hasCustomPrompt="1"/>
+          </p:nvPr>
+        </p:nvSpPr>
+        <p:spPr>
+          <a:xfrm>
+            <a:off x="211138" y="6206895"/>
+            <a:ext cx="11768137" cy="603708"/>
+          </a:xfrm>
           <a:solidFill>
-            <a:schemeClr val="bg1"/>
+            <a:srgbClr val="FFF2CC"/>
           </a:solidFill>
         </p:spPr>
         <p:txBody>
-          <a:bodyPr vert="horz" lIns="91440" tIns="45720" rIns="91440" bIns="45720" rtlCol="0" anchor="ctr">
+          <a:bodyPr>
             <a:noAutofit/>
           </a:bodyPr>
           <a:lstStyle>
-            <a:lvl1pPr algn="l" defTabSz="914400" rtl="0" eaLnBrk="1" latinLnBrk="0" hangingPunct="1">
-              <a:lnSpc>
-                <a:spcPct val="90000"/>
-              </a:lnSpc>
-              <a:spcBef>
-                <a:spcPct val="0"/>
-              </a:spcBef>
-              <a:buNone/>
-              <a:defRPr sz="4400" kern="1200">
-                <a:solidFill>
-                  <a:schemeClr val="tx1"/>
-                </a:solidFill>
-                <a:latin typeface="+mj-lt"/>
-                <a:ea typeface="+mj-ea"/>
-                <a:cs typeface="+mj-cs"/>
-              </a:defRPr>
-            </a:lvl1pPr>
-          </a:lstStyle>
-          <a:p>
-            <a:r>
-              <a:rPr lang="en-US" sz="2000" u="sng" dirty="0">
+            <a:lvl1pPr marL="0" indent="0">
+              <a:buFontTx/>
+              <a:buNone/>
+              <a:defRPr sz="1800" u="sng">
                 <a:solidFill>
                   <a:srgbClr val="0070C0"/>
                 </a:solidFill>
-              </a:rPr>
-              <a:t>Click to edit Lab URL</a:t>
+              </a:defRPr>
+            </a:lvl1pPr>
+            <a:lvl2pPr marL="457200" indent="0">
+              <a:buFontTx/>
+              <a:buNone/>
+              <a:defRPr sz="1800" u="sng">
+                <a:solidFill>
+                  <a:srgbClr val="0070C0"/>
+                </a:solidFill>
+              </a:defRPr>
+            </a:lvl2pPr>
+            <a:lvl3pPr marL="914400" indent="0">
+              <a:buFontTx/>
+              <a:buNone/>
+              <a:defRPr sz="1800" u="sng">
+                <a:solidFill>
+                  <a:srgbClr val="0070C0"/>
+                </a:solidFill>
+              </a:defRPr>
+            </a:lvl3pPr>
+            <a:lvl4pPr marL="1371600" indent="0">
+              <a:buFontTx/>
+              <a:buNone/>
+              <a:defRPr sz="1800" u="sng">
+                <a:solidFill>
+                  <a:srgbClr val="0070C0"/>
+                </a:solidFill>
+              </a:defRPr>
+            </a:lvl4pPr>
+            <a:lvl5pPr marL="1828800" indent="0">
+              <a:buFontTx/>
+              <a:buNone/>
+              <a:defRPr sz="1800" u="sng">
+                <a:solidFill>
+                  <a:srgbClr val="0070C0"/>
+                </a:solidFill>
+              </a:defRPr>
+            </a:lvl5pPr>
+          </a:lstStyle>
+          <a:p>
+            <a:pPr lvl="0"/>
+            <a:r>
+              <a:rPr lang="en-US" dirty="0"/>
+              <a:t>Edit Lab URL</a:t>
+            </a:r>
+          </a:p>
+          <a:p>
+            <a:pPr lvl="1"/>
+            <a:r>
+              <a:rPr lang="en-US" dirty="0"/>
+              <a:t>Second level</a:t>
+            </a:r>
+          </a:p>
+          <a:p>
+            <a:pPr lvl="2"/>
+            <a:r>
+              <a:rPr lang="en-US" dirty="0"/>
+              <a:t>Third level</a:t>
+            </a:r>
+          </a:p>
+          <a:p>
+            <a:pPr lvl="3"/>
+            <a:r>
+              <a:rPr lang="en-US" dirty="0"/>
+              <a:t>Fourth level</a:t>
+            </a:r>
+          </a:p>
+          <a:p>
+            <a:pPr lvl="4"/>
+            <a:r>
+              <a:rPr lang="en-US" dirty="0"/>
+              <a:t>Fifth level</a:t>
             </a:r>
           </a:p>
         </p:txBody>
@@ -4974,71 +5061,6 @@
           </a:p>
         </p:txBody>
       </p:sp>
-      <p:sp>
-        <p:nvSpPr>
-          <p:cNvPr id="5" name="Date Placeholder 4"/>
-          <p:cNvSpPr>
-            <a:spLocks noGrp="1"/>
-          </p:cNvSpPr>
-          <p:nvPr>
-            <p:ph type="dt" sz="half" idx="10"/>
-          </p:nvPr>
-        </p:nvSpPr>
-        <p:spPr/>
-        <p:txBody>
-          <a:bodyPr/>
-          <a:lstStyle/>
-          <a:p>
-            <a:fld id="{C764DE79-268F-4C1A-8933-263129D2AF90}" type="datetimeFigureOut">
-              <a:rPr lang="en-US" dirty="0"/>
-              <a:t>6/10/2017</a:t>
-            </a:fld>
-            <a:endParaRPr lang="en-US" dirty="0"/>
-          </a:p>
-        </p:txBody>
-      </p:sp>
-      <p:sp>
-        <p:nvSpPr>
-          <p:cNvPr id="6" name="Footer Placeholder 5"/>
-          <p:cNvSpPr>
-            <a:spLocks noGrp="1"/>
-          </p:cNvSpPr>
-          <p:nvPr>
-            <p:ph type="ftr" sz="quarter" idx="11"/>
-          </p:nvPr>
-        </p:nvSpPr>
-        <p:spPr/>
-        <p:txBody>
-          <a:bodyPr/>
-          <a:lstStyle/>
-          <a:p>
-            <a:endParaRPr lang="en-US" dirty="0"/>
-          </a:p>
-        </p:txBody>
-      </p:sp>
-      <p:sp>
-        <p:nvSpPr>
-          <p:cNvPr id="7" name="Slide Number Placeholder 6"/>
-          <p:cNvSpPr>
-            <a:spLocks noGrp="1"/>
-          </p:cNvSpPr>
-          <p:nvPr>
-            <p:ph type="sldNum" sz="quarter" idx="12"/>
-          </p:nvPr>
-        </p:nvSpPr>
-        <p:spPr/>
-        <p:txBody>
-          <a:bodyPr/>
-          <a:lstStyle/>
-          <a:p>
-            <a:fld id="{48F63A3B-78C7-47BE-AE5E-E10140E04643}" type="slidenum">
-              <a:rPr lang="en-US" dirty="0"/>
-              <a:t>‹#›</a:t>
-            </a:fld>
-            <a:endParaRPr lang="en-US" dirty="0"/>
-          </a:p>
-        </p:txBody>
-      </p:sp>
     </p:spTree>
     <p:extLst>
       <p:ext uri="{BB962C8B-B14F-4D97-AF65-F5344CB8AC3E}">
@@ -5278,7 +5300,7 @@
           <a:p>
             <a:pPr lvl="0"/>
             <a:r>
-              <a:rPr lang="en-US"/>
+              <a:rPr lang="en-US" dirty="0"/>
               <a:t>Click to edit Master text styles</a:t>
             </a:r>
           </a:p>
@@ -5351,14 +5373,22 @@
             <p:ph type="dt" sz="half" idx="10"/>
           </p:nvPr>
         </p:nvSpPr>
-        <p:spPr/>
+        <p:spPr>
+          <a:xfrm>
+            <a:off x="838200" y="6356350"/>
+            <a:ext cx="2743200" cy="365125"/>
+          </a:xfrm>
+          <a:prstGeom prst="rect">
+            <a:avLst/>
+          </a:prstGeom>
+        </p:spPr>
         <p:txBody>
           <a:bodyPr/>
           <a:lstStyle/>
           <a:p>
             <a:fld id="{C764DE79-268F-4C1A-8933-263129D2AF90}" type="datetimeFigureOut">
               <a:rPr lang="en-US" dirty="0"/>
-              <a:t>6/10/2017</a:t>
+              <a:t>6/11/2017</a:t>
             </a:fld>
             <a:endParaRPr lang="en-US" dirty="0"/>
           </a:p>
@@ -5374,7 +5404,15 @@
             <p:ph type="ftr" sz="quarter" idx="11"/>
           </p:nvPr>
         </p:nvSpPr>
-        <p:spPr/>
+        <p:spPr>
+          <a:xfrm>
+            <a:off x="4038600" y="6356350"/>
+            <a:ext cx="4114800" cy="365125"/>
+          </a:xfrm>
+          <a:prstGeom prst="rect">
+            <a:avLst/>
+          </a:prstGeom>
+        </p:spPr>
         <p:txBody>
           <a:bodyPr/>
           <a:lstStyle/>
@@ -5393,7 +5431,15 @@
             <p:ph type="sldNum" sz="quarter" idx="12"/>
           </p:nvPr>
         </p:nvSpPr>
-        <p:spPr/>
+        <p:spPr>
+          <a:xfrm>
+            <a:off x="8610600" y="6356350"/>
+            <a:ext cx="689708" cy="365125"/>
+          </a:xfrm>
+          <a:prstGeom prst="rect">
+            <a:avLst/>
+          </a:prstGeom>
+        </p:spPr>
         <p:txBody>
           <a:bodyPr/>
           <a:lstStyle/>
@@ -5479,14 +5525,22 @@
             <p:ph type="dt" sz="half" idx="10"/>
           </p:nvPr>
         </p:nvSpPr>
-        <p:spPr/>
+        <p:spPr>
+          <a:xfrm>
+            <a:off x="838200" y="6356350"/>
+            <a:ext cx="2743200" cy="365125"/>
+          </a:xfrm>
+          <a:prstGeom prst="rect">
+            <a:avLst/>
+          </a:prstGeom>
+        </p:spPr>
         <p:txBody>
           <a:bodyPr/>
           <a:lstStyle/>
           <a:p>
             <a:fld id="{C764DE79-268F-4C1A-8933-263129D2AF90}" type="datetimeFigureOut">
               <a:rPr lang="en-US" dirty="0"/>
-              <a:t>6/10/2017</a:t>
+              <a:t>6/11/2017</a:t>
             </a:fld>
             <a:endParaRPr lang="en-US" dirty="0"/>
           </a:p>
@@ -5502,7 +5556,15 @@
             <p:ph type="ftr" sz="quarter" idx="11"/>
           </p:nvPr>
         </p:nvSpPr>
-        <p:spPr/>
+        <p:spPr>
+          <a:xfrm>
+            <a:off x="4038600" y="6356350"/>
+            <a:ext cx="4114800" cy="365125"/>
+          </a:xfrm>
+          <a:prstGeom prst="rect">
+            <a:avLst/>
+          </a:prstGeom>
+        </p:spPr>
         <p:txBody>
           <a:bodyPr/>
           <a:lstStyle/>
@@ -5521,7 +5583,15 @@
             <p:ph type="sldNum" sz="quarter" idx="12"/>
           </p:nvPr>
         </p:nvSpPr>
-        <p:spPr/>
+        <p:spPr>
+          <a:xfrm>
+            <a:off x="8385908" y="6356350"/>
+            <a:ext cx="1039446" cy="365125"/>
+          </a:xfrm>
+          <a:prstGeom prst="rect">
+            <a:avLst/>
+          </a:prstGeom>
+        </p:spPr>
         <p:txBody>
           <a:bodyPr/>
           <a:lstStyle/>
@@ -5574,14 +5644,22 @@
             <p:ph type="dt" sz="half" idx="10"/>
           </p:nvPr>
         </p:nvSpPr>
-        <p:spPr/>
+        <p:spPr>
+          <a:xfrm>
+            <a:off x="838200" y="6356350"/>
+            <a:ext cx="2743200" cy="365125"/>
+          </a:xfrm>
+          <a:prstGeom prst="rect">
+            <a:avLst/>
+          </a:prstGeom>
+        </p:spPr>
         <p:txBody>
           <a:bodyPr/>
           <a:lstStyle/>
           <a:p>
             <a:fld id="{C764DE79-268F-4C1A-8933-263129D2AF90}" type="datetimeFigureOut">
               <a:rPr lang="en-US" dirty="0"/>
-              <a:t>6/10/2017</a:t>
+              <a:t>6/11/2017</a:t>
             </a:fld>
             <a:endParaRPr lang="en-US" dirty="0"/>
           </a:p>
@@ -5597,7 +5675,15 @@
             <p:ph type="ftr" sz="quarter" idx="11"/>
           </p:nvPr>
         </p:nvSpPr>
-        <p:spPr/>
+        <p:spPr>
+          <a:xfrm>
+            <a:off x="4038600" y="6356350"/>
+            <a:ext cx="4114800" cy="365125"/>
+          </a:xfrm>
+          <a:prstGeom prst="rect">
+            <a:avLst/>
+          </a:prstGeom>
+        </p:spPr>
         <p:txBody>
           <a:bodyPr/>
           <a:lstStyle/>
@@ -5616,7 +5702,15 @@
             <p:ph type="sldNum" sz="quarter" idx="12"/>
           </p:nvPr>
         </p:nvSpPr>
-        <p:spPr/>
+        <p:spPr>
+          <a:xfrm>
+            <a:off x="8378092" y="6356350"/>
+            <a:ext cx="898770" cy="365125"/>
+          </a:xfrm>
+          <a:prstGeom prst="rect">
+            <a:avLst/>
+          </a:prstGeom>
+        </p:spPr>
         <p:txBody>
           <a:bodyPr/>
           <a:lstStyle/>
@@ -5851,14 +5945,22 @@
             <p:ph type="dt" sz="half" idx="10"/>
           </p:nvPr>
         </p:nvSpPr>
-        <p:spPr/>
+        <p:spPr>
+          <a:xfrm>
+            <a:off x="838200" y="6356350"/>
+            <a:ext cx="2743200" cy="365125"/>
+          </a:xfrm>
+          <a:prstGeom prst="rect">
+            <a:avLst/>
+          </a:prstGeom>
+        </p:spPr>
         <p:txBody>
           <a:bodyPr/>
           <a:lstStyle/>
           <a:p>
             <a:fld id="{C764DE79-268F-4C1A-8933-263129D2AF90}" type="datetimeFigureOut">
               <a:rPr lang="en-US" dirty="0"/>
-              <a:t>6/10/2017</a:t>
+              <a:t>6/11/2017</a:t>
             </a:fld>
             <a:endParaRPr lang="en-US" dirty="0"/>
           </a:p>
@@ -5874,7 +5976,15 @@
             <p:ph type="ftr" sz="quarter" idx="11"/>
           </p:nvPr>
         </p:nvSpPr>
-        <p:spPr/>
+        <p:spPr>
+          <a:xfrm>
+            <a:off x="4038600" y="6356350"/>
+            <a:ext cx="4114800" cy="365125"/>
+          </a:xfrm>
+          <a:prstGeom prst="rect">
+            <a:avLst/>
+          </a:prstGeom>
+        </p:spPr>
         <p:txBody>
           <a:bodyPr/>
           <a:lstStyle/>
@@ -5893,7 +6003,15 @@
             <p:ph type="sldNum" sz="quarter" idx="12"/>
           </p:nvPr>
         </p:nvSpPr>
-        <p:spPr/>
+        <p:spPr>
+          <a:xfrm>
+            <a:off x="8610600" y="6356350"/>
+            <a:ext cx="775677" cy="365125"/>
+          </a:xfrm>
+          <a:prstGeom prst="rect">
+            <a:avLst/>
+          </a:prstGeom>
+        </p:spPr>
         <p:txBody>
           <a:bodyPr/>
           <a:lstStyle/>
@@ -6108,14 +6226,22 @@
             <p:ph type="dt" sz="half" idx="10"/>
           </p:nvPr>
         </p:nvSpPr>
-        <p:spPr/>
+        <p:spPr>
+          <a:xfrm>
+            <a:off x="838200" y="6356350"/>
+            <a:ext cx="2743200" cy="365125"/>
+          </a:xfrm>
+          <a:prstGeom prst="rect">
+            <a:avLst/>
+          </a:prstGeom>
+        </p:spPr>
         <p:txBody>
           <a:bodyPr/>
           <a:lstStyle/>
           <a:p>
             <a:fld id="{C764DE79-268F-4C1A-8933-263129D2AF90}" type="datetimeFigureOut">
               <a:rPr lang="en-US" dirty="0"/>
-              <a:t>6/10/2017</a:t>
+              <a:t>6/11/2017</a:t>
             </a:fld>
             <a:endParaRPr lang="en-US" dirty="0"/>
           </a:p>
@@ -6131,7 +6257,15 @@
             <p:ph type="ftr" sz="quarter" idx="11"/>
           </p:nvPr>
         </p:nvSpPr>
-        <p:spPr/>
+        <p:spPr>
+          <a:xfrm>
+            <a:off x="4038600" y="6356350"/>
+            <a:ext cx="4114800" cy="365125"/>
+          </a:xfrm>
+          <a:prstGeom prst="rect">
+            <a:avLst/>
+          </a:prstGeom>
+        </p:spPr>
         <p:txBody>
           <a:bodyPr/>
           <a:lstStyle/>
@@ -6150,7 +6284,15 @@
             <p:ph type="sldNum" sz="quarter" idx="12"/>
           </p:nvPr>
         </p:nvSpPr>
-        <p:spPr/>
+        <p:spPr>
+          <a:xfrm>
+            <a:off x="8487508" y="6356350"/>
+            <a:ext cx="812800" cy="365125"/>
+          </a:xfrm>
+          <a:prstGeom prst="rect">
+            <a:avLst/>
+          </a:prstGeom>
+        </p:spPr>
         <p:txBody>
           <a:bodyPr/>
           <a:lstStyle/>
@@ -6278,14 +6420,22 @@
             <p:ph type="dt" sz="half" idx="10"/>
           </p:nvPr>
         </p:nvSpPr>
-        <p:spPr/>
+        <p:spPr>
+          <a:xfrm>
+            <a:off x="838200" y="6356350"/>
+            <a:ext cx="2743200" cy="365125"/>
+          </a:xfrm>
+          <a:prstGeom prst="rect">
+            <a:avLst/>
+          </a:prstGeom>
+        </p:spPr>
         <p:txBody>
           <a:bodyPr/>
           <a:lstStyle/>
           <a:p>
             <a:fld id="{C764DE79-268F-4C1A-8933-263129D2AF90}" type="datetimeFigureOut">
               <a:rPr lang="en-US" dirty="0"/>
-              <a:t>6/10/2017</a:t>
+              <a:t>6/11/2017</a:t>
             </a:fld>
             <a:endParaRPr lang="en-US" dirty="0"/>
           </a:p>
@@ -6301,7 +6451,15 @@
             <p:ph type="ftr" sz="quarter" idx="11"/>
           </p:nvPr>
         </p:nvSpPr>
-        <p:spPr/>
+        <p:spPr>
+          <a:xfrm>
+            <a:off x="4038600" y="6356350"/>
+            <a:ext cx="4114800" cy="365125"/>
+          </a:xfrm>
+          <a:prstGeom prst="rect">
+            <a:avLst/>
+          </a:prstGeom>
+        </p:spPr>
         <p:txBody>
           <a:bodyPr/>
           <a:lstStyle/>
@@ -6320,7 +6478,15 @@
             <p:ph type="sldNum" sz="quarter" idx="12"/>
           </p:nvPr>
         </p:nvSpPr>
-        <p:spPr/>
+        <p:spPr>
+          <a:xfrm>
+            <a:off x="8610600" y="6356350"/>
+            <a:ext cx="2743200" cy="365125"/>
+          </a:xfrm>
+          <a:prstGeom prst="rect">
+            <a:avLst/>
+          </a:prstGeom>
+        </p:spPr>
         <p:txBody>
           <a:bodyPr/>
           <a:lstStyle/>
@@ -6458,14 +6624,22 @@
             <p:ph type="dt" sz="half" idx="10"/>
           </p:nvPr>
         </p:nvSpPr>
-        <p:spPr/>
+        <p:spPr>
+          <a:xfrm>
+            <a:off x="838200" y="6356350"/>
+            <a:ext cx="2743200" cy="365125"/>
+          </a:xfrm>
+          <a:prstGeom prst="rect">
+            <a:avLst/>
+          </a:prstGeom>
+        </p:spPr>
         <p:txBody>
           <a:bodyPr/>
           <a:lstStyle/>
           <a:p>
             <a:fld id="{C764DE79-268F-4C1A-8933-263129D2AF90}" type="datetimeFigureOut">
               <a:rPr lang="en-US" dirty="0"/>
-              <a:t>6/10/2017</a:t>
+              <a:t>6/11/2017</a:t>
             </a:fld>
             <a:endParaRPr lang="en-US" dirty="0"/>
           </a:p>
@@ -6481,7 +6655,15 @@
             <p:ph type="ftr" sz="quarter" idx="11"/>
           </p:nvPr>
         </p:nvSpPr>
-        <p:spPr/>
+        <p:spPr>
+          <a:xfrm>
+            <a:off x="4038600" y="6356350"/>
+            <a:ext cx="4114800" cy="365125"/>
+          </a:xfrm>
+          <a:prstGeom prst="rect">
+            <a:avLst/>
+          </a:prstGeom>
+        </p:spPr>
         <p:txBody>
           <a:bodyPr/>
           <a:lstStyle/>
@@ -6500,7 +6682,15 @@
             <p:ph type="sldNum" sz="quarter" idx="12"/>
           </p:nvPr>
         </p:nvSpPr>
-        <p:spPr/>
+        <p:spPr>
+          <a:xfrm>
+            <a:off x="8610600" y="6356350"/>
+            <a:ext cx="2743200" cy="365125"/>
+          </a:xfrm>
+          <a:prstGeom prst="rect">
+            <a:avLst/>
+          </a:prstGeom>
+        </p:spPr>
         <p:txBody>
           <a:bodyPr/>
           <a:lstStyle/>
@@ -6929,6 +7119,45 @@
           <a:lstStyle/>
           <a:p>
             <a:endParaRPr lang="en-US" sz="1765"/>
+          </a:p>
+        </p:txBody>
+      </p:sp>
+      <p:sp>
+        <p:nvSpPr>
+          <p:cNvPr id="14" name="TextBox 13">
+            <a:extLst>
+              <a:ext uri="{FF2B5EF4-FFF2-40B4-BE49-F238E27FC236}">
+                <a16:creationId xmlns:a16="http://schemas.microsoft.com/office/drawing/2014/main" id="{DF8147B9-0221-49EB-9B78-112DC1A4CD88}"/>
+              </a:ext>
+            </a:extLst>
+          </p:cNvPr>
+          <p:cNvSpPr txBox="1"/>
+          <p:nvPr userDrawn="1"/>
+        </p:nvSpPr>
+        <p:spPr>
+          <a:xfrm>
+            <a:off x="9355015" y="6377353"/>
+            <a:ext cx="2782277" cy="369332"/>
+          </a:xfrm>
+          <a:prstGeom prst="rect">
+            <a:avLst/>
+          </a:prstGeom>
+          <a:noFill/>
+        </p:spPr>
+        <p:txBody>
+          <a:bodyPr wrap="square" rtlCol="0">
+            <a:spAutoFit/>
+          </a:bodyPr>
+          <a:lstStyle/>
+          <a:p>
+            <a:r>
+              <a:rPr lang="en-US" sz="1000" dirty="0"/>
+              <a:t>Socialize: </a:t>
+            </a:r>
+            <a:r>
+              <a:rPr lang="en-US" dirty="0"/>
+              <a:t>#70-534 @ITProGuru</a:t>
+            </a:r>
           </a:p>
         </p:txBody>
       </p:sp>
@@ -7576,8 +7805,16 @@
 </file>
 
 <file path=ppt/slideLayouts/slideLayout2.xml><?xml version="1.0" encoding="utf-8"?>
-<p:sldLayout xmlns:a="http://schemas.openxmlformats.org/drawingml/2006/main" xmlns:r="http://schemas.openxmlformats.org/officeDocument/2006/relationships" xmlns:p="http://schemas.openxmlformats.org/presentationml/2006/main" type="obj" preserve="1">
-  <p:cSld name="2_Title and Content">
+<p:sldLayout xmlns:a="http://schemas.openxmlformats.org/drawingml/2006/main" xmlns:r="http://schemas.openxmlformats.org/officeDocument/2006/relationships" xmlns:p="http://schemas.openxmlformats.org/presentationml/2006/main" preserve="1" userDrawn="1">
+  <p:cSld name="Exam Tip">
+    <p:bg>
+      <p:bgPr>
+        <a:solidFill>
+          <a:srgbClr val="92D050"/>
+        </a:solidFill>
+        <a:effectLst/>
+      </p:bgPr>
+    </p:bg>
     <p:spTree>
       <p:nvGrpSpPr>
         <p:cNvPr id="1" name=""/>
@@ -7604,36 +7841,8 @@
         </p:nvSpPr>
         <p:spPr>
           <a:xfrm>
-            <a:off x="201591" y="353551"/>
-            <a:ext cx="11778205" cy="878350"/>
-          </a:xfrm>
-        </p:spPr>
-        <p:txBody>
-          <a:bodyPr/>
-          <a:lstStyle/>
-          <a:p>
-            <a:r>
-              <a:rPr lang="en-US"/>
-              <a:t>Click to edit Master title style</a:t>
-            </a:r>
-            <a:endParaRPr lang="en-US" dirty="0"/>
-          </a:p>
-        </p:txBody>
-      </p:sp>
-      <p:sp>
-        <p:nvSpPr>
-          <p:cNvPr id="3" name="Content Placeholder 2"/>
-          <p:cNvSpPr>
-            <a:spLocks noGrp="1"/>
-          </p:cNvSpPr>
-          <p:nvPr>
-            <p:ph idx="1"/>
-          </p:nvPr>
-        </p:nvSpPr>
-        <p:spPr>
-          <a:xfrm>
-            <a:off x="201591" y="1231901"/>
-            <a:ext cx="11778205" cy="5423281"/>
+            <a:off x="3525520" y="347874"/>
+            <a:ext cx="8398400" cy="923330"/>
           </a:xfrm>
         </p:spPr>
         <p:txBody>
@@ -7641,37 +7850,187 @@
             <a:normAutofit/>
           </a:bodyPr>
           <a:lstStyle>
+            <a:lvl1pPr algn="l" defTabSz="914400" rtl="0" eaLnBrk="1" latinLnBrk="0" hangingPunct="1">
+              <a:lnSpc>
+                <a:spcPct val="90000"/>
+              </a:lnSpc>
+              <a:spcBef>
+                <a:spcPct val="0"/>
+              </a:spcBef>
+              <a:buNone/>
+              <a:defRPr lang="en-US" sz="5400" b="1" i="1" u="none" kern="1200" baseline="0" dirty="0">
+                <a:solidFill>
+                  <a:schemeClr val="tx1"/>
+                </a:solidFill>
+                <a:latin typeface="+mj-lt"/>
+                <a:ea typeface="+mj-ea"/>
+                <a:cs typeface="+mj-cs"/>
+              </a:defRPr>
+            </a:lvl1pPr>
+          </a:lstStyle>
+          <a:p>
+            <a:endParaRPr lang="en-US" dirty="0"/>
+          </a:p>
+        </p:txBody>
+      </p:sp>
+      <p:sp>
+        <p:nvSpPr>
+          <p:cNvPr id="4" name="Text Placeholder 3"/>
+          <p:cNvSpPr>
+            <a:spLocks noGrp="1"/>
+          </p:cNvSpPr>
+          <p:nvPr>
+            <p:ph type="body" sz="quarter" idx="11"/>
+          </p:nvPr>
+        </p:nvSpPr>
+        <p:spPr>
+          <a:xfrm>
+            <a:off x="268080" y="1271204"/>
+            <a:ext cx="11655840" cy="4641916"/>
+          </a:xfrm>
+        </p:spPr>
+        <p:txBody>
+          <a:bodyPr>
+            <a:noAutofit/>
+          </a:bodyPr>
+          <a:lstStyle>
+            <a:lvl1pPr marL="0" indent="0">
+              <a:buNone/>
+              <a:defRPr sz="4000"/>
+            </a:lvl1pPr>
+            <a:lvl2pPr marL="28012" indent="0">
+              <a:buNone/>
+              <a:defRPr sz="1961"/>
+            </a:lvl2pPr>
+            <a:lvl3pPr marL="219428" indent="0">
+              <a:buNone/>
+              <a:defRPr sz="1961"/>
+            </a:lvl3pPr>
+            <a:lvl4pPr marL="466868" indent="0">
+              <a:buNone/>
+              <a:defRPr sz="1765"/>
+            </a:lvl4pPr>
+            <a:lvl5pPr marL="725201" indent="0">
+              <a:buNone/>
+              <a:defRPr sz="1765"/>
+            </a:lvl5pPr>
+          </a:lstStyle>
+          <a:p>
+            <a:pPr lvl="0"/>
+            <a:endParaRPr lang="en-US" dirty="0"/>
+          </a:p>
+        </p:txBody>
+      </p:sp>
+      <p:sp>
+        <p:nvSpPr>
+          <p:cNvPr id="5" name="Rectangle 4"/>
+          <p:cNvSpPr/>
+          <p:nvPr userDrawn="1"/>
+        </p:nvSpPr>
+        <p:spPr>
+          <a:xfrm>
+            <a:off x="268080" y="347873"/>
+            <a:ext cx="3209533" cy="923330"/>
+          </a:xfrm>
+          <a:prstGeom prst="rect">
+            <a:avLst/>
+          </a:prstGeom>
+        </p:spPr>
+        <p:txBody>
+          <a:bodyPr wrap="none">
+            <a:spAutoFit/>
+          </a:bodyPr>
+          <a:lstStyle/>
+          <a:p>
+            <a:pPr algn="l"/>
+            <a:r>
+              <a:rPr lang="en-US" sz="5400" b="1" dirty="0"/>
+              <a:t>EXAM TIP!</a:t>
+            </a:r>
+          </a:p>
+        </p:txBody>
+      </p:sp>
+      <p:sp>
+        <p:nvSpPr>
+          <p:cNvPr id="6" name="Text Placeholder 4">
+            <a:extLst>
+              <a:ext uri="{FF2B5EF4-FFF2-40B4-BE49-F238E27FC236}">
+                <a16:creationId xmlns:a16="http://schemas.microsoft.com/office/drawing/2014/main" id="{380C91C6-C6AF-40A3-AE50-C2507708BECF}"/>
+              </a:ext>
+            </a:extLst>
+          </p:cNvPr>
+          <p:cNvSpPr>
+            <a:spLocks noGrp="1"/>
+          </p:cNvSpPr>
+          <p:nvPr>
+            <p:ph type="body" sz="quarter" idx="10" hasCustomPrompt="1"/>
+          </p:nvPr>
+        </p:nvSpPr>
+        <p:spPr>
+          <a:xfrm>
+            <a:off x="211139" y="5987143"/>
+            <a:ext cx="9709376" cy="823460"/>
+          </a:xfrm>
+          <a:solidFill>
+            <a:srgbClr val="92D050"/>
+          </a:solidFill>
+        </p:spPr>
+        <p:txBody>
+          <a:bodyPr>
+            <a:noAutofit/>
+          </a:bodyPr>
+          <a:lstStyle>
             <a:lvl1pPr marL="0" indent="0">
               <a:buFontTx/>
               <a:buNone/>
-              <a:defRPr sz="3600"/>
+              <a:defRPr sz="2000" u="sng">
+                <a:solidFill>
+                  <a:srgbClr val="0070C0"/>
+                </a:solidFill>
+              </a:defRPr>
             </a:lvl1pPr>
             <a:lvl2pPr marL="457200" indent="0">
               <a:buFontTx/>
               <a:buNone/>
-              <a:defRPr sz="3200"/>
+              <a:defRPr sz="2000" u="sng">
+                <a:solidFill>
+                  <a:srgbClr val="0070C0"/>
+                </a:solidFill>
+              </a:defRPr>
             </a:lvl2pPr>
             <a:lvl3pPr marL="914400" indent="0">
               <a:buFontTx/>
               <a:buNone/>
-              <a:defRPr sz="2800"/>
+              <a:defRPr sz="2000" u="sng">
+                <a:solidFill>
+                  <a:srgbClr val="0070C0"/>
+                </a:solidFill>
+              </a:defRPr>
             </a:lvl3pPr>
             <a:lvl4pPr marL="1371600" indent="0">
               <a:buFontTx/>
               <a:buNone/>
-              <a:defRPr sz="2400"/>
+              <a:defRPr sz="2000" u="sng">
+                <a:solidFill>
+                  <a:srgbClr val="0070C0"/>
+                </a:solidFill>
+              </a:defRPr>
             </a:lvl4pPr>
             <a:lvl5pPr marL="1828800" indent="0">
               <a:buFontTx/>
               <a:buNone/>
-              <a:defRPr sz="2400"/>
+              <a:defRPr sz="2000" u="sng">
+                <a:solidFill>
+                  <a:srgbClr val="0070C0"/>
+                </a:solidFill>
+              </a:defRPr>
             </a:lvl5pPr>
           </a:lstStyle>
           <a:p>
             <a:pPr lvl="0"/>
             <a:r>
               <a:rPr lang="en-US" dirty="0"/>
-              <a:t>Click to edit Master text styles</a:t>
+              <a:t>Edit Source URL</a:t>
             </a:r>
           </a:p>
           <a:p>
@@ -7707,13 +8066,16 @@
     </p:spTree>
     <p:extLst>
       <p:ext uri="{BB962C8B-B14F-4D97-AF65-F5344CB8AC3E}">
-        <p14:creationId xmlns:p14="http://schemas.microsoft.com/office/powerpoint/2010/main" val="3934432973"/>
+        <p14:creationId xmlns:p14="http://schemas.microsoft.com/office/powerpoint/2010/main" val="4115610489"/>
       </p:ext>
     </p:extLst>
   </p:cSld>
   <p:clrMapOvr>
     <a:masterClrMapping/>
   </p:clrMapOvr>
+  <p:transition>
+    <p:fade/>
+  </p:transition>
 </p:sldLayout>
 </file>
 
@@ -8438,168 +8800,6 @@
 </file>
 
 <file path=ppt/slideLayouts/slideLayout3.xml><?xml version="1.0" encoding="utf-8"?>
-<p:sldLayout xmlns:a="http://schemas.openxmlformats.org/drawingml/2006/main" xmlns:r="http://schemas.openxmlformats.org/officeDocument/2006/relationships" xmlns:p="http://schemas.openxmlformats.org/presentationml/2006/main" preserve="1" userDrawn="1">
-  <p:cSld name="Exam Tip">
-    <p:bg>
-      <p:bgPr>
-        <a:solidFill>
-          <a:srgbClr val="92D050"/>
-        </a:solidFill>
-        <a:effectLst/>
-      </p:bgPr>
-    </p:bg>
-    <p:spTree>
-      <p:nvGrpSpPr>
-        <p:cNvPr id="1" name=""/>
-        <p:cNvGrpSpPr/>
-        <p:nvPr/>
-      </p:nvGrpSpPr>
-      <p:grpSpPr>
-        <a:xfrm>
-          <a:off x="0" y="0"/>
-          <a:ext cx="0" cy="0"/>
-          <a:chOff x="0" y="0"/>
-          <a:chExt cx="0" cy="0"/>
-        </a:xfrm>
-      </p:grpSpPr>
-      <p:sp>
-        <p:nvSpPr>
-          <p:cNvPr id="2" name="Title 1"/>
-          <p:cNvSpPr>
-            <a:spLocks noGrp="1"/>
-          </p:cNvSpPr>
-          <p:nvPr>
-            <p:ph type="title"/>
-          </p:nvPr>
-        </p:nvSpPr>
-        <p:spPr>
-          <a:xfrm>
-            <a:off x="3525520" y="347874"/>
-            <a:ext cx="7259320" cy="923330"/>
-          </a:xfrm>
-        </p:spPr>
-        <p:txBody>
-          <a:bodyPr>
-            <a:normAutofit/>
-          </a:bodyPr>
-          <a:lstStyle>
-            <a:lvl1pPr algn="l" defTabSz="914400" rtl="0" eaLnBrk="1" latinLnBrk="0" hangingPunct="1">
-              <a:lnSpc>
-                <a:spcPct val="90000"/>
-              </a:lnSpc>
-              <a:spcBef>
-                <a:spcPct val="0"/>
-              </a:spcBef>
-              <a:buNone/>
-              <a:defRPr lang="en-US" sz="5400" b="1" i="1" u="none" kern="1200" baseline="0" dirty="0">
-                <a:solidFill>
-                  <a:schemeClr val="tx1"/>
-                </a:solidFill>
-                <a:latin typeface="+mj-lt"/>
-                <a:ea typeface="+mj-ea"/>
-                <a:cs typeface="+mj-cs"/>
-              </a:defRPr>
-            </a:lvl1pPr>
-          </a:lstStyle>
-          <a:p>
-            <a:endParaRPr lang="en-US" dirty="0"/>
-          </a:p>
-        </p:txBody>
-      </p:sp>
-      <p:sp>
-        <p:nvSpPr>
-          <p:cNvPr id="4" name="Text Placeholder 3"/>
-          <p:cNvSpPr>
-            <a:spLocks noGrp="1"/>
-          </p:cNvSpPr>
-          <p:nvPr>
-            <p:ph type="body" sz="quarter" idx="11"/>
-          </p:nvPr>
-        </p:nvSpPr>
-        <p:spPr>
-          <a:xfrm>
-            <a:off x="268080" y="1271204"/>
-            <a:ext cx="11655840" cy="4641916"/>
-          </a:xfrm>
-        </p:spPr>
-        <p:txBody>
-          <a:bodyPr>
-            <a:noAutofit/>
-          </a:bodyPr>
-          <a:lstStyle>
-            <a:lvl1pPr marL="0" indent="0">
-              <a:buNone/>
-              <a:defRPr sz="4000"/>
-            </a:lvl1pPr>
-            <a:lvl2pPr marL="28012" indent="0">
-              <a:buNone/>
-              <a:defRPr sz="1961"/>
-            </a:lvl2pPr>
-            <a:lvl3pPr marL="219428" indent="0">
-              <a:buNone/>
-              <a:defRPr sz="1961"/>
-            </a:lvl3pPr>
-            <a:lvl4pPr marL="466868" indent="0">
-              <a:buNone/>
-              <a:defRPr sz="1765"/>
-            </a:lvl4pPr>
-            <a:lvl5pPr marL="725201" indent="0">
-              <a:buNone/>
-              <a:defRPr sz="1765"/>
-            </a:lvl5pPr>
-          </a:lstStyle>
-          <a:p>
-            <a:pPr lvl="0"/>
-            <a:endParaRPr lang="en-US" dirty="0"/>
-          </a:p>
-        </p:txBody>
-      </p:sp>
-      <p:sp>
-        <p:nvSpPr>
-          <p:cNvPr id="5" name="Rectangle 4"/>
-          <p:cNvSpPr/>
-          <p:nvPr userDrawn="1"/>
-        </p:nvSpPr>
-        <p:spPr>
-          <a:xfrm>
-            <a:off x="268080" y="347873"/>
-            <a:ext cx="3209533" cy="923330"/>
-          </a:xfrm>
-          <a:prstGeom prst="rect">
-            <a:avLst/>
-          </a:prstGeom>
-        </p:spPr>
-        <p:txBody>
-          <a:bodyPr wrap="none">
-            <a:spAutoFit/>
-          </a:bodyPr>
-          <a:lstStyle/>
-          <a:p>
-            <a:pPr algn="l"/>
-            <a:r>
-              <a:rPr lang="en-US" sz="5400" b="1" dirty="0"/>
-              <a:t>EXAM TIP!</a:t>
-            </a:r>
-          </a:p>
-        </p:txBody>
-      </p:sp>
-    </p:spTree>
-    <p:extLst>
-      <p:ext uri="{BB962C8B-B14F-4D97-AF65-F5344CB8AC3E}">
-        <p14:creationId xmlns:p14="http://schemas.microsoft.com/office/powerpoint/2010/main" val="4115610489"/>
-      </p:ext>
-    </p:extLst>
-  </p:cSld>
-  <p:clrMapOvr>
-    <a:masterClrMapping/>
-  </p:clrMapOvr>
-  <p:transition>
-    <p:fade/>
-  </p:transition>
-</p:sldLayout>
-</file>
-
-<file path=ppt/slideLayouts/slideLayout4.xml><?xml version="1.0" encoding="utf-8"?>
 <p:sldLayout xmlns:a="http://schemas.openxmlformats.org/drawingml/2006/main" xmlns:r="http://schemas.openxmlformats.org/officeDocument/2006/relationships" xmlns:p="http://schemas.openxmlformats.org/presentationml/2006/main" preserve="1" userDrawn="1">
   <p:cSld name="Question &amp; Answer">
     <p:spTree>
@@ -9078,7 +9278,7 @@
 </p:sldLayout>
 </file>
 
-<file path=ppt/slideLayouts/slideLayout5.xml><?xml version="1.0" encoding="utf-8"?>
+<file path=ppt/slideLayouts/slideLayout4.xml><?xml version="1.0" encoding="utf-8"?>
 <p:sldLayout xmlns:a="http://schemas.openxmlformats.org/drawingml/2006/main" xmlns:r="http://schemas.openxmlformats.org/officeDocument/2006/relationships" xmlns:p="http://schemas.openxmlformats.org/presentationml/2006/main" preserve="1" userDrawn="1">
   <p:cSld name="Content &amp; Code">
     <p:spTree>
@@ -9399,10 +9599,191 @@
           </a:p>
         </p:txBody>
       </p:sp>
+      <p:sp>
+        <p:nvSpPr>
+          <p:cNvPr id="6" name="TextBox 5">
+            <a:extLst>
+              <a:ext uri="{FF2B5EF4-FFF2-40B4-BE49-F238E27FC236}">
+                <a16:creationId xmlns:a16="http://schemas.microsoft.com/office/drawing/2014/main" id="{0F190067-1F7C-4577-8376-D9481BC0FB11}"/>
+              </a:ext>
+            </a:extLst>
+          </p:cNvPr>
+          <p:cNvSpPr txBox="1"/>
+          <p:nvPr userDrawn="1"/>
+        </p:nvSpPr>
+        <p:spPr>
+          <a:xfrm>
+            <a:off x="9355015" y="6377353"/>
+            <a:ext cx="2782277" cy="369332"/>
+          </a:xfrm>
+          <a:prstGeom prst="rect">
+            <a:avLst/>
+          </a:prstGeom>
+          <a:noFill/>
+        </p:spPr>
+        <p:txBody>
+          <a:bodyPr wrap="square" rtlCol="0">
+            <a:spAutoFit/>
+          </a:bodyPr>
+          <a:lstStyle/>
+          <a:p>
+            <a:r>
+              <a:rPr lang="en-US" sz="1000" dirty="0"/>
+              <a:t>Socialize: </a:t>
+            </a:r>
+            <a:r>
+              <a:rPr lang="en-US" dirty="0"/>
+              <a:t>#70-534 @ITProGuru</a:t>
+            </a:r>
+          </a:p>
+        </p:txBody>
+      </p:sp>
     </p:spTree>
     <p:extLst>
       <p:ext uri="{BB962C8B-B14F-4D97-AF65-F5344CB8AC3E}">
         <p14:creationId xmlns:p14="http://schemas.microsoft.com/office/powerpoint/2010/main" val="3879301324"/>
+      </p:ext>
+    </p:extLst>
+  </p:cSld>
+  <p:clrMapOvr>
+    <a:masterClrMapping/>
+  </p:clrMapOvr>
+</p:sldLayout>
+</file>
+
+<file path=ppt/slideLayouts/slideLayout5.xml><?xml version="1.0" encoding="utf-8"?>
+<p:sldLayout xmlns:a="http://schemas.openxmlformats.org/drawingml/2006/main" xmlns:r="http://schemas.openxmlformats.org/officeDocument/2006/relationships" xmlns:p="http://schemas.openxmlformats.org/presentationml/2006/main" type="obj" preserve="1">
+  <p:cSld name="2_Title and Content">
+    <p:spTree>
+      <p:nvGrpSpPr>
+        <p:cNvPr id="1" name=""/>
+        <p:cNvGrpSpPr/>
+        <p:nvPr/>
+      </p:nvGrpSpPr>
+      <p:grpSpPr>
+        <a:xfrm>
+          <a:off x="0" y="0"/>
+          <a:ext cx="0" cy="0"/>
+          <a:chOff x="0" y="0"/>
+          <a:chExt cx="0" cy="0"/>
+        </a:xfrm>
+      </p:grpSpPr>
+      <p:sp>
+        <p:nvSpPr>
+          <p:cNvPr id="2" name="Title 1"/>
+          <p:cNvSpPr>
+            <a:spLocks noGrp="1"/>
+          </p:cNvSpPr>
+          <p:nvPr>
+            <p:ph type="title"/>
+          </p:nvPr>
+        </p:nvSpPr>
+        <p:spPr>
+          <a:xfrm>
+            <a:off x="201591" y="353551"/>
+            <a:ext cx="11778205" cy="878350"/>
+          </a:xfrm>
+        </p:spPr>
+        <p:txBody>
+          <a:bodyPr/>
+          <a:lstStyle/>
+          <a:p>
+            <a:r>
+              <a:rPr lang="en-US"/>
+              <a:t>Click to edit Master title style</a:t>
+            </a:r>
+            <a:endParaRPr lang="en-US" dirty="0"/>
+          </a:p>
+        </p:txBody>
+      </p:sp>
+      <p:sp>
+        <p:nvSpPr>
+          <p:cNvPr id="3" name="Content Placeholder 2"/>
+          <p:cNvSpPr>
+            <a:spLocks noGrp="1"/>
+          </p:cNvSpPr>
+          <p:nvPr>
+            <p:ph idx="1"/>
+          </p:nvPr>
+        </p:nvSpPr>
+        <p:spPr>
+          <a:xfrm>
+            <a:off x="201591" y="1231901"/>
+            <a:ext cx="11778205" cy="5423281"/>
+          </a:xfrm>
+        </p:spPr>
+        <p:txBody>
+          <a:bodyPr>
+            <a:normAutofit/>
+          </a:bodyPr>
+          <a:lstStyle>
+            <a:lvl1pPr marL="0" indent="0">
+              <a:buFontTx/>
+              <a:buNone/>
+              <a:defRPr sz="3600"/>
+            </a:lvl1pPr>
+            <a:lvl2pPr marL="457200" indent="0">
+              <a:buFontTx/>
+              <a:buNone/>
+              <a:defRPr sz="3200"/>
+            </a:lvl2pPr>
+            <a:lvl3pPr marL="914400" indent="0">
+              <a:buFontTx/>
+              <a:buNone/>
+              <a:defRPr sz="2800"/>
+            </a:lvl3pPr>
+            <a:lvl4pPr marL="1371600" indent="0">
+              <a:buFontTx/>
+              <a:buNone/>
+              <a:defRPr sz="2400"/>
+            </a:lvl4pPr>
+            <a:lvl5pPr marL="1828800" indent="0">
+              <a:buFontTx/>
+              <a:buNone/>
+              <a:defRPr sz="2400"/>
+            </a:lvl5pPr>
+          </a:lstStyle>
+          <a:p>
+            <a:pPr lvl="0"/>
+            <a:r>
+              <a:rPr lang="en-US" dirty="0"/>
+              <a:t>Click to edit Master text styles</a:t>
+            </a:r>
+          </a:p>
+          <a:p>
+            <a:pPr lvl="1"/>
+            <a:r>
+              <a:rPr lang="en-US" dirty="0"/>
+              <a:t>Second level</a:t>
+            </a:r>
+          </a:p>
+          <a:p>
+            <a:pPr lvl="2"/>
+            <a:r>
+              <a:rPr lang="en-US" dirty="0"/>
+              <a:t>Third level</a:t>
+            </a:r>
+          </a:p>
+          <a:p>
+            <a:pPr lvl="3"/>
+            <a:r>
+              <a:rPr lang="en-US" dirty="0"/>
+              <a:t>Fourth level</a:t>
+            </a:r>
+          </a:p>
+          <a:p>
+            <a:pPr lvl="4"/>
+            <a:r>
+              <a:rPr lang="en-US" dirty="0"/>
+              <a:t>Fifth level</a:t>
+            </a:r>
+          </a:p>
+        </p:txBody>
+      </p:sp>
+    </p:spTree>
+    <p:extLst>
+      <p:ext uri="{BB962C8B-B14F-4D97-AF65-F5344CB8AC3E}">
+        <p14:creationId xmlns:p14="http://schemas.microsoft.com/office/powerpoint/2010/main" val="3934432973"/>
       </p:ext>
     </p:extLst>
   </p:cSld>
@@ -9551,14 +9932,22 @@
             <p:ph type="dt" sz="half" idx="10"/>
           </p:nvPr>
         </p:nvSpPr>
-        <p:spPr/>
+        <p:spPr>
+          <a:xfrm>
+            <a:off x="838200" y="6356350"/>
+            <a:ext cx="2743200" cy="365125"/>
+          </a:xfrm>
+          <a:prstGeom prst="rect">
+            <a:avLst/>
+          </a:prstGeom>
+        </p:spPr>
         <p:txBody>
           <a:bodyPr/>
           <a:lstStyle/>
           <a:p>
             <a:fld id="{C764DE79-268F-4C1A-8933-263129D2AF90}" type="datetimeFigureOut">
               <a:rPr lang="en-US" dirty="0"/>
-              <a:t>6/10/2017</a:t>
+              <a:t>6/11/2017</a:t>
             </a:fld>
             <a:endParaRPr lang="en-US" dirty="0"/>
           </a:p>
@@ -9574,7 +9963,15 @@
             <p:ph type="ftr" sz="quarter" idx="11"/>
           </p:nvPr>
         </p:nvSpPr>
-        <p:spPr/>
+        <p:spPr>
+          <a:xfrm>
+            <a:off x="4038600" y="6356350"/>
+            <a:ext cx="3737708" cy="365125"/>
+          </a:xfrm>
+          <a:prstGeom prst="rect">
+            <a:avLst/>
+          </a:prstGeom>
+        </p:spPr>
         <p:txBody>
           <a:bodyPr/>
           <a:lstStyle/>
@@ -9593,7 +9990,15 @@
             <p:ph type="sldNum" sz="quarter" idx="12"/>
           </p:nvPr>
         </p:nvSpPr>
-        <p:spPr/>
+        <p:spPr>
+          <a:xfrm>
+            <a:off x="7979508" y="6356350"/>
+            <a:ext cx="1352061" cy="365125"/>
+          </a:xfrm>
+          <a:prstGeom prst="rect">
+            <a:avLst/>
+          </a:prstGeom>
+        </p:spPr>
         <p:txBody>
           <a:bodyPr/>
           <a:lstStyle/>
@@ -9743,14 +10148,22 @@
             <p:ph type="dt" sz="half" idx="10"/>
           </p:nvPr>
         </p:nvSpPr>
-        <p:spPr/>
+        <p:spPr>
+          <a:xfrm>
+            <a:off x="838200" y="6356350"/>
+            <a:ext cx="2743200" cy="365125"/>
+          </a:xfrm>
+          <a:prstGeom prst="rect">
+            <a:avLst/>
+          </a:prstGeom>
+        </p:spPr>
         <p:txBody>
           <a:bodyPr/>
           <a:lstStyle/>
           <a:p>
             <a:fld id="{C764DE79-268F-4C1A-8933-263129D2AF90}" type="datetimeFigureOut">
               <a:rPr lang="en-US" dirty="0"/>
-              <a:t>6/10/2017</a:t>
+              <a:t>6/11/2017</a:t>
             </a:fld>
             <a:endParaRPr lang="en-US" dirty="0"/>
           </a:p>
@@ -9766,7 +10179,15 @@
             <p:ph type="ftr" sz="quarter" idx="11"/>
           </p:nvPr>
         </p:nvSpPr>
-        <p:spPr/>
+        <p:spPr>
+          <a:xfrm>
+            <a:off x="4038600" y="6356350"/>
+            <a:ext cx="3628292" cy="365125"/>
+          </a:xfrm>
+          <a:prstGeom prst="rect">
+            <a:avLst/>
+          </a:prstGeom>
+        </p:spPr>
         <p:txBody>
           <a:bodyPr/>
           <a:lstStyle/>
@@ -9785,7 +10206,15 @@
             <p:ph type="sldNum" sz="quarter" idx="12"/>
           </p:nvPr>
         </p:nvSpPr>
-        <p:spPr/>
+        <p:spPr>
+          <a:xfrm>
+            <a:off x="7844692" y="6356350"/>
+            <a:ext cx="1408723" cy="365125"/>
+          </a:xfrm>
+          <a:prstGeom prst="rect">
+            <a:avLst/>
+          </a:prstGeom>
+        </p:spPr>
         <p:txBody>
           <a:bodyPr/>
           <a:lstStyle/>
@@ -9995,14 +10424,22 @@
             <p:ph type="dt" sz="half" idx="10"/>
           </p:nvPr>
         </p:nvSpPr>
-        <p:spPr/>
+        <p:spPr>
+          <a:xfrm>
+            <a:off x="838200" y="6356350"/>
+            <a:ext cx="2743200" cy="365125"/>
+          </a:xfrm>
+          <a:prstGeom prst="rect">
+            <a:avLst/>
+          </a:prstGeom>
+        </p:spPr>
         <p:txBody>
           <a:bodyPr/>
           <a:lstStyle/>
           <a:p>
             <a:fld id="{C764DE79-268F-4C1A-8933-263129D2AF90}" type="datetimeFigureOut">
               <a:rPr lang="en-US" dirty="0"/>
-              <a:t>6/10/2017</a:t>
+              <a:t>6/11/2017</a:t>
             </a:fld>
             <a:endParaRPr lang="en-US" dirty="0"/>
           </a:p>
@@ -10018,7 +10455,15 @@
             <p:ph type="ftr" sz="quarter" idx="11"/>
           </p:nvPr>
         </p:nvSpPr>
-        <p:spPr/>
+        <p:spPr>
+          <a:xfrm>
+            <a:off x="4038600" y="6356350"/>
+            <a:ext cx="4114800" cy="365125"/>
+          </a:xfrm>
+          <a:prstGeom prst="rect">
+            <a:avLst/>
+          </a:prstGeom>
+        </p:spPr>
         <p:txBody>
           <a:bodyPr/>
           <a:lstStyle/>
@@ -10037,7 +10482,15 @@
             <p:ph type="sldNum" sz="quarter" idx="12"/>
           </p:nvPr>
         </p:nvSpPr>
-        <p:spPr/>
+        <p:spPr>
+          <a:xfrm>
+            <a:off x="8378092" y="6356350"/>
+            <a:ext cx="1031631" cy="365125"/>
+          </a:xfrm>
+          <a:prstGeom prst="rect">
+            <a:avLst/>
+          </a:prstGeom>
+        </p:spPr>
         <p:txBody>
           <a:bodyPr/>
           <a:lstStyle/>
@@ -10230,7 +10683,7 @@
 
 <file path=ppt/slideLayouts/slideLayout9.xml><?xml version="1.0" encoding="utf-8"?>
 <p:sldLayout xmlns:a="http://schemas.openxmlformats.org/drawingml/2006/main" xmlns:r="http://schemas.openxmlformats.org/officeDocument/2006/relationships" xmlns:p="http://schemas.openxmlformats.org/presentationml/2006/main" type="secHead" preserve="1">
-  <p:cSld name="1_Section Header">
+  <p:cSld name="Section Header or Tip">
     <p:bg>
       <p:bgPr>
         <a:solidFill>
@@ -10401,71 +10854,6 @@
               <a:rPr lang="en-US"/>
               <a:t>Click to edit Master text styles</a:t>
             </a:r>
-          </a:p>
-        </p:txBody>
-      </p:sp>
-      <p:sp>
-        <p:nvSpPr>
-          <p:cNvPr id="4" name="Date Placeholder 3"/>
-          <p:cNvSpPr>
-            <a:spLocks noGrp="1"/>
-          </p:cNvSpPr>
-          <p:nvPr>
-            <p:ph type="dt" sz="half" idx="10"/>
-          </p:nvPr>
-        </p:nvSpPr>
-        <p:spPr/>
-        <p:txBody>
-          <a:bodyPr/>
-          <a:lstStyle/>
-          <a:p>
-            <a:fld id="{C764DE79-268F-4C1A-8933-263129D2AF90}" type="datetimeFigureOut">
-              <a:rPr lang="en-US" dirty="0"/>
-              <a:t>6/10/2017</a:t>
-            </a:fld>
-            <a:endParaRPr lang="en-US" dirty="0"/>
-          </a:p>
-        </p:txBody>
-      </p:sp>
-      <p:sp>
-        <p:nvSpPr>
-          <p:cNvPr id="5" name="Footer Placeholder 4"/>
-          <p:cNvSpPr>
-            <a:spLocks noGrp="1"/>
-          </p:cNvSpPr>
-          <p:nvPr>
-            <p:ph type="ftr" sz="quarter" idx="11"/>
-          </p:nvPr>
-        </p:nvSpPr>
-        <p:spPr/>
-        <p:txBody>
-          <a:bodyPr/>
-          <a:lstStyle/>
-          <a:p>
-            <a:endParaRPr lang="en-US" dirty="0"/>
-          </a:p>
-        </p:txBody>
-      </p:sp>
-      <p:sp>
-        <p:nvSpPr>
-          <p:cNvPr id="6" name="Slide Number Placeholder 5"/>
-          <p:cNvSpPr>
-            <a:spLocks noGrp="1"/>
-          </p:cNvSpPr>
-          <p:nvPr>
-            <p:ph type="sldNum" sz="quarter" idx="12"/>
-          </p:nvPr>
-        </p:nvSpPr>
-        <p:spPr/>
-        <p:txBody>
-          <a:bodyPr/>
-          <a:lstStyle/>
-          <a:p>
-            <a:fld id="{48F63A3B-78C7-47BE-AE5E-E10140E04643}" type="slidenum">
-              <a:rPr lang="en-US" dirty="0"/>
-              <a:t>‹#›</a:t>
-            </a:fld>
-            <a:endParaRPr lang="en-US" dirty="0"/>
           </a:p>
         </p:txBody>
       </p:sp>
@@ -10516,8 +10904,8 @@
         </p:nvSpPr>
         <p:spPr>
           <a:xfrm>
-            <a:off x="838200" y="365125"/>
-            <a:ext cx="10515600" cy="1325563"/>
+            <a:off x="838200" y="226647"/>
+            <a:ext cx="10515600" cy="1195754"/>
           </a:xfrm>
           <a:prstGeom prst="rect">
             <a:avLst/>
@@ -10549,8 +10937,8 @@
         </p:nvSpPr>
         <p:spPr>
           <a:xfrm>
-            <a:off x="838200" y="1825625"/>
-            <a:ext cx="10515600" cy="4351338"/>
+            <a:off x="838200" y="1555262"/>
+            <a:ext cx="10515600" cy="4759569"/>
           </a:xfrm>
           <a:prstGeom prst="rect">
             <a:avLst/>
@@ -10601,120 +10989,40 @@
       </p:sp>
       <p:sp>
         <p:nvSpPr>
-          <p:cNvPr id="4" name="Date Placeholder 3"/>
-          <p:cNvSpPr>
-            <a:spLocks noGrp="1"/>
-          </p:cNvSpPr>
-          <p:nvPr>
-            <p:ph type="dt" sz="half" idx="2"/>
-          </p:nvPr>
+          <p:cNvPr id="7" name="TextBox 6">
+            <a:extLst>
+              <a:ext uri="{FF2B5EF4-FFF2-40B4-BE49-F238E27FC236}">
+                <a16:creationId xmlns:a16="http://schemas.microsoft.com/office/drawing/2014/main" id="{F0568AA2-4C6B-4DE7-A5F1-F06FF39C7CAA}"/>
+              </a:ext>
+            </a:extLst>
+          </p:cNvPr>
+          <p:cNvSpPr txBox="1"/>
+          <p:nvPr userDrawn="1"/>
         </p:nvSpPr>
         <p:spPr>
           <a:xfrm>
-            <a:off x="838200" y="6356350"/>
-            <a:ext cx="2743200" cy="365125"/>
+            <a:off x="9355015" y="6377353"/>
+            <a:ext cx="2782277" cy="369332"/>
           </a:xfrm>
           <a:prstGeom prst="rect">
             <a:avLst/>
           </a:prstGeom>
+          <a:noFill/>
         </p:spPr>
         <p:txBody>
-          <a:bodyPr vert="horz" lIns="91440" tIns="45720" rIns="91440" bIns="45720" rtlCol="0" anchor="ctr"/>
-          <a:lstStyle>
-            <a:lvl1pPr algn="l">
-              <a:defRPr sz="1200">
-                <a:solidFill>
-                  <a:schemeClr val="tx1">
-                    <a:tint val="75000"/>
-                  </a:schemeClr>
-                </a:solidFill>
-              </a:defRPr>
-            </a:lvl1pPr>
-          </a:lstStyle>
-          <a:p>
-            <a:fld id="{C764DE79-268F-4C1A-8933-263129D2AF90}" type="datetimeFigureOut">
+          <a:bodyPr wrap="square" rtlCol="0">
+            <a:spAutoFit/>
+          </a:bodyPr>
+          <a:lstStyle/>
+          <a:p>
+            <a:r>
+              <a:rPr lang="en-US" sz="1000" dirty="0"/>
+              <a:t>Socialize: </a:t>
+            </a:r>
+            <a:r>
               <a:rPr lang="en-US" dirty="0"/>
-              <a:t>6/10/2017</a:t>
-            </a:fld>
-            <a:endParaRPr lang="en-US" dirty="0"/>
-          </a:p>
-        </p:txBody>
-      </p:sp>
-      <p:sp>
-        <p:nvSpPr>
-          <p:cNvPr id="5" name="Footer Placeholder 4"/>
-          <p:cNvSpPr>
-            <a:spLocks noGrp="1"/>
-          </p:cNvSpPr>
-          <p:nvPr>
-            <p:ph type="ftr" sz="quarter" idx="3"/>
-          </p:nvPr>
-        </p:nvSpPr>
-        <p:spPr>
-          <a:xfrm>
-            <a:off x="4038600" y="6356350"/>
-            <a:ext cx="4114800" cy="365125"/>
-          </a:xfrm>
-          <a:prstGeom prst="rect">
-            <a:avLst/>
-          </a:prstGeom>
-        </p:spPr>
-        <p:txBody>
-          <a:bodyPr vert="horz" lIns="91440" tIns="45720" rIns="91440" bIns="45720" rtlCol="0" anchor="ctr"/>
-          <a:lstStyle>
-            <a:lvl1pPr algn="ctr">
-              <a:defRPr sz="1200">
-                <a:solidFill>
-                  <a:schemeClr val="tx1">
-                    <a:tint val="75000"/>
-                  </a:schemeClr>
-                </a:solidFill>
-              </a:defRPr>
-            </a:lvl1pPr>
-          </a:lstStyle>
-          <a:p>
-            <a:endParaRPr lang="en-US" dirty="0"/>
-          </a:p>
-        </p:txBody>
-      </p:sp>
-      <p:sp>
-        <p:nvSpPr>
-          <p:cNvPr id="6" name="Slide Number Placeholder 5"/>
-          <p:cNvSpPr>
-            <a:spLocks noGrp="1"/>
-          </p:cNvSpPr>
-          <p:nvPr>
-            <p:ph type="sldNum" sz="quarter" idx="4"/>
-          </p:nvPr>
-        </p:nvSpPr>
-        <p:spPr>
-          <a:xfrm>
-            <a:off x="8610600" y="6356350"/>
-            <a:ext cx="2743200" cy="365125"/>
-          </a:xfrm>
-          <a:prstGeom prst="rect">
-            <a:avLst/>
-          </a:prstGeom>
-        </p:spPr>
-        <p:txBody>
-          <a:bodyPr vert="horz" lIns="91440" tIns="45720" rIns="91440" bIns="45720" rtlCol="0" anchor="ctr"/>
-          <a:lstStyle>
-            <a:lvl1pPr algn="r">
-              <a:defRPr sz="1200">
-                <a:solidFill>
-                  <a:schemeClr val="tx1">
-                    <a:tint val="75000"/>
-                  </a:schemeClr>
-                </a:solidFill>
-              </a:defRPr>
-            </a:lvl1pPr>
-          </a:lstStyle>
-          <a:p>
-            <a:fld id="{48F63A3B-78C7-47BE-AE5E-E10140E04643}" type="slidenum">
-              <a:rPr lang="en-US" dirty="0"/>
-              <a:t>‹#›</a:t>
-            </a:fld>
-            <a:endParaRPr lang="en-US" dirty="0"/>
+              <a:t>#70-534 @ITProGuru</a:t>
+            </a:r>
           </a:p>
         </p:txBody>
       </p:sp>
@@ -10728,10 +11036,10 @@
   <p:clrMap bg1="lt1" tx1="dk1" bg2="lt2" tx2="dk2" accent1="accent1" accent2="accent2" accent3="accent3" accent4="accent4" accent5="accent5" accent6="accent6" hlink="hlink" folHlink="folHlink"/>
   <p:sldLayoutIdLst>
     <p:sldLayoutId id="2147483686" r:id="rId1"/>
-    <p:sldLayoutId id="2147483687" r:id="rId2"/>
-    <p:sldLayoutId id="2147483688" r:id="rId3"/>
-    <p:sldLayoutId id="2147483662" r:id="rId4"/>
-    <p:sldLayoutId id="2147483684" r:id="rId5"/>
+    <p:sldLayoutId id="2147483688" r:id="rId2"/>
+    <p:sldLayoutId id="2147483662" r:id="rId3"/>
+    <p:sldLayoutId id="2147483684" r:id="rId4"/>
+    <p:sldLayoutId id="2147483687" r:id="rId5"/>
     <p:sldLayoutId id="2147483663" r:id="rId6"/>
     <p:sldLayoutId id="2147483664" r:id="rId7"/>
     <p:sldLayoutId id="2147483665" r:id="rId8"/>
@@ -12195,8 +12503,8 @@
         </p:nvSpPr>
         <p:spPr>
           <a:xfrm>
-            <a:off x="913631" y="6193488"/>
-            <a:ext cx="10628807" cy="584775"/>
+            <a:off x="398232" y="6142652"/>
+            <a:ext cx="9322873" cy="523220"/>
           </a:xfrm>
           <a:prstGeom prst="rect">
             <a:avLst/>
@@ -12226,7 +12534,7 @@
               <a:defRPr/>
             </a:pPr>
             <a:r>
-              <a:rPr kumimoji="0" lang="en-US" sz="3200" b="0" i="0" u="none" strike="noStrike" kern="1200" cap="none" spc="0" normalizeH="0" baseline="0" noProof="0" dirty="0">
+              <a:rPr kumimoji="0" lang="en-US" sz="2800" b="0" i="0" u="none" strike="noStrike" kern="1200" cap="none" spc="0" normalizeH="0" baseline="0" noProof="0" dirty="0">
                 <a:ln>
                   <a:noFill/>
                 </a:ln>
@@ -12277,10 +12585,10 @@
       </p:grpSpPr>
       <p:sp>
         <p:nvSpPr>
-          <p:cNvPr id="2" name="Title 1">
+          <p:cNvPr id="4" name="Title 3">
             <a:extLst>
               <a:ext uri="{FF2B5EF4-FFF2-40B4-BE49-F238E27FC236}">
-                <a16:creationId xmlns:a16="http://schemas.microsoft.com/office/drawing/2014/main" id="{DCECBB78-B0AA-4254-8E86-9443F269DED9}"/>
+                <a16:creationId xmlns:a16="http://schemas.microsoft.com/office/drawing/2014/main" id="{88A85678-0A16-4C89-AD26-5F8AA158F122}"/>
               </a:ext>
             </a:extLst>
           </p:cNvPr>
@@ -12302,10 +12610,10 @@
       </p:sp>
       <p:sp>
         <p:nvSpPr>
-          <p:cNvPr id="3" name="Content Placeholder 2">
+          <p:cNvPr id="5" name="Content Placeholder 4">
             <a:extLst>
               <a:ext uri="{FF2B5EF4-FFF2-40B4-BE49-F238E27FC236}">
-                <a16:creationId xmlns:a16="http://schemas.microsoft.com/office/drawing/2014/main" id="{EB011E80-81A1-4F81-B30E-C593FC86214B}"/>
+                <a16:creationId xmlns:a16="http://schemas.microsoft.com/office/drawing/2014/main" id="{F84B266A-64D5-4D6E-9556-029CC1DD310F}"/>
               </a:ext>
             </a:extLst>
           </p:cNvPr>
@@ -12314,6 +12622,31 @@
           </p:cNvSpPr>
           <p:nvPr>
             <p:ph idx="1"/>
+          </p:nvPr>
+        </p:nvSpPr>
+        <p:spPr/>
+        <p:txBody>
+          <a:bodyPr/>
+          <a:lstStyle/>
+          <a:p>
+            <a:endParaRPr lang="en-US"/>
+          </a:p>
+        </p:txBody>
+      </p:sp>
+      <p:sp>
+        <p:nvSpPr>
+          <p:cNvPr id="6" name="Text Placeholder 5">
+            <a:extLst>
+              <a:ext uri="{FF2B5EF4-FFF2-40B4-BE49-F238E27FC236}">
+                <a16:creationId xmlns:a16="http://schemas.microsoft.com/office/drawing/2014/main" id="{D00B3B4E-3472-4CBF-A3EB-C2047EA11A06}"/>
+              </a:ext>
+            </a:extLst>
+          </p:cNvPr>
+          <p:cNvSpPr>
+            <a:spLocks noGrp="1"/>
+          </p:cNvSpPr>
+          <p:nvPr>
+            <p:ph type="body" sz="quarter" idx="10"/>
           </p:nvPr>
         </p:nvSpPr>
         <p:spPr/>
@@ -12357,10 +12690,10 @@
       </p:grpSpPr>
       <p:sp>
         <p:nvSpPr>
-          <p:cNvPr id="2" name="Title 1">
+          <p:cNvPr id="4" name="Title 3">
             <a:extLst>
               <a:ext uri="{FF2B5EF4-FFF2-40B4-BE49-F238E27FC236}">
-                <a16:creationId xmlns:a16="http://schemas.microsoft.com/office/drawing/2014/main" id="{E242B39E-BC27-48DB-A61A-4F0A26FF72C2}"/>
+                <a16:creationId xmlns:a16="http://schemas.microsoft.com/office/drawing/2014/main" id="{DFC708C8-D05C-45C6-97A8-0AA4D5996669}"/>
               </a:ext>
             </a:extLst>
           </p:cNvPr>
@@ -12382,10 +12715,10 @@
       </p:sp>
       <p:sp>
         <p:nvSpPr>
-          <p:cNvPr id="3" name="Text Placeholder 2">
+          <p:cNvPr id="6" name="Text Placeholder 5">
             <a:extLst>
               <a:ext uri="{FF2B5EF4-FFF2-40B4-BE49-F238E27FC236}">
-                <a16:creationId xmlns:a16="http://schemas.microsoft.com/office/drawing/2014/main" id="{DD2B2B34-55A7-41DB-A1D1-620B6CB74D1E}"/>
+                <a16:creationId xmlns:a16="http://schemas.microsoft.com/office/drawing/2014/main" id="{D3862304-7FFC-46B8-B9A0-10F0010AB3AA}"/>
               </a:ext>
             </a:extLst>
           </p:cNvPr>
@@ -12394,6 +12727,31 @@
           </p:cNvSpPr>
           <p:nvPr>
             <p:ph type="body" sz="quarter" idx="11"/>
+          </p:nvPr>
+        </p:nvSpPr>
+        <p:spPr/>
+        <p:txBody>
+          <a:bodyPr/>
+          <a:lstStyle/>
+          <a:p>
+            <a:endParaRPr lang="en-US"/>
+          </a:p>
+        </p:txBody>
+      </p:sp>
+      <p:sp>
+        <p:nvSpPr>
+          <p:cNvPr id="5" name="Text Placeholder 4">
+            <a:extLst>
+              <a:ext uri="{FF2B5EF4-FFF2-40B4-BE49-F238E27FC236}">
+                <a16:creationId xmlns:a16="http://schemas.microsoft.com/office/drawing/2014/main" id="{4DBAC44B-3FC9-4D23-A06E-22105B31FC9E}"/>
+              </a:ext>
+            </a:extLst>
+          </p:cNvPr>
+          <p:cNvSpPr>
+            <a:spLocks noGrp="1"/>
+          </p:cNvSpPr>
+          <p:nvPr>
+            <p:ph type="body" sz="quarter" idx="10"/>
           </p:nvPr>
         </p:nvSpPr>
         <p:spPr/>
@@ -12459,7 +12817,7 @@
           <a:bodyPr/>
           <a:lstStyle/>
           <a:p>
-            <a:endParaRPr lang="en-US"/>
+            <a:endParaRPr lang="en-US" dirty="0"/>
           </a:p>
         </p:txBody>
       </p:sp>
@@ -15929,7 +16287,7 @@
   <a:extraClrSchemeLst/>
   <a:extLst>
     <a:ext uri="{05A4C25C-085E-4340-85A3-A5531E510DB2}">
-      <thm15:themeFamily xmlns:thm15="http://schemas.microsoft.com/office/thememl/2012/main" name="70-534-Template.pptx" id="{579BE080-85FA-46B1-A707-23A80C39764F}" vid="{1B0A586F-B624-4E78-8ACA-025DEC3AA0B0}"/>
+      <thm15:themeFamily xmlns:thm15="http://schemas.microsoft.com/office/thememl/2012/main" name="70-534-Template.potx" id="{25FFEE14-BE9B-46B5-90FF-019D890D3672}" vid="{6AB25E5C-3AEB-494E-86C0-9659E7189440}"/>
     </a:ext>
   </a:extLst>
 </a:theme>
